--- a/assets/2022/Lectures-PPT/SoManyModels.pptx
+++ b/assets/2022/Lectures-PPT/SoManyModels.pptx
@@ -5,51 +5,53 @@
     <p:sldMasterId id="2147483672" r:id="rId1"/>
   </p:sldMasterIdLst>
   <p:notesMasterIdLst>
-    <p:notesMasterId r:id="rId44"/>
+    <p:notesMasterId r:id="rId46"/>
   </p:notesMasterIdLst>
   <p:sldIdLst>
     <p:sldId id="260" r:id="rId2"/>
     <p:sldId id="261" r:id="rId3"/>
-    <p:sldId id="271" r:id="rId4"/>
-    <p:sldId id="272" r:id="rId5"/>
-    <p:sldId id="273" r:id="rId6"/>
-    <p:sldId id="275" r:id="rId7"/>
-    <p:sldId id="276" r:id="rId8"/>
-    <p:sldId id="286" r:id="rId9"/>
-    <p:sldId id="289" r:id="rId10"/>
-    <p:sldId id="290" r:id="rId11"/>
-    <p:sldId id="291" r:id="rId12"/>
-    <p:sldId id="292" r:id="rId13"/>
-    <p:sldId id="287" r:id="rId14"/>
-    <p:sldId id="288" r:id="rId15"/>
-    <p:sldId id="293" r:id="rId16"/>
-    <p:sldId id="295" r:id="rId17"/>
-    <p:sldId id="294" r:id="rId18"/>
-    <p:sldId id="296" r:id="rId19"/>
-    <p:sldId id="297" r:id="rId20"/>
-    <p:sldId id="298" r:id="rId21"/>
-    <p:sldId id="299" r:id="rId22"/>
-    <p:sldId id="300" r:id="rId23"/>
-    <p:sldId id="301" r:id="rId24"/>
-    <p:sldId id="302" r:id="rId25"/>
-    <p:sldId id="303" r:id="rId26"/>
-    <p:sldId id="304" r:id="rId27"/>
-    <p:sldId id="305" r:id="rId28"/>
-    <p:sldId id="306" r:id="rId29"/>
-    <p:sldId id="314" r:id="rId30"/>
-    <p:sldId id="309" r:id="rId31"/>
-    <p:sldId id="315" r:id="rId32"/>
-    <p:sldId id="307" r:id="rId33"/>
-    <p:sldId id="316" r:id="rId34"/>
-    <p:sldId id="310" r:id="rId35"/>
-    <p:sldId id="317" r:id="rId36"/>
-    <p:sldId id="308" r:id="rId37"/>
+    <p:sldId id="322" r:id="rId4"/>
+    <p:sldId id="271" r:id="rId5"/>
+    <p:sldId id="272" r:id="rId6"/>
+    <p:sldId id="273" r:id="rId7"/>
+    <p:sldId id="275" r:id="rId8"/>
+    <p:sldId id="276" r:id="rId9"/>
+    <p:sldId id="286" r:id="rId10"/>
+    <p:sldId id="289" r:id="rId11"/>
+    <p:sldId id="290" r:id="rId12"/>
+    <p:sldId id="291" r:id="rId13"/>
+    <p:sldId id="292" r:id="rId14"/>
+    <p:sldId id="287" r:id="rId15"/>
+    <p:sldId id="288" r:id="rId16"/>
+    <p:sldId id="293" r:id="rId17"/>
+    <p:sldId id="295" r:id="rId18"/>
+    <p:sldId id="294" r:id="rId19"/>
+    <p:sldId id="296" r:id="rId20"/>
+    <p:sldId id="297" r:id="rId21"/>
+    <p:sldId id="298" r:id="rId22"/>
+    <p:sldId id="299" r:id="rId23"/>
+    <p:sldId id="300" r:id="rId24"/>
+    <p:sldId id="301" r:id="rId25"/>
+    <p:sldId id="302" r:id="rId26"/>
+    <p:sldId id="303" r:id="rId27"/>
+    <p:sldId id="304" r:id="rId28"/>
+    <p:sldId id="305" r:id="rId29"/>
+    <p:sldId id="306" r:id="rId30"/>
+    <p:sldId id="314" r:id="rId31"/>
+    <p:sldId id="309" r:id="rId32"/>
+    <p:sldId id="315" r:id="rId33"/>
+    <p:sldId id="307" r:id="rId34"/>
+    <p:sldId id="316" r:id="rId35"/>
+    <p:sldId id="310" r:id="rId36"/>
+    <p:sldId id="317" r:id="rId37"/>
     <p:sldId id="318" r:id="rId38"/>
-    <p:sldId id="311" r:id="rId39"/>
+    <p:sldId id="308" r:id="rId39"/>
     <p:sldId id="319" r:id="rId40"/>
-    <p:sldId id="313" r:id="rId41"/>
-    <p:sldId id="320" r:id="rId42"/>
-    <p:sldId id="321" r:id="rId43"/>
+    <p:sldId id="311" r:id="rId41"/>
+    <p:sldId id="313" r:id="rId42"/>
+    <p:sldId id="320" r:id="rId43"/>
+    <p:sldId id="321" r:id="rId44"/>
+    <p:sldId id="323" r:id="rId45"/>
   </p:sldIdLst>
   <p:sldSz cx="12192000" cy="6858000"/>
   <p:notesSz cx="6858000" cy="9144000"/>
@@ -238,7 +240,7 @@
           <a:p>
             <a:fld id="{64803745-0C71-BA4F-9F55-4E24EFF4F3DE}" type="datetimeFigureOut">
               <a:rPr lang="en-US" smtClean="0"/>
-              <a:t>12/14/22</a:t>
+              <a:t>12/15/22</a:t>
             </a:fld>
             <a:endParaRPr lang="en-US"/>
           </a:p>
@@ -652,7 +654,7 @@
           <a:p>
             <a:fld id="{1A08DFB9-B33D-264F-97F7-EB53E534371D}" type="datetimeFigureOut">
               <a:rPr lang="en-US" smtClean="0"/>
-              <a:t>12/14/22</a:t>
+              <a:t>12/15/22</a:t>
             </a:fld>
             <a:endParaRPr lang="en-US"/>
           </a:p>
@@ -850,7 +852,7 @@
           <a:p>
             <a:fld id="{1A08DFB9-B33D-264F-97F7-EB53E534371D}" type="datetimeFigureOut">
               <a:rPr lang="en-US" smtClean="0"/>
-              <a:t>12/14/22</a:t>
+              <a:t>12/15/22</a:t>
             </a:fld>
             <a:endParaRPr lang="en-US"/>
           </a:p>
@@ -1058,7 +1060,7 @@
           <a:p>
             <a:fld id="{1A08DFB9-B33D-264F-97F7-EB53E534371D}" type="datetimeFigureOut">
               <a:rPr lang="en-US" smtClean="0"/>
-              <a:t>12/14/22</a:t>
+              <a:t>12/15/22</a:t>
             </a:fld>
             <a:endParaRPr lang="en-US"/>
           </a:p>
@@ -1256,7 +1258,7 @@
           <a:p>
             <a:fld id="{1A08DFB9-B33D-264F-97F7-EB53E534371D}" type="datetimeFigureOut">
               <a:rPr lang="en-US" smtClean="0"/>
-              <a:t>12/14/22</a:t>
+              <a:t>12/15/22</a:t>
             </a:fld>
             <a:endParaRPr lang="en-US"/>
           </a:p>
@@ -1531,7 +1533,7 @@
           <a:p>
             <a:fld id="{1A08DFB9-B33D-264F-97F7-EB53E534371D}" type="datetimeFigureOut">
               <a:rPr lang="en-US" smtClean="0"/>
-              <a:t>12/14/22</a:t>
+              <a:t>12/15/22</a:t>
             </a:fld>
             <a:endParaRPr lang="en-US"/>
           </a:p>
@@ -1796,7 +1798,7 @@
           <a:p>
             <a:fld id="{1A08DFB9-B33D-264F-97F7-EB53E534371D}" type="datetimeFigureOut">
               <a:rPr lang="en-US" smtClean="0"/>
-              <a:t>12/14/22</a:t>
+              <a:t>12/15/22</a:t>
             </a:fld>
             <a:endParaRPr lang="en-US"/>
           </a:p>
@@ -2208,7 +2210,7 @@
           <a:p>
             <a:fld id="{1A08DFB9-B33D-264F-97F7-EB53E534371D}" type="datetimeFigureOut">
               <a:rPr lang="en-US" smtClean="0"/>
-              <a:t>12/14/22</a:t>
+              <a:t>12/15/22</a:t>
             </a:fld>
             <a:endParaRPr lang="en-US"/>
           </a:p>
@@ -2349,7 +2351,7 @@
           <a:p>
             <a:fld id="{1A08DFB9-B33D-264F-97F7-EB53E534371D}" type="datetimeFigureOut">
               <a:rPr lang="en-US" smtClean="0"/>
-              <a:t>12/14/22</a:t>
+              <a:t>12/15/22</a:t>
             </a:fld>
             <a:endParaRPr lang="en-US"/>
           </a:p>
@@ -2462,7 +2464,7 @@
           <a:p>
             <a:fld id="{1A08DFB9-B33D-264F-97F7-EB53E534371D}" type="datetimeFigureOut">
               <a:rPr lang="en-US" smtClean="0"/>
-              <a:t>12/14/22</a:t>
+              <a:t>12/15/22</a:t>
             </a:fld>
             <a:endParaRPr lang="en-US"/>
           </a:p>
@@ -2773,7 +2775,7 @@
           <a:p>
             <a:fld id="{1A08DFB9-B33D-264F-97F7-EB53E534371D}" type="datetimeFigureOut">
               <a:rPr lang="en-US" smtClean="0"/>
-              <a:t>12/14/22</a:t>
+              <a:t>12/15/22</a:t>
             </a:fld>
             <a:endParaRPr lang="en-US"/>
           </a:p>
@@ -3061,7 +3063,7 @@
           <a:p>
             <a:fld id="{1A08DFB9-B33D-264F-97F7-EB53E534371D}" type="datetimeFigureOut">
               <a:rPr lang="en-US" smtClean="0"/>
-              <a:t>12/14/22</a:t>
+              <a:t>12/15/22</a:t>
             </a:fld>
             <a:endParaRPr lang="en-US"/>
           </a:p>
@@ -3302,7 +3304,7 @@
           <a:p>
             <a:fld id="{1A08DFB9-B33D-264F-97F7-EB53E534371D}" type="datetimeFigureOut">
               <a:rPr lang="en-US" smtClean="0"/>
-              <a:t>12/14/22</a:t>
+              <a:t>12/15/22</a:t>
             </a:fld>
             <a:endParaRPr lang="en-US"/>
           </a:p>
@@ -4713,6 +4715,545 @@
         </p:nvSpPr>
         <p:spPr>
           <a:xfrm>
+            <a:off x="212063" y="3031067"/>
+            <a:ext cx="4953378" cy="3651121"/>
+          </a:xfrm>
+          <a:prstGeom prst="rect">
+            <a:avLst/>
+          </a:prstGeom>
+          <a:solidFill>
+            <a:schemeClr val="bg1"/>
+          </a:solidFill>
+          <a:ln>
+            <a:solidFill>
+              <a:schemeClr val="bg1"/>
+            </a:solidFill>
+          </a:ln>
+        </p:spPr>
+        <p:style>
+          <a:lnRef idx="2">
+            <a:schemeClr val="accent1">
+              <a:shade val="50000"/>
+            </a:schemeClr>
+          </a:lnRef>
+          <a:fillRef idx="1">
+            <a:schemeClr val="accent1"/>
+          </a:fillRef>
+          <a:effectRef idx="0">
+            <a:schemeClr val="accent1"/>
+          </a:effectRef>
+          <a:fontRef idx="minor">
+            <a:schemeClr val="lt1"/>
+          </a:fontRef>
+        </p:style>
+        <p:txBody>
+          <a:bodyPr rtlCol="0" anchor="ctr"/>
+          <a:lstStyle/>
+          <a:p>
+            <a:pPr algn="ctr"/>
+            <a:endParaRPr lang="en-US"/>
+          </a:p>
+        </p:txBody>
+      </p:sp>
+    </p:spTree>
+    <p:extLst>
+      <p:ext uri="{BB962C8B-B14F-4D97-AF65-F5344CB8AC3E}">
+        <p14:creationId xmlns:p14="http://schemas.microsoft.com/office/powerpoint/2010/main" val="3170510185"/>
+      </p:ext>
+    </p:extLst>
+  </p:cSld>
+  <p:clrMapOvr>
+    <a:masterClrMapping/>
+  </p:clrMapOvr>
+</p:sld>
+</file>
+
+<file path=ppt/slides/slide11.xml><?xml version="1.0" encoding="utf-8"?>
+<p:sld xmlns:a="http://schemas.openxmlformats.org/drawingml/2006/main" xmlns:r="http://schemas.openxmlformats.org/officeDocument/2006/relationships" xmlns:p="http://schemas.openxmlformats.org/presentationml/2006/main">
+  <p:cSld>
+    <p:spTree>
+      <p:nvGrpSpPr>
+        <p:cNvPr id="1" name=""/>
+        <p:cNvGrpSpPr/>
+        <p:nvPr/>
+      </p:nvGrpSpPr>
+      <p:grpSpPr>
+        <a:xfrm>
+          <a:off x="0" y="0"/>
+          <a:ext cx="0" cy="0"/>
+          <a:chOff x="0" y="0"/>
+          <a:chExt cx="0" cy="0"/>
+        </a:xfrm>
+      </p:grpSpPr>
+      <p:sp>
+        <p:nvSpPr>
+          <p:cNvPr id="8" name="Title 1">
+            <a:extLst>
+              <a:ext uri="{FF2B5EF4-FFF2-40B4-BE49-F238E27FC236}">
+                <a16:creationId xmlns:a16="http://schemas.microsoft.com/office/drawing/2014/main" id="{6182DD66-51BE-4A4D-9224-9E893369BCCB}"/>
+              </a:ext>
+            </a:extLst>
+          </p:cNvPr>
+          <p:cNvSpPr txBox="1">
+            <a:spLocks/>
+          </p:cNvSpPr>
+          <p:nvPr/>
+        </p:nvSpPr>
+        <p:spPr>
+          <a:xfrm>
+            <a:off x="279022" y="175812"/>
+            <a:ext cx="4013015" cy="1325563"/>
+          </a:xfrm>
+          <a:prstGeom prst="rect">
+            <a:avLst/>
+          </a:prstGeom>
+        </p:spPr>
+        <p:txBody>
+          <a:bodyPr vert="horz" lIns="91440" tIns="45720" rIns="91440" bIns="45720" rtlCol="0" anchor="ctr">
+            <a:noAutofit/>
+          </a:bodyPr>
+          <a:lstStyle>
+            <a:lvl1pPr algn="l" defTabSz="914400" rtl="0" eaLnBrk="1" latinLnBrk="0" hangingPunct="1">
+              <a:lnSpc>
+                <a:spcPct val="90000"/>
+              </a:lnSpc>
+              <a:spcBef>
+                <a:spcPct val="0"/>
+              </a:spcBef>
+              <a:buNone/>
+              <a:defRPr sz="4400" kern="1200">
+                <a:solidFill>
+                  <a:schemeClr val="tx1"/>
+                </a:solidFill>
+                <a:latin typeface="+mj-lt"/>
+                <a:ea typeface="+mj-ea"/>
+                <a:cs typeface="+mj-cs"/>
+              </a:defRPr>
+            </a:lvl1pPr>
+          </a:lstStyle>
+          <a:p>
+            <a:pPr algn="ctr"/>
+            <a:r>
+              <a:rPr lang="en-US" sz="3500" dirty="0"/>
+              <a:t>Simple Statistics</a:t>
+            </a:r>
+          </a:p>
+          <a:p>
+            <a:pPr algn="ctr"/>
+            <a:r>
+              <a:rPr lang="en-US" sz="2500" dirty="0"/>
+              <a:t>(categorical groupings)</a:t>
+            </a:r>
+          </a:p>
+          <a:p>
+            <a:pPr algn="ctr"/>
+            <a:r>
+              <a:rPr lang="en-US" sz="2500" dirty="0">
+                <a:solidFill>
+                  <a:schemeClr val="accent5">
+                    <a:lumMod val="75000"/>
+                  </a:schemeClr>
+                </a:solidFill>
+              </a:rPr>
+              <a:t>(</a:t>
+            </a:r>
+            <a:r>
+              <a:rPr lang="en-US" sz="2500" dirty="0" err="1">
+                <a:solidFill>
+                  <a:schemeClr val="accent5">
+                    <a:lumMod val="75000"/>
+                  </a:schemeClr>
+                </a:solidFill>
+              </a:rPr>
+              <a:t>regroupements</a:t>
+            </a:r>
+            <a:r>
+              <a:rPr lang="en-US" sz="2500" dirty="0">
+                <a:solidFill>
+                  <a:schemeClr val="accent5">
+                    <a:lumMod val="75000"/>
+                  </a:schemeClr>
+                </a:solidFill>
+              </a:rPr>
+              <a:t> </a:t>
+            </a:r>
+            <a:r>
+              <a:rPr lang="en-US" sz="2500" dirty="0" err="1">
+                <a:solidFill>
+                  <a:schemeClr val="accent5">
+                    <a:lumMod val="75000"/>
+                  </a:schemeClr>
+                </a:solidFill>
+              </a:rPr>
+              <a:t>catégoriels</a:t>
+            </a:r>
+            <a:r>
+              <a:rPr lang="en-US" sz="2500" dirty="0">
+                <a:solidFill>
+                  <a:schemeClr val="accent5">
+                    <a:lumMod val="75000"/>
+                  </a:schemeClr>
+                </a:solidFill>
+              </a:rPr>
+              <a:t>)</a:t>
+            </a:r>
+          </a:p>
+        </p:txBody>
+      </p:sp>
+      <p:sp>
+        <p:nvSpPr>
+          <p:cNvPr id="3" name="Rectangle 2">
+            <a:extLst>
+              <a:ext uri="{FF2B5EF4-FFF2-40B4-BE49-F238E27FC236}">
+                <a16:creationId xmlns:a16="http://schemas.microsoft.com/office/drawing/2014/main" id="{4B013344-0504-32D6-6055-E9DF99FAD13C}"/>
+              </a:ext>
+            </a:extLst>
+          </p:cNvPr>
+          <p:cNvSpPr/>
+          <p:nvPr/>
+        </p:nvSpPr>
+        <p:spPr>
+          <a:xfrm rot="5400000">
+            <a:off x="2257227" y="-44050"/>
+            <a:ext cx="45719" cy="3242270"/>
+          </a:xfrm>
+          <a:prstGeom prst="rect">
+            <a:avLst/>
+          </a:prstGeom>
+          <a:solidFill>
+            <a:schemeClr val="tx1"/>
+          </a:solidFill>
+        </p:spPr>
+        <p:style>
+          <a:lnRef idx="2">
+            <a:schemeClr val="accent1">
+              <a:shade val="50000"/>
+            </a:schemeClr>
+          </a:lnRef>
+          <a:fillRef idx="1">
+            <a:schemeClr val="accent1"/>
+          </a:fillRef>
+          <a:effectRef idx="0">
+            <a:schemeClr val="accent1"/>
+          </a:effectRef>
+          <a:fontRef idx="minor">
+            <a:schemeClr val="lt1"/>
+          </a:fontRef>
+        </p:style>
+        <p:txBody>
+          <a:bodyPr rtlCol="0" anchor="ctr"/>
+          <a:lstStyle/>
+          <a:p>
+            <a:pPr algn="ctr"/>
+            <a:endParaRPr lang="en-US"/>
+          </a:p>
+        </p:txBody>
+      </p:sp>
+      <p:sp>
+        <p:nvSpPr>
+          <p:cNvPr id="25" name="Title 1">
+            <a:extLst>
+              <a:ext uri="{FF2B5EF4-FFF2-40B4-BE49-F238E27FC236}">
+                <a16:creationId xmlns:a16="http://schemas.microsoft.com/office/drawing/2014/main" id="{9CA237A8-E7E5-1188-739D-8B5E22384DAD}"/>
+              </a:ext>
+            </a:extLst>
+          </p:cNvPr>
+          <p:cNvSpPr txBox="1">
+            <a:spLocks/>
+          </p:cNvSpPr>
+          <p:nvPr/>
+        </p:nvSpPr>
+        <p:spPr>
+          <a:xfrm>
+            <a:off x="212063" y="3296062"/>
+            <a:ext cx="4723804" cy="1898491"/>
+          </a:xfrm>
+          <a:prstGeom prst="rect">
+            <a:avLst/>
+          </a:prstGeom>
+        </p:spPr>
+        <p:txBody>
+          <a:bodyPr vert="horz" lIns="91440" tIns="45720" rIns="91440" bIns="45720" rtlCol="0" anchor="ctr">
+            <a:noAutofit/>
+          </a:bodyPr>
+          <a:lstStyle>
+            <a:lvl1pPr algn="l" defTabSz="914400" rtl="0" eaLnBrk="1" latinLnBrk="0" hangingPunct="1">
+              <a:lnSpc>
+                <a:spcPct val="90000"/>
+              </a:lnSpc>
+              <a:spcBef>
+                <a:spcPct val="0"/>
+              </a:spcBef>
+              <a:buNone/>
+              <a:defRPr sz="4400" kern="1200">
+                <a:solidFill>
+                  <a:schemeClr val="tx1"/>
+                </a:solidFill>
+                <a:latin typeface="+mj-lt"/>
+                <a:ea typeface="+mj-ea"/>
+                <a:cs typeface="+mj-cs"/>
+              </a:defRPr>
+            </a:lvl1pPr>
+          </a:lstStyle>
+          <a:p>
+            <a:r>
+              <a:rPr lang="en-US" sz="3500" dirty="0"/>
+              <a:t>t-tests</a:t>
+            </a:r>
+          </a:p>
+          <a:p>
+            <a:r>
+              <a:rPr lang="en-US" sz="2500" dirty="0"/>
+              <a:t>difference between 2 means</a:t>
+            </a:r>
+          </a:p>
+          <a:p>
+            <a:r>
+              <a:rPr lang="en-US" sz="2500" dirty="0" err="1">
+                <a:solidFill>
+                  <a:schemeClr val="accent5">
+                    <a:lumMod val="75000"/>
+                  </a:schemeClr>
+                </a:solidFill>
+              </a:rPr>
+              <a:t>différence</a:t>
+            </a:r>
+            <a:r>
+              <a:rPr lang="en-US" sz="2500" dirty="0">
+                <a:solidFill>
+                  <a:schemeClr val="accent5">
+                    <a:lumMod val="75000"/>
+                  </a:schemeClr>
+                </a:solidFill>
+              </a:rPr>
+              <a:t> entre 2 </a:t>
+            </a:r>
+            <a:r>
+              <a:rPr lang="en-US" sz="2500" dirty="0" err="1">
+                <a:solidFill>
+                  <a:schemeClr val="accent5">
+                    <a:lumMod val="75000"/>
+                  </a:schemeClr>
+                </a:solidFill>
+              </a:rPr>
+              <a:t>moyennes</a:t>
+            </a:r>
+            <a:endParaRPr lang="en-US" sz="2500" dirty="0">
+              <a:solidFill>
+                <a:schemeClr val="accent5">
+                  <a:lumMod val="75000"/>
+                </a:schemeClr>
+              </a:solidFill>
+            </a:endParaRPr>
+          </a:p>
+          <a:p>
+            <a:endParaRPr lang="en-US" sz="500" dirty="0"/>
+          </a:p>
+          <a:p>
+            <a:r>
+              <a:rPr lang="en-US" sz="3500" dirty="0"/>
+              <a:t>ANOVAs</a:t>
+            </a:r>
+          </a:p>
+          <a:p>
+            <a:r>
+              <a:rPr lang="en-US" sz="2500" dirty="0"/>
+              <a:t>difference between many means</a:t>
+            </a:r>
+          </a:p>
+          <a:p>
+            <a:r>
+              <a:rPr lang="en-US" sz="2500" dirty="0" err="1">
+                <a:solidFill>
+                  <a:schemeClr val="accent5">
+                    <a:lumMod val="75000"/>
+                  </a:schemeClr>
+                </a:solidFill>
+              </a:rPr>
+              <a:t>différence</a:t>
+            </a:r>
+            <a:r>
+              <a:rPr lang="en-US" sz="2500" dirty="0">
+                <a:solidFill>
+                  <a:schemeClr val="accent5">
+                    <a:lumMod val="75000"/>
+                  </a:schemeClr>
+                </a:solidFill>
+              </a:rPr>
+              <a:t> entre </a:t>
+            </a:r>
+            <a:r>
+              <a:rPr lang="en-US" sz="2500" dirty="0" err="1">
+                <a:solidFill>
+                  <a:schemeClr val="accent5">
+                    <a:lumMod val="75000"/>
+                  </a:schemeClr>
+                </a:solidFill>
+              </a:rPr>
+              <a:t>plusieurs</a:t>
+            </a:r>
+            <a:r>
+              <a:rPr lang="en-US" sz="2500" dirty="0">
+                <a:solidFill>
+                  <a:schemeClr val="accent5">
+                    <a:lumMod val="75000"/>
+                  </a:schemeClr>
+                </a:solidFill>
+              </a:rPr>
+              <a:t> </a:t>
+            </a:r>
+            <a:r>
+              <a:rPr lang="en-US" sz="2500" dirty="0" err="1">
+                <a:solidFill>
+                  <a:schemeClr val="accent5">
+                    <a:lumMod val="75000"/>
+                  </a:schemeClr>
+                </a:solidFill>
+              </a:rPr>
+              <a:t>moyens</a:t>
+            </a:r>
+            <a:endParaRPr lang="en-US" sz="2500" dirty="0">
+              <a:solidFill>
+                <a:schemeClr val="accent5">
+                  <a:lumMod val="75000"/>
+                </a:schemeClr>
+              </a:solidFill>
+            </a:endParaRPr>
+          </a:p>
+          <a:p>
+            <a:endParaRPr lang="en-US" sz="500" dirty="0"/>
+          </a:p>
+          <a:p>
+            <a:r>
+              <a:rPr lang="en-US" sz="3500" dirty="0"/>
+              <a:t>permutation tests</a:t>
+            </a:r>
+          </a:p>
+          <a:p>
+            <a:r>
+              <a:rPr lang="en-US" sz="2500" dirty="0"/>
+              <a:t>difference between proportions</a:t>
+            </a:r>
+          </a:p>
+          <a:p>
+            <a:r>
+              <a:rPr lang="en-US" sz="2500" dirty="0" err="1">
+                <a:solidFill>
+                  <a:schemeClr val="accent5">
+                    <a:lumMod val="75000"/>
+                  </a:schemeClr>
+                </a:solidFill>
+              </a:rPr>
+              <a:t>différence</a:t>
+            </a:r>
+            <a:r>
+              <a:rPr lang="en-US" sz="2500" dirty="0">
+                <a:solidFill>
+                  <a:schemeClr val="accent5">
+                    <a:lumMod val="75000"/>
+                  </a:schemeClr>
+                </a:solidFill>
+              </a:rPr>
+              <a:t> entre les proportions</a:t>
+            </a:r>
+          </a:p>
+          <a:p>
+            <a:endParaRPr lang="en-US" sz="500" dirty="0"/>
+          </a:p>
+          <a:p>
+            <a:r>
+              <a:rPr lang="en-US" sz="3500" dirty="0"/>
+              <a:t>chi-square</a:t>
+            </a:r>
+          </a:p>
+          <a:p>
+            <a:r>
+              <a:rPr lang="en-US" sz="2500" dirty="0"/>
+              <a:t>contingency tables</a:t>
+            </a:r>
+          </a:p>
+          <a:p>
+            <a:r>
+              <a:rPr lang="en-US" sz="2500" dirty="0">
+                <a:solidFill>
+                  <a:schemeClr val="accent5">
+                    <a:lumMod val="75000"/>
+                  </a:schemeClr>
+                </a:solidFill>
+              </a:rPr>
+              <a:t>tableaux de contingence</a:t>
+            </a:r>
+          </a:p>
+        </p:txBody>
+      </p:sp>
+      <p:sp>
+        <p:nvSpPr>
+          <p:cNvPr id="27" name="Content Placeholder 2">
+            <a:extLst>
+              <a:ext uri="{FF2B5EF4-FFF2-40B4-BE49-F238E27FC236}">
+                <a16:creationId xmlns:a16="http://schemas.microsoft.com/office/drawing/2014/main" id="{C5A35C6D-1F60-B490-42FC-98FFD9925D28}"/>
+              </a:ext>
+            </a:extLst>
+          </p:cNvPr>
+          <p:cNvSpPr>
+            <a:spLocks noGrp="1"/>
+          </p:cNvSpPr>
+          <p:nvPr>
+            <p:ph idx="1"/>
+          </p:nvPr>
+        </p:nvSpPr>
+        <p:spPr>
+          <a:xfrm>
+            <a:off x="9908870" y="18049"/>
+            <a:ext cx="2253951" cy="406587"/>
+          </a:xfrm>
+        </p:spPr>
+        <p:style>
+          <a:lnRef idx="2">
+            <a:schemeClr val="accent2">
+              <a:shade val="50000"/>
+            </a:schemeClr>
+          </a:lnRef>
+          <a:fillRef idx="1">
+            <a:schemeClr val="accent2"/>
+          </a:fillRef>
+          <a:effectRef idx="0">
+            <a:schemeClr val="accent2"/>
+          </a:effectRef>
+          <a:fontRef idx="minor">
+            <a:schemeClr val="lt1"/>
+          </a:fontRef>
+        </p:style>
+        <p:txBody>
+          <a:bodyPr>
+            <a:noAutofit/>
+          </a:bodyPr>
+          <a:lstStyle/>
+          <a:p>
+            <a:pPr marL="0" indent="0" algn="ctr">
+              <a:buNone/>
+            </a:pPr>
+            <a:r>
+              <a:rPr lang="en-US" dirty="0"/>
+              <a:t>Statistical</a:t>
+            </a:r>
+          </a:p>
+        </p:txBody>
+      </p:sp>
+      <p:sp>
+        <p:nvSpPr>
+          <p:cNvPr id="28" name="Rectangle 27">
+            <a:extLst>
+              <a:ext uri="{FF2B5EF4-FFF2-40B4-BE49-F238E27FC236}">
+                <a16:creationId xmlns:a16="http://schemas.microsoft.com/office/drawing/2014/main" id="{2EE1092D-A34C-E622-FE5D-00EF6C1F696A}"/>
+              </a:ext>
+            </a:extLst>
+          </p:cNvPr>
+          <p:cNvSpPr/>
+          <p:nvPr/>
+        </p:nvSpPr>
+        <p:spPr>
+          <a:xfrm>
             <a:off x="212063" y="4301067"/>
             <a:ext cx="4953378" cy="2381121"/>
           </a:xfrm>
@@ -4766,7 +5307,7 @@
 </p:sld>
 </file>
 
-<file path=ppt/slides/slide11.xml><?xml version="1.0" encoding="utf-8"?>
+<file path=ppt/slides/slide12.xml><?xml version="1.0" encoding="utf-8"?>
 <p:sld xmlns:a="http://schemas.openxmlformats.org/drawingml/2006/main" xmlns:r="http://schemas.openxmlformats.org/officeDocument/2006/relationships" xmlns:p="http://schemas.openxmlformats.org/presentationml/2006/main">
   <p:cSld>
     <p:spTree>
@@ -5305,7 +5846,7 @@
 </p:sld>
 </file>
 
-<file path=ppt/slides/slide12.xml><?xml version="1.0" encoding="utf-8"?>
+<file path=ppt/slides/slide13.xml><?xml version="1.0" encoding="utf-8"?>
 <p:sld xmlns:a="http://schemas.openxmlformats.org/drawingml/2006/main" xmlns:r="http://schemas.openxmlformats.org/officeDocument/2006/relationships" xmlns:p="http://schemas.openxmlformats.org/presentationml/2006/main">
   <p:cSld>
     <p:spTree>
@@ -5790,7 +6331,7 @@
 </p:sld>
 </file>
 
-<file path=ppt/slides/slide13.xml><?xml version="1.0" encoding="utf-8"?>
+<file path=ppt/slides/slide14.xml><?xml version="1.0" encoding="utf-8"?>
 <p:sld xmlns:a="http://schemas.openxmlformats.org/drawingml/2006/main" xmlns:r="http://schemas.openxmlformats.org/officeDocument/2006/relationships" xmlns:p="http://schemas.openxmlformats.org/presentationml/2006/main">
   <p:cSld>
     <p:spTree>
@@ -6488,7 +7029,7 @@
 </p:sld>
 </file>
 
-<file path=ppt/slides/slide14.xml><?xml version="1.0" encoding="utf-8"?>
+<file path=ppt/slides/slide15.xml><?xml version="1.0" encoding="utf-8"?>
 <p:sld xmlns:a="http://schemas.openxmlformats.org/drawingml/2006/main" xmlns:r="http://schemas.openxmlformats.org/officeDocument/2006/relationships" xmlns:p="http://schemas.openxmlformats.org/presentationml/2006/main">
   <p:cSld>
     <p:spTree>
@@ -7742,7 +8283,7 @@
 </p:sld>
 </file>
 
-<file path=ppt/slides/slide15.xml><?xml version="1.0" encoding="utf-8"?>
+<file path=ppt/slides/slide16.xml><?xml version="1.0" encoding="utf-8"?>
 <p:sld xmlns:a="http://schemas.openxmlformats.org/drawingml/2006/main" xmlns:r="http://schemas.openxmlformats.org/officeDocument/2006/relationships" xmlns:p="http://schemas.openxmlformats.org/presentationml/2006/main">
   <p:cSld>
     <p:spTree>
@@ -9121,7 +9662,7 @@
 </p:sld>
 </file>
 
-<file path=ppt/slides/slide16.xml><?xml version="1.0" encoding="utf-8"?>
+<file path=ppt/slides/slide17.xml><?xml version="1.0" encoding="utf-8"?>
 <p:sld xmlns:a="http://schemas.openxmlformats.org/drawingml/2006/main" xmlns:r="http://schemas.openxmlformats.org/officeDocument/2006/relationships" xmlns:p="http://schemas.openxmlformats.org/presentationml/2006/main">
   <p:cSld>
     <p:spTree>
@@ -10651,7 +11192,7 @@
 </p:sld>
 </file>
 
-<file path=ppt/slides/slide17.xml><?xml version="1.0" encoding="utf-8"?>
+<file path=ppt/slides/slide18.xml><?xml version="1.0" encoding="utf-8"?>
 <p:sld xmlns:a="http://schemas.openxmlformats.org/drawingml/2006/main" xmlns:r="http://schemas.openxmlformats.org/officeDocument/2006/relationships" xmlns:p="http://schemas.openxmlformats.org/presentationml/2006/main">
   <p:cSld>
     <p:spTree>
@@ -12373,7 +12914,7 @@
 </p:sld>
 </file>
 
-<file path=ppt/slides/slide18.xml><?xml version="1.0" encoding="utf-8"?>
+<file path=ppt/slides/slide19.xml><?xml version="1.0" encoding="utf-8"?>
 <p:sld xmlns:a="http://schemas.openxmlformats.org/drawingml/2006/main" xmlns:r="http://schemas.openxmlformats.org/officeDocument/2006/relationships" xmlns:p="http://schemas.openxmlformats.org/presentationml/2006/main">
   <p:cSld>
     <p:spTree>
@@ -14297,7 +14838,150 @@
 </p:sld>
 </file>
 
-<file path=ppt/slides/slide19.xml><?xml version="1.0" encoding="utf-8"?>
+<file path=ppt/slides/slide2.xml><?xml version="1.0" encoding="utf-8"?>
+<p:sld xmlns:a="http://schemas.openxmlformats.org/drawingml/2006/main" xmlns:r="http://schemas.openxmlformats.org/officeDocument/2006/relationships" xmlns:p="http://schemas.openxmlformats.org/presentationml/2006/main">
+  <p:cSld>
+    <p:spTree>
+      <p:nvGrpSpPr>
+        <p:cNvPr id="1" name=""/>
+        <p:cNvGrpSpPr/>
+        <p:nvPr/>
+      </p:nvGrpSpPr>
+      <p:grpSpPr>
+        <a:xfrm>
+          <a:off x="0" y="0"/>
+          <a:ext cx="0" cy="0"/>
+          <a:chOff x="0" y="0"/>
+          <a:chExt cx="0" cy="0"/>
+        </a:xfrm>
+      </p:grpSpPr>
+      <p:sp>
+        <p:nvSpPr>
+          <p:cNvPr id="2" name="Title 1">
+            <a:extLst>
+              <a:ext uri="{FF2B5EF4-FFF2-40B4-BE49-F238E27FC236}">
+                <a16:creationId xmlns:a16="http://schemas.microsoft.com/office/drawing/2014/main" id="{FBA19A8F-6A29-3B88-7536-FE637D75E910}"/>
+              </a:ext>
+            </a:extLst>
+          </p:cNvPr>
+          <p:cNvSpPr>
+            <a:spLocks noGrp="1"/>
+          </p:cNvSpPr>
+          <p:nvPr>
+            <p:ph type="title"/>
+          </p:nvPr>
+        </p:nvSpPr>
+        <p:spPr>
+          <a:xfrm>
+            <a:off x="204717" y="200950"/>
+            <a:ext cx="7886699" cy="1325563"/>
+          </a:xfrm>
+        </p:spPr>
+        <p:txBody>
+          <a:bodyPr/>
+          <a:lstStyle/>
+          <a:p>
+            <a:r>
+              <a:rPr lang="en-US" dirty="0"/>
+              <a:t>Two broad classes of models</a:t>
+            </a:r>
+            <a:br>
+              <a:rPr lang="en-US" dirty="0"/>
+            </a:br>
+            <a:r>
+              <a:rPr lang="en-US" dirty="0">
+                <a:solidFill>
+                  <a:schemeClr val="accent5">
+                    <a:lumMod val="75000"/>
+                  </a:schemeClr>
+                </a:solidFill>
+              </a:rPr>
+              <a:t>Deux </a:t>
+            </a:r>
+            <a:r>
+              <a:rPr lang="en-US" dirty="0" err="1">
+                <a:solidFill>
+                  <a:schemeClr val="accent5">
+                    <a:lumMod val="75000"/>
+                  </a:schemeClr>
+                </a:solidFill>
+              </a:rPr>
+              <a:t>grandes</a:t>
+            </a:r>
+            <a:r>
+              <a:rPr lang="en-US" dirty="0">
+                <a:solidFill>
+                  <a:schemeClr val="accent5">
+                    <a:lumMod val="75000"/>
+                  </a:schemeClr>
+                </a:solidFill>
+              </a:rPr>
+              <a:t> classes de </a:t>
+            </a:r>
+            <a:r>
+              <a:rPr lang="en-US" dirty="0" err="1">
+                <a:solidFill>
+                  <a:schemeClr val="accent5">
+                    <a:lumMod val="75000"/>
+                  </a:schemeClr>
+                </a:solidFill>
+              </a:rPr>
+              <a:t>modèles</a:t>
+            </a:r>
+            <a:endParaRPr lang="en-US" dirty="0">
+              <a:solidFill>
+                <a:schemeClr val="accent5">
+                  <a:lumMod val="75000"/>
+                </a:schemeClr>
+              </a:solidFill>
+            </a:endParaRPr>
+          </a:p>
+        </p:txBody>
+      </p:sp>
+      <p:pic>
+        <p:nvPicPr>
+          <p:cNvPr id="6" name="Picture 5">
+            <a:extLst>
+              <a:ext uri="{FF2B5EF4-FFF2-40B4-BE49-F238E27FC236}">
+                <a16:creationId xmlns:a16="http://schemas.microsoft.com/office/drawing/2014/main" id="{1AE383F2-51D5-D844-DDAD-B37B5667137C}"/>
+              </a:ext>
+            </a:extLst>
+          </p:cNvPr>
+          <p:cNvPicPr>
+            <a:picLocks noChangeAspect="1"/>
+          </p:cNvPicPr>
+          <p:nvPr/>
+        </p:nvPicPr>
+        <p:blipFill>
+          <a:blip r:embed="rId2"/>
+          <a:stretch>
+            <a:fillRect/>
+          </a:stretch>
+        </p:blipFill>
+        <p:spPr>
+          <a:xfrm>
+            <a:off x="10008427" y="341241"/>
+            <a:ext cx="1978856" cy="1808186"/>
+          </a:xfrm>
+          <a:prstGeom prst="rect">
+            <a:avLst/>
+          </a:prstGeom>
+        </p:spPr>
+      </p:pic>
+    </p:spTree>
+    <p:extLst>
+      <p:ext uri="{BB962C8B-B14F-4D97-AF65-F5344CB8AC3E}">
+        <p14:creationId xmlns:p14="http://schemas.microsoft.com/office/powerpoint/2010/main" val="1302522452"/>
+      </p:ext>
+    </p:extLst>
+  </p:cSld>
+  <p:clrMapOvr>
+    <a:masterClrMapping/>
+  </p:clrMapOvr>
+</p:sld>
+</file>
+
+<file path=ppt/slides/slide20.xml><?xml version="1.0" encoding="utf-8"?>
 <p:sld xmlns:a="http://schemas.openxmlformats.org/drawingml/2006/main" xmlns:r="http://schemas.openxmlformats.org/officeDocument/2006/relationships" xmlns:p="http://schemas.openxmlformats.org/presentationml/2006/main">
   <p:cSld>
     <p:spTree>
@@ -14368,8 +15052,8 @@
           </a:p>
         </p:txBody>
       </p:sp>
-      <mc:AlternateContent xmlns:mc="http://schemas.openxmlformats.org/markup-compatibility/2006">
-        <mc:Choice xmlns:a14="http://schemas.microsoft.com/office/drawing/2010/main" Requires="a14">
+      <mc:AlternateContent xmlns:mc="http://schemas.openxmlformats.org/markup-compatibility/2006" xmlns:a14="http://schemas.microsoft.com/office/drawing/2010/main">
+        <mc:Choice Requires="a14">
           <p:sp>
             <p:nvSpPr>
               <p:cNvPr id="30" name="TextBox 29">
@@ -14490,7 +15174,7 @@
             </p:txBody>
           </p:sp>
         </mc:Choice>
-        <mc:Fallback>
+        <mc:Fallback xmlns="">
           <p:sp>
             <p:nvSpPr>
               <p:cNvPr id="30" name="TextBox 29">
@@ -15118,7 +15802,6 @@
           </a:bodyPr>
           <a:lstStyle/>
           <a:p>
-            <a:pPr/>
             <a:r>
               <a:rPr lang="en-US" b="0" dirty="0">
                 <a:solidFill>
@@ -15131,7 +15814,6 @@
             </a:r>
           </a:p>
           <a:p>
-            <a:pPr/>
             <a:r>
               <a:rPr lang="en-US" b="0" dirty="0">
                 <a:solidFill>
@@ -15224,7 +15906,6 @@
             </a:r>
           </a:p>
           <a:p>
-            <a:pPr/>
             <a:r>
               <a:rPr lang="en-US" b="0" dirty="0">
                 <a:solidFill>
@@ -15297,7 +15978,6 @@
             </a:r>
           </a:p>
           <a:p>
-            <a:pPr/>
             <a:r>
               <a:rPr lang="en-US" b="0" dirty="0">
                 <a:solidFill>
@@ -15332,394 +16012,7 @@
 </p:sld>
 </file>
 
-<file path=ppt/slides/slide2.xml><?xml version="1.0" encoding="utf-8"?>
-<p:sld xmlns:a="http://schemas.openxmlformats.org/drawingml/2006/main" xmlns:r="http://schemas.openxmlformats.org/officeDocument/2006/relationships" xmlns:p="http://schemas.openxmlformats.org/presentationml/2006/main">
-  <p:cSld>
-    <p:spTree>
-      <p:nvGrpSpPr>
-        <p:cNvPr id="1" name=""/>
-        <p:cNvGrpSpPr/>
-        <p:nvPr/>
-      </p:nvGrpSpPr>
-      <p:grpSpPr>
-        <a:xfrm>
-          <a:off x="0" y="0"/>
-          <a:ext cx="0" cy="0"/>
-          <a:chOff x="0" y="0"/>
-          <a:chExt cx="0" cy="0"/>
-        </a:xfrm>
-      </p:grpSpPr>
-      <p:sp>
-        <p:nvSpPr>
-          <p:cNvPr id="2" name="Title 1">
-            <a:extLst>
-              <a:ext uri="{FF2B5EF4-FFF2-40B4-BE49-F238E27FC236}">
-                <a16:creationId xmlns:a16="http://schemas.microsoft.com/office/drawing/2014/main" id="{FBA19A8F-6A29-3B88-7536-FE637D75E910}"/>
-              </a:ext>
-            </a:extLst>
-          </p:cNvPr>
-          <p:cNvSpPr>
-            <a:spLocks noGrp="1"/>
-          </p:cNvSpPr>
-          <p:nvPr>
-            <p:ph type="title"/>
-          </p:nvPr>
-        </p:nvSpPr>
-        <p:spPr>
-          <a:xfrm>
-            <a:off x="204717" y="200950"/>
-            <a:ext cx="7886699" cy="1325563"/>
-          </a:xfrm>
-        </p:spPr>
-        <p:txBody>
-          <a:bodyPr/>
-          <a:lstStyle/>
-          <a:p>
-            <a:r>
-              <a:rPr lang="en-US" dirty="0"/>
-              <a:t>Two broad classes of models</a:t>
-            </a:r>
-            <a:br>
-              <a:rPr lang="en-US" dirty="0"/>
-            </a:br>
-            <a:r>
-              <a:rPr lang="en-US" dirty="0">
-                <a:solidFill>
-                  <a:schemeClr val="accent5">
-                    <a:lumMod val="75000"/>
-                  </a:schemeClr>
-                </a:solidFill>
-              </a:rPr>
-              <a:t>Deux </a:t>
-            </a:r>
-            <a:r>
-              <a:rPr lang="en-US" dirty="0" err="1">
-                <a:solidFill>
-                  <a:schemeClr val="accent5">
-                    <a:lumMod val="75000"/>
-                  </a:schemeClr>
-                </a:solidFill>
-              </a:rPr>
-              <a:t>grandes</a:t>
-            </a:r>
-            <a:r>
-              <a:rPr lang="en-US" dirty="0">
-                <a:solidFill>
-                  <a:schemeClr val="accent5">
-                    <a:lumMod val="75000"/>
-                  </a:schemeClr>
-                </a:solidFill>
-              </a:rPr>
-              <a:t> classes de </a:t>
-            </a:r>
-            <a:r>
-              <a:rPr lang="en-US" dirty="0" err="1">
-                <a:solidFill>
-                  <a:schemeClr val="accent5">
-                    <a:lumMod val="75000"/>
-                  </a:schemeClr>
-                </a:solidFill>
-              </a:rPr>
-              <a:t>modèles</a:t>
-            </a:r>
-            <a:endParaRPr lang="en-US" dirty="0">
-              <a:solidFill>
-                <a:schemeClr val="accent5">
-                  <a:lumMod val="75000"/>
-                </a:schemeClr>
-              </a:solidFill>
-            </a:endParaRPr>
-          </a:p>
-        </p:txBody>
-      </p:sp>
-      <p:pic>
-        <p:nvPicPr>
-          <p:cNvPr id="6" name="Picture 5">
-            <a:extLst>
-              <a:ext uri="{FF2B5EF4-FFF2-40B4-BE49-F238E27FC236}">
-                <a16:creationId xmlns:a16="http://schemas.microsoft.com/office/drawing/2014/main" id="{1AE383F2-51D5-D844-DDAD-B37B5667137C}"/>
-              </a:ext>
-            </a:extLst>
-          </p:cNvPr>
-          <p:cNvPicPr>
-            <a:picLocks noChangeAspect="1"/>
-          </p:cNvPicPr>
-          <p:nvPr/>
-        </p:nvPicPr>
-        <p:blipFill>
-          <a:blip r:embed="rId2"/>
-          <a:stretch>
-            <a:fillRect/>
-          </a:stretch>
-        </p:blipFill>
-        <p:spPr>
-          <a:xfrm>
-            <a:off x="10008427" y="341241"/>
-            <a:ext cx="1978856" cy="1808186"/>
-          </a:xfrm>
-          <a:prstGeom prst="rect">
-            <a:avLst/>
-          </a:prstGeom>
-        </p:spPr>
-      </p:pic>
-      <p:sp>
-        <p:nvSpPr>
-          <p:cNvPr id="8" name="Title 1">
-            <a:extLst>
-              <a:ext uri="{FF2B5EF4-FFF2-40B4-BE49-F238E27FC236}">
-                <a16:creationId xmlns:a16="http://schemas.microsoft.com/office/drawing/2014/main" id="{6182DD66-51BE-4A4D-9224-9E893369BCCB}"/>
-              </a:ext>
-            </a:extLst>
-          </p:cNvPr>
-          <p:cNvSpPr txBox="1">
-            <a:spLocks/>
-          </p:cNvSpPr>
-          <p:nvPr/>
-        </p:nvSpPr>
-        <p:spPr>
-          <a:xfrm>
-            <a:off x="3291448" y="1562700"/>
-            <a:ext cx="2386023" cy="1325563"/>
-          </a:xfrm>
-          <a:prstGeom prst="rect">
-            <a:avLst/>
-          </a:prstGeom>
-        </p:spPr>
-        <p:txBody>
-          <a:bodyPr vert="horz" lIns="91440" tIns="45720" rIns="91440" bIns="45720" rtlCol="0" anchor="ctr">
-            <a:normAutofit fontScale="92500"/>
-          </a:bodyPr>
-          <a:lstStyle>
-            <a:lvl1pPr algn="l" defTabSz="914400" rtl="0" eaLnBrk="1" latinLnBrk="0" hangingPunct="1">
-              <a:lnSpc>
-                <a:spcPct val="90000"/>
-              </a:lnSpc>
-              <a:spcBef>
-                <a:spcPct val="0"/>
-              </a:spcBef>
-              <a:buNone/>
-              <a:defRPr sz="4400" kern="1200">
-                <a:solidFill>
-                  <a:schemeClr val="tx1"/>
-                </a:solidFill>
-                <a:latin typeface="+mj-lt"/>
-                <a:ea typeface="+mj-ea"/>
-                <a:cs typeface="+mj-cs"/>
-              </a:defRPr>
-            </a:lvl1pPr>
-          </a:lstStyle>
-          <a:p>
-            <a:r>
-              <a:rPr lang="en-US" dirty="0"/>
-              <a:t>Statistical</a:t>
-            </a:r>
-          </a:p>
-          <a:p>
-            <a:r>
-              <a:rPr lang="en-US" dirty="0" err="1">
-                <a:solidFill>
-                  <a:schemeClr val="accent5">
-                    <a:lumMod val="75000"/>
-                  </a:schemeClr>
-                </a:solidFill>
-              </a:rPr>
-              <a:t>Statistique</a:t>
-            </a:r>
-            <a:endParaRPr lang="en-US" dirty="0">
-              <a:solidFill>
-                <a:schemeClr val="accent5">
-                  <a:lumMod val="75000"/>
-                </a:schemeClr>
-              </a:solidFill>
-            </a:endParaRPr>
-          </a:p>
-        </p:txBody>
-      </p:sp>
-      <p:sp>
-        <p:nvSpPr>
-          <p:cNvPr id="9" name="Title 1">
-            <a:extLst>
-              <a:ext uri="{FF2B5EF4-FFF2-40B4-BE49-F238E27FC236}">
-                <a16:creationId xmlns:a16="http://schemas.microsoft.com/office/drawing/2014/main" id="{27D97289-5F1D-28DE-8FD8-5440786F63D4}"/>
-              </a:ext>
-            </a:extLst>
-          </p:cNvPr>
-          <p:cNvSpPr txBox="1">
-            <a:spLocks/>
-          </p:cNvSpPr>
-          <p:nvPr/>
-        </p:nvSpPr>
-        <p:spPr>
-          <a:xfrm>
-            <a:off x="6062093" y="1562701"/>
-            <a:ext cx="3177091" cy="1325563"/>
-          </a:xfrm>
-          <a:prstGeom prst="rect">
-            <a:avLst/>
-          </a:prstGeom>
-        </p:spPr>
-        <p:txBody>
-          <a:bodyPr vert="horz" lIns="91440" tIns="45720" rIns="91440" bIns="45720" rtlCol="0" anchor="ctr">
-            <a:normAutofit/>
-          </a:bodyPr>
-          <a:lstStyle>
-            <a:lvl1pPr algn="l" defTabSz="914400" rtl="0" eaLnBrk="1" latinLnBrk="0" hangingPunct="1">
-              <a:lnSpc>
-                <a:spcPct val="90000"/>
-              </a:lnSpc>
-              <a:spcBef>
-                <a:spcPct val="0"/>
-              </a:spcBef>
-              <a:buNone/>
-              <a:defRPr sz="4400" kern="1200">
-                <a:solidFill>
-                  <a:schemeClr val="tx1"/>
-                </a:solidFill>
-                <a:latin typeface="+mj-lt"/>
-                <a:ea typeface="+mj-ea"/>
-                <a:cs typeface="+mj-cs"/>
-              </a:defRPr>
-            </a:lvl1pPr>
-          </a:lstStyle>
-          <a:p>
-            <a:r>
-              <a:rPr lang="en-US" dirty="0"/>
-              <a:t>Mechanistic</a:t>
-            </a:r>
-          </a:p>
-          <a:p>
-            <a:r>
-              <a:rPr lang="en-US" dirty="0" err="1">
-                <a:solidFill>
-                  <a:schemeClr val="accent5">
-                    <a:lumMod val="75000"/>
-                  </a:schemeClr>
-                </a:solidFill>
-              </a:rPr>
-              <a:t>Mécaniste</a:t>
-            </a:r>
-            <a:endParaRPr lang="en-US" dirty="0">
-              <a:solidFill>
-                <a:schemeClr val="accent5">
-                  <a:lumMod val="75000"/>
-                </a:schemeClr>
-              </a:solidFill>
-            </a:endParaRPr>
-          </a:p>
-        </p:txBody>
-      </p:sp>
-      <p:sp>
-        <p:nvSpPr>
-          <p:cNvPr id="10" name="Rectangle 9">
-            <a:extLst>
-              <a:ext uri="{FF2B5EF4-FFF2-40B4-BE49-F238E27FC236}">
-                <a16:creationId xmlns:a16="http://schemas.microsoft.com/office/drawing/2014/main" id="{4E77466C-6D40-F2E1-DD45-6498CB1C95BA}"/>
-              </a:ext>
-            </a:extLst>
-          </p:cNvPr>
-          <p:cNvSpPr/>
-          <p:nvPr/>
-        </p:nvSpPr>
-        <p:spPr>
-          <a:xfrm rot="5400000">
-            <a:off x="6073140" y="-591410"/>
-            <a:ext cx="45719" cy="7077443"/>
-          </a:xfrm>
-          <a:prstGeom prst="rect">
-            <a:avLst/>
-          </a:prstGeom>
-          <a:solidFill>
-            <a:schemeClr val="tx1"/>
-          </a:solidFill>
-        </p:spPr>
-        <p:style>
-          <a:lnRef idx="2">
-            <a:schemeClr val="accent1">
-              <a:shade val="50000"/>
-            </a:schemeClr>
-          </a:lnRef>
-          <a:fillRef idx="1">
-            <a:schemeClr val="accent1"/>
-          </a:fillRef>
-          <a:effectRef idx="0">
-            <a:schemeClr val="accent1"/>
-          </a:effectRef>
-          <a:fontRef idx="minor">
-            <a:schemeClr val="lt1"/>
-          </a:fontRef>
-        </p:style>
-        <p:txBody>
-          <a:bodyPr rtlCol="0" anchor="ctr"/>
-          <a:lstStyle/>
-          <a:p>
-            <a:pPr algn="ctr"/>
-            <a:endParaRPr lang="en-US"/>
-          </a:p>
-        </p:txBody>
-      </p:sp>
-      <p:sp>
-        <p:nvSpPr>
-          <p:cNvPr id="11" name="Rectangle 10">
-            <a:extLst>
-              <a:ext uri="{FF2B5EF4-FFF2-40B4-BE49-F238E27FC236}">
-                <a16:creationId xmlns:a16="http://schemas.microsoft.com/office/drawing/2014/main" id="{C12900C5-DDE7-5366-8AFF-587A19A94932}"/>
-              </a:ext>
-            </a:extLst>
-          </p:cNvPr>
-          <p:cNvSpPr/>
-          <p:nvPr/>
-        </p:nvSpPr>
-        <p:spPr>
-          <a:xfrm>
-            <a:off x="5880989" y="1526513"/>
-            <a:ext cx="45719" cy="4655924"/>
-          </a:xfrm>
-          <a:prstGeom prst="rect">
-            <a:avLst/>
-          </a:prstGeom>
-          <a:solidFill>
-            <a:schemeClr val="tx1"/>
-          </a:solidFill>
-        </p:spPr>
-        <p:style>
-          <a:lnRef idx="2">
-            <a:schemeClr val="accent1">
-              <a:shade val="50000"/>
-            </a:schemeClr>
-          </a:lnRef>
-          <a:fillRef idx="1">
-            <a:schemeClr val="accent1"/>
-          </a:fillRef>
-          <a:effectRef idx="0">
-            <a:schemeClr val="accent1"/>
-          </a:effectRef>
-          <a:fontRef idx="minor">
-            <a:schemeClr val="lt1"/>
-          </a:fontRef>
-        </p:style>
-        <p:txBody>
-          <a:bodyPr rtlCol="0" anchor="ctr"/>
-          <a:lstStyle/>
-          <a:p>
-            <a:pPr algn="ctr"/>
-            <a:endParaRPr lang="en-US"/>
-          </a:p>
-        </p:txBody>
-      </p:sp>
-    </p:spTree>
-    <p:extLst>
-      <p:ext uri="{BB962C8B-B14F-4D97-AF65-F5344CB8AC3E}">
-        <p14:creationId xmlns:p14="http://schemas.microsoft.com/office/powerpoint/2010/main" val="1302522452"/>
-      </p:ext>
-    </p:extLst>
-  </p:cSld>
-  <p:clrMapOvr>
-    <a:masterClrMapping/>
-  </p:clrMapOvr>
-</p:sld>
-</file>
-
-<file path=ppt/slides/slide20.xml><?xml version="1.0" encoding="utf-8"?>
+<file path=ppt/slides/slide21.xml><?xml version="1.0" encoding="utf-8"?>
 <p:sld xmlns:a="http://schemas.openxmlformats.org/drawingml/2006/main" xmlns:r="http://schemas.openxmlformats.org/officeDocument/2006/relationships" xmlns:p="http://schemas.openxmlformats.org/presentationml/2006/main">
   <p:cSld>
     <p:spTree>
@@ -16028,7 +16321,7 @@
 </p:sld>
 </file>
 
-<file path=ppt/slides/slide21.xml><?xml version="1.0" encoding="utf-8"?>
+<file path=ppt/slides/slide22.xml><?xml version="1.0" encoding="utf-8"?>
 <p:sld xmlns:a="http://schemas.openxmlformats.org/drawingml/2006/main" xmlns:r="http://schemas.openxmlformats.org/officeDocument/2006/relationships" xmlns:p="http://schemas.openxmlformats.org/presentationml/2006/main">
   <p:cSld>
     <p:spTree>
@@ -16787,7 +17080,7 @@
 </p:sld>
 </file>
 
-<file path=ppt/slides/slide22.xml><?xml version="1.0" encoding="utf-8"?>
+<file path=ppt/slides/slide23.xml><?xml version="1.0" encoding="utf-8"?>
 <p:sld xmlns:a="http://schemas.openxmlformats.org/drawingml/2006/main" xmlns:r="http://schemas.openxmlformats.org/officeDocument/2006/relationships" xmlns:p="http://schemas.openxmlformats.org/presentationml/2006/main">
   <p:cSld>
     <p:spTree>
@@ -17984,7 +18277,7 @@
 </p:sld>
 </file>
 
-<file path=ppt/slides/slide23.xml><?xml version="1.0" encoding="utf-8"?>
+<file path=ppt/slides/slide24.xml><?xml version="1.0" encoding="utf-8"?>
 <p:sld xmlns:a="http://schemas.openxmlformats.org/drawingml/2006/main" xmlns:r="http://schemas.openxmlformats.org/officeDocument/2006/relationships" xmlns:p="http://schemas.openxmlformats.org/presentationml/2006/main">
   <p:cSld>
     <p:spTree>
@@ -19110,7 +19403,7 @@
 </p:sld>
 </file>
 
-<file path=ppt/slides/slide24.xml><?xml version="1.0" encoding="utf-8"?>
+<file path=ppt/slides/slide25.xml><?xml version="1.0" encoding="utf-8"?>
 <p:sld xmlns:a="http://schemas.openxmlformats.org/drawingml/2006/main" xmlns:r="http://schemas.openxmlformats.org/officeDocument/2006/relationships" xmlns:p="http://schemas.openxmlformats.org/presentationml/2006/main">
   <p:cSld>
     <p:spTree>
@@ -20236,7 +20529,7 @@
 </p:sld>
 </file>
 
-<file path=ppt/slides/slide25.xml><?xml version="1.0" encoding="utf-8"?>
+<file path=ppt/slides/slide26.xml><?xml version="1.0" encoding="utf-8"?>
 <p:sld xmlns:a="http://schemas.openxmlformats.org/drawingml/2006/main" xmlns:r="http://schemas.openxmlformats.org/officeDocument/2006/relationships" xmlns:p="http://schemas.openxmlformats.org/presentationml/2006/main">
   <p:cSld>
     <p:spTree>
@@ -21362,7 +21655,7 @@
 </p:sld>
 </file>
 
-<file path=ppt/slides/slide26.xml><?xml version="1.0" encoding="utf-8"?>
+<file path=ppt/slides/slide27.xml><?xml version="1.0" encoding="utf-8"?>
 <p:sld xmlns:a="http://schemas.openxmlformats.org/drawingml/2006/main" xmlns:r="http://schemas.openxmlformats.org/officeDocument/2006/relationships" xmlns:p="http://schemas.openxmlformats.org/presentationml/2006/main">
   <p:cSld>
     <p:spTree>
@@ -22488,7 +22781,7 @@
 </p:sld>
 </file>
 
-<file path=ppt/slides/slide27.xml><?xml version="1.0" encoding="utf-8"?>
+<file path=ppt/slides/slide28.xml><?xml version="1.0" encoding="utf-8"?>
 <p:sld xmlns:a="http://schemas.openxmlformats.org/drawingml/2006/main" xmlns:r="http://schemas.openxmlformats.org/officeDocument/2006/relationships" xmlns:p="http://schemas.openxmlformats.org/presentationml/2006/main">
   <p:cSld>
     <p:spTree>
@@ -23562,209 +23855,6 @@
 </p:sld>
 </file>
 
-<file path=ppt/slides/slide28.xml><?xml version="1.0" encoding="utf-8"?>
-<p:sld xmlns:a="http://schemas.openxmlformats.org/drawingml/2006/main" xmlns:r="http://schemas.openxmlformats.org/officeDocument/2006/relationships" xmlns:p="http://schemas.openxmlformats.org/presentationml/2006/main">
-  <p:cSld>
-    <p:spTree>
-      <p:nvGrpSpPr>
-        <p:cNvPr id="1" name=""/>
-        <p:cNvGrpSpPr/>
-        <p:nvPr/>
-      </p:nvGrpSpPr>
-      <p:grpSpPr>
-        <a:xfrm>
-          <a:off x="0" y="0"/>
-          <a:ext cx="0" cy="0"/>
-          <a:chOff x="0" y="0"/>
-          <a:chExt cx="0" cy="0"/>
-        </a:xfrm>
-      </p:grpSpPr>
-      <p:sp>
-        <p:nvSpPr>
-          <p:cNvPr id="7" name="Content Placeholder 6">
-            <a:extLst>
-              <a:ext uri="{FF2B5EF4-FFF2-40B4-BE49-F238E27FC236}">
-                <a16:creationId xmlns:a16="http://schemas.microsoft.com/office/drawing/2014/main" id="{D88ADF2B-DC9B-DD40-8D15-4CB425741AE5}"/>
-              </a:ext>
-            </a:extLst>
-          </p:cNvPr>
-          <p:cNvSpPr>
-            <a:spLocks noGrp="1"/>
-          </p:cNvSpPr>
-          <p:nvPr>
-            <p:ph idx="1"/>
-          </p:nvPr>
-        </p:nvSpPr>
-        <p:spPr/>
-        <p:txBody>
-          <a:bodyPr/>
-          <a:lstStyle/>
-          <a:p>
-            <a:r>
-              <a:rPr lang="en-US" dirty="0"/>
-              <a:t>Christian wants to compare the average lengths of snakes in different national parks in Madagascar. </a:t>
-            </a:r>
-          </a:p>
-          <a:p>
-            <a:r>
-              <a:rPr lang="en-US" dirty="0">
-                <a:solidFill>
-                  <a:schemeClr val="accent5">
-                    <a:lumMod val="75000"/>
-                  </a:schemeClr>
-                </a:solidFill>
-              </a:rPr>
-              <a:t>Christian </a:t>
-            </a:r>
-            <a:r>
-              <a:rPr lang="en-US" dirty="0" err="1">
-                <a:solidFill>
-                  <a:schemeClr val="accent5">
-                    <a:lumMod val="75000"/>
-                  </a:schemeClr>
-                </a:solidFill>
-              </a:rPr>
-              <a:t>veut</a:t>
-            </a:r>
-            <a:r>
-              <a:rPr lang="en-US" dirty="0">
-                <a:solidFill>
-                  <a:schemeClr val="accent5">
-                    <a:lumMod val="75000"/>
-                  </a:schemeClr>
-                </a:solidFill>
-              </a:rPr>
-              <a:t> comparer les longueurs </a:t>
-            </a:r>
-            <a:r>
-              <a:rPr lang="en-US" dirty="0" err="1">
-                <a:solidFill>
-                  <a:schemeClr val="accent5">
-                    <a:lumMod val="75000"/>
-                  </a:schemeClr>
-                </a:solidFill>
-              </a:rPr>
-              <a:t>moyennes</a:t>
-            </a:r>
-            <a:r>
-              <a:rPr lang="en-US" dirty="0">
-                <a:solidFill>
-                  <a:schemeClr val="accent5">
-                    <a:lumMod val="75000"/>
-                  </a:schemeClr>
-                </a:solidFill>
-              </a:rPr>
-              <a:t> des serpents dans </a:t>
-            </a:r>
-            <a:r>
-              <a:rPr lang="en-US" dirty="0" err="1">
-                <a:solidFill>
-                  <a:schemeClr val="accent5">
-                    <a:lumMod val="75000"/>
-                  </a:schemeClr>
-                </a:solidFill>
-              </a:rPr>
-              <a:t>différents</a:t>
-            </a:r>
-            <a:r>
-              <a:rPr lang="en-US" dirty="0">
-                <a:solidFill>
-                  <a:schemeClr val="accent5">
-                    <a:lumMod val="75000"/>
-                  </a:schemeClr>
-                </a:solidFill>
-              </a:rPr>
-              <a:t> parcs </a:t>
-            </a:r>
-            <a:r>
-              <a:rPr lang="en-US" dirty="0" err="1">
-                <a:solidFill>
-                  <a:schemeClr val="accent5">
-                    <a:lumMod val="75000"/>
-                  </a:schemeClr>
-                </a:solidFill>
-              </a:rPr>
-              <a:t>nationaux</a:t>
-            </a:r>
-            <a:r>
-              <a:rPr lang="en-US" dirty="0">
-                <a:solidFill>
-                  <a:schemeClr val="accent5">
-                    <a:lumMod val="75000"/>
-                  </a:schemeClr>
-                </a:solidFill>
-              </a:rPr>
-              <a:t> de Madagascar.</a:t>
-            </a:r>
-          </a:p>
-        </p:txBody>
-      </p:sp>
-      <p:sp>
-        <p:nvSpPr>
-          <p:cNvPr id="10" name="Title 1">
-            <a:extLst>
-              <a:ext uri="{FF2B5EF4-FFF2-40B4-BE49-F238E27FC236}">
-                <a16:creationId xmlns:a16="http://schemas.microsoft.com/office/drawing/2014/main" id="{FC414975-32A9-6DFA-EC66-4F3F003A3D01}"/>
-              </a:ext>
-            </a:extLst>
-          </p:cNvPr>
-          <p:cNvSpPr>
-            <a:spLocks noGrp="1"/>
-          </p:cNvSpPr>
-          <p:nvPr>
-            <p:ph type="title"/>
-          </p:nvPr>
-        </p:nvSpPr>
-        <p:spPr>
-          <a:xfrm>
-            <a:off x="675216" y="500062"/>
-            <a:ext cx="10515600" cy="1325563"/>
-          </a:xfrm>
-        </p:spPr>
-        <p:txBody>
-          <a:bodyPr/>
-          <a:lstStyle/>
-          <a:p>
-            <a:r>
-              <a:rPr lang="en-US" b="1" dirty="0"/>
-              <a:t>Which model? </a:t>
-            </a:r>
-            <a:r>
-              <a:rPr lang="en-US" b="1" dirty="0" err="1">
-                <a:solidFill>
-                  <a:schemeClr val="accent5">
-                    <a:lumMod val="75000"/>
-                  </a:schemeClr>
-                </a:solidFill>
-              </a:rPr>
-              <a:t>Quel</a:t>
-            </a:r>
-            <a:r>
-              <a:rPr lang="en-US" b="1" dirty="0">
-                <a:solidFill>
-                  <a:schemeClr val="accent5">
-                    <a:lumMod val="75000"/>
-                  </a:schemeClr>
-                </a:solidFill>
-              </a:rPr>
-              <a:t> model?</a:t>
-            </a:r>
-          </a:p>
-        </p:txBody>
-      </p:sp>
-    </p:spTree>
-    <p:extLst>
-      <p:ext uri="{BB962C8B-B14F-4D97-AF65-F5344CB8AC3E}">
-        <p14:creationId xmlns:p14="http://schemas.microsoft.com/office/powerpoint/2010/main" val="2589306489"/>
-      </p:ext>
-    </p:extLst>
-  </p:cSld>
-  <p:clrMapOvr>
-    <a:masterClrMapping/>
-  </p:clrMapOvr>
-</p:sld>
-</file>
-
 <file path=ppt/slides/slide29.xml><?xml version="1.0" encoding="utf-8"?>
 <p:sld xmlns:a="http://schemas.openxmlformats.org/drawingml/2006/main" xmlns:r="http://schemas.openxmlformats.org/officeDocument/2006/relationships" xmlns:p="http://schemas.openxmlformats.org/presentationml/2006/main">
   <p:cSld>
@@ -23900,12 +23990,6 @@
               <a:t> de Madagascar.</a:t>
             </a:r>
           </a:p>
-          <a:p>
-            <a:r>
-              <a:rPr lang="en-US" dirty="0"/>
-              <a:t>ANOVA</a:t>
-            </a:r>
-          </a:p>
         </p:txBody>
       </p:sp>
       <p:sp>
@@ -23964,7 +24048,7 @@
     </p:spTree>
     <p:extLst>
       <p:ext uri="{BB962C8B-B14F-4D97-AF65-F5344CB8AC3E}">
-        <p14:creationId xmlns:p14="http://schemas.microsoft.com/office/powerpoint/2010/main" val="135100890"/>
+        <p14:creationId xmlns:p14="http://schemas.microsoft.com/office/powerpoint/2010/main" val="2589306489"/>
       </p:ext>
     </p:extLst>
   </p:cSld>
@@ -24348,147 +24432,10 @@
           </a:p>
         </p:txBody>
       </p:sp>
-      <p:sp>
-        <p:nvSpPr>
-          <p:cNvPr id="3" name="Content Placeholder 2">
-            <a:extLst>
-              <a:ext uri="{FF2B5EF4-FFF2-40B4-BE49-F238E27FC236}">
-                <a16:creationId xmlns:a16="http://schemas.microsoft.com/office/drawing/2014/main" id="{EE8DD1CA-FC75-7F0F-6EDE-58B207822CB5}"/>
-              </a:ext>
-            </a:extLst>
-          </p:cNvPr>
-          <p:cNvSpPr>
-            <a:spLocks noGrp="1"/>
-          </p:cNvSpPr>
-          <p:nvPr>
-            <p:ph idx="1"/>
-          </p:nvPr>
-        </p:nvSpPr>
-        <p:spPr>
-          <a:xfrm>
-            <a:off x="1983358" y="4286202"/>
-            <a:ext cx="7886700" cy="406587"/>
-          </a:xfrm>
-        </p:spPr>
-        <p:style>
-          <a:lnRef idx="2">
-            <a:schemeClr val="accent2">
-              <a:shade val="50000"/>
-            </a:schemeClr>
-          </a:lnRef>
-          <a:fillRef idx="1">
-            <a:schemeClr val="accent2"/>
-          </a:fillRef>
-          <a:effectRef idx="0">
-            <a:schemeClr val="accent2"/>
-          </a:effectRef>
-          <a:fontRef idx="minor">
-            <a:schemeClr val="lt1"/>
-          </a:fontRef>
-        </p:style>
-        <p:txBody>
-          <a:bodyPr>
-            <a:noAutofit/>
-          </a:bodyPr>
-          <a:lstStyle/>
-          <a:p>
-            <a:pPr marL="0" indent="0" algn="ctr">
-              <a:buNone/>
-            </a:pPr>
-            <a:r>
-              <a:rPr lang="en-US" dirty="0"/>
-              <a:t>The choice depends on the research question!</a:t>
-            </a:r>
-          </a:p>
-        </p:txBody>
-      </p:sp>
-      <p:sp>
-        <p:nvSpPr>
-          <p:cNvPr id="4" name="TextBox 3">
-            <a:extLst>
-              <a:ext uri="{FF2B5EF4-FFF2-40B4-BE49-F238E27FC236}">
-                <a16:creationId xmlns:a16="http://schemas.microsoft.com/office/drawing/2014/main" id="{171CBFF5-3463-8799-846E-7AD5FE4FF71A}"/>
-              </a:ext>
-            </a:extLst>
-          </p:cNvPr>
-          <p:cNvSpPr txBox="1"/>
-          <p:nvPr/>
-        </p:nvSpPr>
-        <p:spPr>
-          <a:xfrm>
-            <a:off x="3013312" y="4709140"/>
-            <a:ext cx="6368383" cy="477054"/>
-          </a:xfrm>
-          <a:prstGeom prst="rect">
-            <a:avLst/>
-          </a:prstGeom>
-          <a:solidFill>
-            <a:schemeClr val="bg1"/>
-          </a:solidFill>
-        </p:spPr>
-        <p:txBody>
-          <a:bodyPr wrap="square">
-            <a:spAutoFit/>
-          </a:bodyPr>
-          <a:lstStyle/>
-          <a:p>
-            <a:r>
-              <a:rPr lang="en-US" sz="2500" dirty="0">
-                <a:solidFill>
-                  <a:schemeClr val="accent5">
-                    <a:lumMod val="75000"/>
-                  </a:schemeClr>
-                </a:solidFill>
-              </a:rPr>
-              <a:t>Le </a:t>
-            </a:r>
-            <a:r>
-              <a:rPr lang="en-US" sz="2500" dirty="0" err="1">
-                <a:solidFill>
-                  <a:schemeClr val="accent5">
-                    <a:lumMod val="75000"/>
-                  </a:schemeClr>
-                </a:solidFill>
-              </a:rPr>
-              <a:t>choix</a:t>
-            </a:r>
-            <a:r>
-              <a:rPr lang="en-US" sz="2500" dirty="0">
-                <a:solidFill>
-                  <a:schemeClr val="accent5">
-                    <a:lumMod val="75000"/>
-                  </a:schemeClr>
-                </a:solidFill>
-              </a:rPr>
-              <a:t> </a:t>
-            </a:r>
-            <a:r>
-              <a:rPr lang="en-US" sz="2500" dirty="0" err="1">
-                <a:solidFill>
-                  <a:schemeClr val="accent5">
-                    <a:lumMod val="75000"/>
-                  </a:schemeClr>
-                </a:solidFill>
-              </a:rPr>
-              <a:t>dépend</a:t>
-            </a:r>
-            <a:r>
-              <a:rPr lang="en-US" sz="2500" dirty="0">
-                <a:solidFill>
-                  <a:schemeClr val="accent5">
-                    <a:lumMod val="75000"/>
-                  </a:schemeClr>
-                </a:solidFill>
-              </a:rPr>
-              <a:t> de la question de recherche !</a:t>
-            </a:r>
-          </a:p>
-        </p:txBody>
-      </p:sp>
     </p:spTree>
     <p:extLst>
       <p:ext uri="{BB962C8B-B14F-4D97-AF65-F5344CB8AC3E}">
-        <p14:creationId xmlns:p14="http://schemas.microsoft.com/office/powerpoint/2010/main" val="2792196323"/>
+        <p14:creationId xmlns:p14="http://schemas.microsoft.com/office/powerpoint/2010/main" val="1556363984"/>
       </p:ext>
     </p:extLst>
   </p:cSld>
@@ -24537,282 +24484,106 @@
           <a:lstStyle/>
           <a:p>
             <a:r>
-              <a:rPr lang="en-US" dirty="0" err="1"/>
-              <a:t>Tanjona</a:t>
-            </a:r>
-            <a:r>
               <a:rPr lang="en-US" dirty="0"/>
-              <a:t> wants to estimate the population growth rate of beetles at Centre </a:t>
-            </a:r>
-            <a:r>
-              <a:rPr lang="en-US" dirty="0" err="1"/>
-              <a:t>ValBio</a:t>
-            </a:r>
+              <a:t>Christian wants to compare the average lengths of snakes in different national parks in Madagascar. </a:t>
+            </a:r>
+          </a:p>
+          <a:p>
+            <a:r>
+              <a:rPr lang="en-US" dirty="0">
+                <a:solidFill>
+                  <a:schemeClr val="accent5">
+                    <a:lumMod val="75000"/>
+                  </a:schemeClr>
+                </a:solidFill>
+              </a:rPr>
+              <a:t>Christian </a:t>
+            </a:r>
+            <a:r>
+              <a:rPr lang="en-US" dirty="0" err="1">
+                <a:solidFill>
+                  <a:schemeClr val="accent5">
+                    <a:lumMod val="75000"/>
+                  </a:schemeClr>
+                </a:solidFill>
+              </a:rPr>
+              <a:t>veut</a:t>
+            </a:r>
+            <a:r>
+              <a:rPr lang="en-US" dirty="0">
+                <a:solidFill>
+                  <a:schemeClr val="accent5">
+                    <a:lumMod val="75000"/>
+                  </a:schemeClr>
+                </a:solidFill>
+              </a:rPr>
+              <a:t> comparer les longueurs </a:t>
+            </a:r>
+            <a:r>
+              <a:rPr lang="en-US" dirty="0" err="1">
+                <a:solidFill>
+                  <a:schemeClr val="accent5">
+                    <a:lumMod val="75000"/>
+                  </a:schemeClr>
+                </a:solidFill>
+              </a:rPr>
+              <a:t>moyennes</a:t>
+            </a:r>
+            <a:r>
+              <a:rPr lang="en-US" dirty="0">
+                <a:solidFill>
+                  <a:schemeClr val="accent5">
+                    <a:lumMod val="75000"/>
+                  </a:schemeClr>
+                </a:solidFill>
+              </a:rPr>
+              <a:t> des serpents dans </a:t>
+            </a:r>
+            <a:r>
+              <a:rPr lang="en-US" dirty="0" err="1">
+                <a:solidFill>
+                  <a:schemeClr val="accent5">
+                    <a:lumMod val="75000"/>
+                  </a:schemeClr>
+                </a:solidFill>
+              </a:rPr>
+              <a:t>différents</a:t>
+            </a:r>
+            <a:r>
+              <a:rPr lang="en-US" dirty="0">
+                <a:solidFill>
+                  <a:schemeClr val="accent5">
+                    <a:lumMod val="75000"/>
+                  </a:schemeClr>
+                </a:solidFill>
+              </a:rPr>
+              <a:t> parcs </a:t>
+            </a:r>
+            <a:r>
+              <a:rPr lang="en-US" dirty="0" err="1">
+                <a:solidFill>
+                  <a:schemeClr val="accent5">
+                    <a:lumMod val="75000"/>
+                  </a:schemeClr>
+                </a:solidFill>
+              </a:rPr>
+              <a:t>nationaux</a:t>
+            </a:r>
+            <a:r>
+              <a:rPr lang="en-US" dirty="0">
+                <a:solidFill>
+                  <a:schemeClr val="accent5">
+                    <a:lumMod val="75000"/>
+                  </a:schemeClr>
+                </a:solidFill>
+              </a:rPr>
+              <a:t> de Madagascar.</a:t>
+            </a:r>
+          </a:p>
+          <a:p>
             <a:r>
               <a:rPr lang="en-US" dirty="0"/>
-              <a:t> based on census data collected once a year from 1994-2022. </a:t>
-            </a:r>
-          </a:p>
-          <a:p>
-            <a:r>
-              <a:rPr lang="en-US" dirty="0" err="1">
-                <a:solidFill>
-                  <a:schemeClr val="accent5">
-                    <a:lumMod val="75000"/>
-                  </a:schemeClr>
-                </a:solidFill>
-              </a:rPr>
-              <a:t>Tanjona</a:t>
-            </a:r>
-            <a:r>
-              <a:rPr lang="en-US" dirty="0">
-                <a:solidFill>
-                  <a:schemeClr val="accent5">
-                    <a:lumMod val="75000"/>
-                  </a:schemeClr>
-                </a:solidFill>
-              </a:rPr>
-              <a:t> </a:t>
-            </a:r>
-            <a:r>
-              <a:rPr lang="en-US" dirty="0" err="1">
-                <a:solidFill>
-                  <a:schemeClr val="accent5">
-                    <a:lumMod val="75000"/>
-                  </a:schemeClr>
-                </a:solidFill>
-              </a:rPr>
-              <a:t>souhaite</a:t>
-            </a:r>
-            <a:r>
-              <a:rPr lang="en-US" dirty="0">
-                <a:solidFill>
-                  <a:schemeClr val="accent5">
-                    <a:lumMod val="75000"/>
-                  </a:schemeClr>
-                </a:solidFill>
-              </a:rPr>
-              <a:t> </a:t>
-            </a:r>
-            <a:r>
-              <a:rPr lang="en-US" dirty="0" err="1">
-                <a:solidFill>
-                  <a:schemeClr val="accent5">
-                    <a:lumMod val="75000"/>
-                  </a:schemeClr>
-                </a:solidFill>
-              </a:rPr>
-              <a:t>estimer</a:t>
-            </a:r>
-            <a:r>
-              <a:rPr lang="en-US" dirty="0">
-                <a:solidFill>
-                  <a:schemeClr val="accent5">
-                    <a:lumMod val="75000"/>
-                  </a:schemeClr>
-                </a:solidFill>
-              </a:rPr>
-              <a:t> le </a:t>
-            </a:r>
-            <a:r>
-              <a:rPr lang="en-US" dirty="0" err="1">
-                <a:solidFill>
-                  <a:schemeClr val="accent5">
-                    <a:lumMod val="75000"/>
-                  </a:schemeClr>
-                </a:solidFill>
-              </a:rPr>
-              <a:t>taux</a:t>
-            </a:r>
-            <a:r>
-              <a:rPr lang="en-US" dirty="0">
-                <a:solidFill>
-                  <a:schemeClr val="accent5">
-                    <a:lumMod val="75000"/>
-                  </a:schemeClr>
-                </a:solidFill>
-              </a:rPr>
-              <a:t> de </a:t>
-            </a:r>
-            <a:r>
-              <a:rPr lang="en-US" dirty="0" err="1">
-                <a:solidFill>
-                  <a:schemeClr val="accent5">
-                    <a:lumMod val="75000"/>
-                  </a:schemeClr>
-                </a:solidFill>
-              </a:rPr>
-              <a:t>croissance</a:t>
-            </a:r>
-            <a:r>
-              <a:rPr lang="en-US" dirty="0">
-                <a:solidFill>
-                  <a:schemeClr val="accent5">
-                    <a:lumMod val="75000"/>
-                  </a:schemeClr>
-                </a:solidFill>
-              </a:rPr>
-              <a:t> de la population de </a:t>
-            </a:r>
-            <a:r>
-              <a:rPr lang="en-US" dirty="0" err="1">
-                <a:solidFill>
-                  <a:schemeClr val="accent5">
-                    <a:lumMod val="75000"/>
-                  </a:schemeClr>
-                </a:solidFill>
-              </a:rPr>
-              <a:t>coléoptères</a:t>
-            </a:r>
-            <a:r>
-              <a:rPr lang="en-US" dirty="0">
-                <a:solidFill>
-                  <a:schemeClr val="accent5">
-                    <a:lumMod val="75000"/>
-                  </a:schemeClr>
-                </a:solidFill>
-              </a:rPr>
-              <a:t> au Centre </a:t>
-            </a:r>
-            <a:r>
-              <a:rPr lang="en-US" dirty="0" err="1">
-                <a:solidFill>
-                  <a:schemeClr val="accent5">
-                    <a:lumMod val="75000"/>
-                  </a:schemeClr>
-                </a:solidFill>
-              </a:rPr>
-              <a:t>ValBio</a:t>
-            </a:r>
-            <a:r>
-              <a:rPr lang="en-US" dirty="0">
-                <a:solidFill>
-                  <a:schemeClr val="accent5">
-                    <a:lumMod val="75000"/>
-                  </a:schemeClr>
-                </a:solidFill>
-              </a:rPr>
-              <a:t> sur la base des </a:t>
-            </a:r>
-            <a:r>
-              <a:rPr lang="en-US" dirty="0" err="1">
-                <a:solidFill>
-                  <a:schemeClr val="accent5">
-                    <a:lumMod val="75000"/>
-                  </a:schemeClr>
-                </a:solidFill>
-              </a:rPr>
-              <a:t>données</a:t>
-            </a:r>
-            <a:r>
-              <a:rPr lang="en-US" dirty="0">
-                <a:solidFill>
-                  <a:schemeClr val="accent5">
-                    <a:lumMod val="75000"/>
-                  </a:schemeClr>
-                </a:solidFill>
-              </a:rPr>
-              <a:t> de </a:t>
-            </a:r>
-            <a:r>
-              <a:rPr lang="en-US" dirty="0" err="1">
-                <a:solidFill>
-                  <a:schemeClr val="accent5">
-                    <a:lumMod val="75000"/>
-                  </a:schemeClr>
-                </a:solidFill>
-              </a:rPr>
-              <a:t>recensement</a:t>
-            </a:r>
-            <a:r>
-              <a:rPr lang="en-US" dirty="0">
-                <a:solidFill>
-                  <a:schemeClr val="accent5">
-                    <a:lumMod val="75000"/>
-                  </a:schemeClr>
-                </a:solidFill>
-              </a:rPr>
-              <a:t> </a:t>
-            </a:r>
-            <a:r>
-              <a:rPr lang="en-US" dirty="0" err="1">
-                <a:solidFill>
-                  <a:schemeClr val="accent5">
-                    <a:lumMod val="75000"/>
-                  </a:schemeClr>
-                </a:solidFill>
-              </a:rPr>
-              <a:t>collectées</a:t>
-            </a:r>
-            <a:r>
-              <a:rPr lang="en-US" dirty="0">
-                <a:solidFill>
-                  <a:schemeClr val="accent5">
-                    <a:lumMod val="75000"/>
-                  </a:schemeClr>
-                </a:solidFill>
-              </a:rPr>
-              <a:t> </a:t>
-            </a:r>
-            <a:r>
-              <a:rPr lang="en-US" dirty="0" err="1">
-                <a:solidFill>
-                  <a:schemeClr val="accent5">
-                    <a:lumMod val="75000"/>
-                  </a:schemeClr>
-                </a:solidFill>
-              </a:rPr>
-              <a:t>une</a:t>
-            </a:r>
-            <a:r>
-              <a:rPr lang="en-US" dirty="0">
-                <a:solidFill>
-                  <a:schemeClr val="accent5">
-                    <a:lumMod val="75000"/>
-                  </a:schemeClr>
-                </a:solidFill>
-              </a:rPr>
-              <a:t> </a:t>
-            </a:r>
-            <a:r>
-              <a:rPr lang="en-US" dirty="0" err="1">
-                <a:solidFill>
-                  <a:schemeClr val="accent5">
-                    <a:lumMod val="75000"/>
-                  </a:schemeClr>
-                </a:solidFill>
-              </a:rPr>
-              <a:t>fois</a:t>
-            </a:r>
-            <a:r>
-              <a:rPr lang="en-US" dirty="0">
-                <a:solidFill>
-                  <a:schemeClr val="accent5">
-                    <a:lumMod val="75000"/>
-                  </a:schemeClr>
-                </a:solidFill>
-              </a:rPr>
-              <a:t> par an de 1994 </a:t>
-            </a:r>
-            <a:r>
-              <a:rPr lang="en-US" dirty="0" err="1">
-                <a:solidFill>
-                  <a:schemeClr val="accent5">
-                    <a:lumMod val="75000"/>
-                  </a:schemeClr>
-                </a:solidFill>
-              </a:rPr>
-              <a:t>à</a:t>
-            </a:r>
-            <a:r>
-              <a:rPr lang="en-US" dirty="0">
-                <a:solidFill>
-                  <a:schemeClr val="accent5">
-                    <a:lumMod val="75000"/>
-                  </a:schemeClr>
-                </a:solidFill>
-              </a:rPr>
-              <a:t> 2022. </a:t>
+              <a:t>ANOVA</a:t>
             </a:r>
           </a:p>
         </p:txBody>
@@ -24873,7 +24644,7 @@
     </p:spTree>
     <p:extLst>
       <p:ext uri="{BB962C8B-B14F-4D97-AF65-F5344CB8AC3E}">
-        <p14:creationId xmlns:p14="http://schemas.microsoft.com/office/powerpoint/2010/main" val="4256270002"/>
+        <p14:creationId xmlns:p14="http://schemas.microsoft.com/office/powerpoint/2010/main" val="135100890"/>
       </p:ext>
     </p:extLst>
   </p:cSld>
@@ -25200,18 +24971,6 @@
               <a:t> 2022. </a:t>
             </a:r>
           </a:p>
-          <a:p>
-            <a:r>
-              <a:rPr lang="en-US" dirty="0"/>
-              <a:t>mechanistic model</a:t>
-            </a:r>
-          </a:p>
-          <a:p>
-            <a:r>
-              <a:rPr lang="en-US" dirty="0"/>
-              <a:t>discrete time</a:t>
-            </a:r>
-          </a:p>
         </p:txBody>
       </p:sp>
       <p:sp>
@@ -25270,7 +25029,7 @@
     </p:spTree>
     <p:extLst>
       <p:ext uri="{BB962C8B-B14F-4D97-AF65-F5344CB8AC3E}">
-        <p14:creationId xmlns:p14="http://schemas.microsoft.com/office/powerpoint/2010/main" val="4125813166"/>
+        <p14:creationId xmlns:p14="http://schemas.microsoft.com/office/powerpoint/2010/main" val="4256270002"/>
       </p:ext>
     </p:extLst>
   </p:cSld>
@@ -25319,19 +25078,33 @@
           <a:lstStyle/>
           <a:p>
             <a:r>
+              <a:rPr lang="en-US" dirty="0" err="1"/>
+              <a:t>Tanjona</a:t>
+            </a:r>
+            <a:r>
               <a:rPr lang="en-US" dirty="0"/>
-              <a:t>Andres wants to measure the survival of tagged lemurs in </a:t>
+              <a:t> wants to estimate the population growth rate of beetles at Centre </a:t>
             </a:r>
             <a:r>
               <a:rPr lang="en-US" dirty="0" err="1"/>
-              <a:t>Ranomafana</a:t>
+              <a:t>ValBio</a:t>
             </a:r>
             <a:r>
               <a:rPr lang="en-US" dirty="0"/>
-              <a:t> which are recaptured every year from 2011-2022.</a:t>
-            </a:r>
-          </a:p>
-          <a:p>
+              <a:t> based on census data collected once a year from 1994-2022. </a:t>
+            </a:r>
+          </a:p>
+          <a:p>
+            <a:r>
+              <a:rPr lang="en-US" dirty="0" err="1">
+                <a:solidFill>
+                  <a:schemeClr val="accent5">
+                    <a:lumMod val="75000"/>
+                  </a:schemeClr>
+                </a:solidFill>
+              </a:rPr>
+              <a:t>Tanjona</a:t>
+            </a:r>
             <a:r>
               <a:rPr lang="en-US" dirty="0">
                 <a:solidFill>
@@ -25340,7 +25113,7 @@
                   </a:schemeClr>
                 </a:solidFill>
               </a:rPr>
-              <a:t>Andres </a:t>
+              <a:t> </a:t>
             </a:r>
             <a:r>
               <a:rPr lang="en-US" dirty="0" err="1">
@@ -25350,7 +25123,7 @@
                   </a:schemeClr>
                 </a:solidFill>
               </a:rPr>
-              <a:t>veut</a:t>
+              <a:t>souhaite</a:t>
             </a:r>
             <a:r>
               <a:rPr lang="en-US" dirty="0">
@@ -25370,7 +25143,7 @@
                   </a:schemeClr>
                 </a:solidFill>
               </a:rPr>
-              <a:t>mesurer</a:t>
+              <a:t>estimer</a:t>
             </a:r>
             <a:r>
               <a:rPr lang="en-US" dirty="0">
@@ -25380,7 +25153,7 @@
                   </a:schemeClr>
                 </a:solidFill>
               </a:rPr>
-              <a:t> la </a:t>
+              <a:t> le </a:t>
             </a:r>
             <a:r>
               <a:rPr lang="en-US" dirty="0" err="1">
@@ -25390,7 +25163,7 @@
                   </a:schemeClr>
                 </a:solidFill>
               </a:rPr>
-              <a:t>survie</a:t>
+              <a:t>taux</a:t>
             </a:r>
             <a:r>
               <a:rPr lang="en-US" dirty="0">
@@ -25400,7 +25173,7 @@
                   </a:schemeClr>
                 </a:solidFill>
               </a:rPr>
-              <a:t> des </a:t>
+              <a:t> de </a:t>
             </a:r>
             <a:r>
               <a:rPr lang="en-US" dirty="0" err="1">
@@ -25410,7 +25183,7 @@
                   </a:schemeClr>
                 </a:solidFill>
               </a:rPr>
-              <a:t>lémuriens</a:t>
+              <a:t>croissance</a:t>
             </a:r>
             <a:r>
               <a:rPr lang="en-US" dirty="0">
@@ -25420,6 +25193,86 @@
                   </a:schemeClr>
                 </a:solidFill>
               </a:rPr>
+              <a:t> de la population de </a:t>
+            </a:r>
+            <a:r>
+              <a:rPr lang="en-US" dirty="0" err="1">
+                <a:solidFill>
+                  <a:schemeClr val="accent5">
+                    <a:lumMod val="75000"/>
+                  </a:schemeClr>
+                </a:solidFill>
+              </a:rPr>
+              <a:t>coléoptères</a:t>
+            </a:r>
+            <a:r>
+              <a:rPr lang="en-US" dirty="0">
+                <a:solidFill>
+                  <a:schemeClr val="accent5">
+                    <a:lumMod val="75000"/>
+                  </a:schemeClr>
+                </a:solidFill>
+              </a:rPr>
+              <a:t> au Centre </a:t>
+            </a:r>
+            <a:r>
+              <a:rPr lang="en-US" dirty="0" err="1">
+                <a:solidFill>
+                  <a:schemeClr val="accent5">
+                    <a:lumMod val="75000"/>
+                  </a:schemeClr>
+                </a:solidFill>
+              </a:rPr>
+              <a:t>ValBio</a:t>
+            </a:r>
+            <a:r>
+              <a:rPr lang="en-US" dirty="0">
+                <a:solidFill>
+                  <a:schemeClr val="accent5">
+                    <a:lumMod val="75000"/>
+                  </a:schemeClr>
+                </a:solidFill>
+              </a:rPr>
+              <a:t> sur la base des </a:t>
+            </a:r>
+            <a:r>
+              <a:rPr lang="en-US" dirty="0" err="1">
+                <a:solidFill>
+                  <a:schemeClr val="accent5">
+                    <a:lumMod val="75000"/>
+                  </a:schemeClr>
+                </a:solidFill>
+              </a:rPr>
+              <a:t>données</a:t>
+            </a:r>
+            <a:r>
+              <a:rPr lang="en-US" dirty="0">
+                <a:solidFill>
+                  <a:schemeClr val="accent5">
+                    <a:lumMod val="75000"/>
+                  </a:schemeClr>
+                </a:solidFill>
+              </a:rPr>
+              <a:t> de </a:t>
+            </a:r>
+            <a:r>
+              <a:rPr lang="en-US" dirty="0" err="1">
+                <a:solidFill>
+                  <a:schemeClr val="accent5">
+                    <a:lumMod val="75000"/>
+                  </a:schemeClr>
+                </a:solidFill>
+              </a:rPr>
+              <a:t>recensement</a:t>
+            </a:r>
+            <a:r>
+              <a:rPr lang="en-US" dirty="0">
+                <a:solidFill>
+                  <a:schemeClr val="accent5">
+                    <a:lumMod val="75000"/>
+                  </a:schemeClr>
+                </a:solidFill>
+              </a:rPr>
               <a:t> </a:t>
             </a:r>
             <a:r>
@@ -25430,7 +25283,7 @@
                   </a:schemeClr>
                 </a:solidFill>
               </a:rPr>
-              <a:t>marqués</a:t>
+              <a:t>collectées</a:t>
             </a:r>
             <a:r>
               <a:rPr lang="en-US" dirty="0">
@@ -25450,6 +25303,46 @@
                   </a:schemeClr>
                 </a:solidFill>
               </a:rPr>
+              <a:t>une</a:t>
+            </a:r>
+            <a:r>
+              <a:rPr lang="en-US" dirty="0">
+                <a:solidFill>
+                  <a:schemeClr val="accent5">
+                    <a:lumMod val="75000"/>
+                  </a:schemeClr>
+                </a:solidFill>
+              </a:rPr>
+              <a:t> </a:t>
+            </a:r>
+            <a:r>
+              <a:rPr lang="en-US" dirty="0" err="1">
+                <a:solidFill>
+                  <a:schemeClr val="accent5">
+                    <a:lumMod val="75000"/>
+                  </a:schemeClr>
+                </a:solidFill>
+              </a:rPr>
+              <a:t>fois</a:t>
+            </a:r>
+            <a:r>
+              <a:rPr lang="en-US" dirty="0">
+                <a:solidFill>
+                  <a:schemeClr val="accent5">
+                    <a:lumMod val="75000"/>
+                  </a:schemeClr>
+                </a:solidFill>
+              </a:rPr>
+              <a:t> par an de 1994 </a:t>
+            </a:r>
+            <a:r>
+              <a:rPr lang="en-US" dirty="0" err="1">
+                <a:solidFill>
+                  <a:schemeClr val="accent5">
+                    <a:lumMod val="75000"/>
+                  </a:schemeClr>
+                </a:solidFill>
+              </a:rPr>
               <a:t>à</a:t>
             </a:r>
             <a:r>
@@ -25460,127 +25353,19 @@
                   </a:schemeClr>
                 </a:solidFill>
               </a:rPr>
-              <a:t> </a:t>
-            </a:r>
-            <a:r>
-              <a:rPr lang="en-US" dirty="0" err="1">
-                <a:solidFill>
-                  <a:schemeClr val="accent5">
-                    <a:lumMod val="75000"/>
-                  </a:schemeClr>
-                </a:solidFill>
-              </a:rPr>
-              <a:t>Ranomafana</a:t>
-            </a:r>
-            <a:r>
-              <a:rPr lang="en-US" dirty="0">
-                <a:solidFill>
-                  <a:schemeClr val="accent5">
-                    <a:lumMod val="75000"/>
-                  </a:schemeClr>
-                </a:solidFill>
-              </a:rPr>
-              <a:t> qui </a:t>
-            </a:r>
-            <a:r>
-              <a:rPr lang="en-US" dirty="0" err="1">
-                <a:solidFill>
-                  <a:schemeClr val="accent5">
-                    <a:lumMod val="75000"/>
-                  </a:schemeClr>
-                </a:solidFill>
-              </a:rPr>
-              <a:t>sont</a:t>
-            </a:r>
-            <a:r>
-              <a:rPr lang="en-US" dirty="0">
-                <a:solidFill>
-                  <a:schemeClr val="accent5">
-                    <a:lumMod val="75000"/>
-                  </a:schemeClr>
-                </a:solidFill>
-              </a:rPr>
-              <a:t> </a:t>
-            </a:r>
-            <a:r>
-              <a:rPr lang="en-US" dirty="0" err="1">
-                <a:solidFill>
-                  <a:schemeClr val="accent5">
-                    <a:lumMod val="75000"/>
-                  </a:schemeClr>
-                </a:solidFill>
-              </a:rPr>
-              <a:t>recapturés</a:t>
-            </a:r>
-            <a:r>
-              <a:rPr lang="en-US" dirty="0">
-                <a:solidFill>
-                  <a:schemeClr val="accent5">
-                    <a:lumMod val="75000"/>
-                  </a:schemeClr>
-                </a:solidFill>
-              </a:rPr>
-              <a:t> </a:t>
-            </a:r>
-            <a:r>
-              <a:rPr lang="en-US" dirty="0" err="1">
-                <a:solidFill>
-                  <a:schemeClr val="accent5">
-                    <a:lumMod val="75000"/>
-                  </a:schemeClr>
-                </a:solidFill>
-              </a:rPr>
-              <a:t>chaque</a:t>
-            </a:r>
-            <a:r>
-              <a:rPr lang="en-US" dirty="0">
-                <a:solidFill>
-                  <a:schemeClr val="accent5">
-                    <a:lumMod val="75000"/>
-                  </a:schemeClr>
-                </a:solidFill>
-              </a:rPr>
-              <a:t> </a:t>
-            </a:r>
-            <a:r>
-              <a:rPr lang="en-US" dirty="0" err="1">
-                <a:solidFill>
-                  <a:schemeClr val="accent5">
-                    <a:lumMod val="75000"/>
-                  </a:schemeClr>
-                </a:solidFill>
-              </a:rPr>
-              <a:t>année</a:t>
-            </a:r>
-            <a:r>
-              <a:rPr lang="en-US" dirty="0">
-                <a:solidFill>
-                  <a:schemeClr val="accent5">
-                    <a:lumMod val="75000"/>
-                  </a:schemeClr>
-                </a:solidFill>
-              </a:rPr>
-              <a:t> de 2011 </a:t>
-            </a:r>
-            <a:r>
-              <a:rPr lang="en-US" dirty="0" err="1">
-                <a:solidFill>
-                  <a:schemeClr val="accent5">
-                    <a:lumMod val="75000"/>
-                  </a:schemeClr>
-                </a:solidFill>
-              </a:rPr>
-              <a:t>à</a:t>
-            </a:r>
-            <a:r>
-              <a:rPr lang="en-US" dirty="0">
-                <a:solidFill>
-                  <a:schemeClr val="accent5">
-                    <a:lumMod val="75000"/>
-                  </a:schemeClr>
-                </a:solidFill>
-              </a:rPr>
               <a:t> 2022. </a:t>
+            </a:r>
+          </a:p>
+          <a:p>
+            <a:r>
+              <a:rPr lang="en-US" dirty="0"/>
+              <a:t>mechanistic model</a:t>
+            </a:r>
+          </a:p>
+          <a:p>
+            <a:r>
+              <a:rPr lang="en-US" dirty="0"/>
+              <a:t>discrete time</a:t>
             </a:r>
           </a:p>
         </p:txBody>
@@ -25641,7 +25426,7 @@
     </p:spTree>
     <p:extLst>
       <p:ext uri="{BB962C8B-B14F-4D97-AF65-F5344CB8AC3E}">
-        <p14:creationId xmlns:p14="http://schemas.microsoft.com/office/powerpoint/2010/main" val="2708234686"/>
+        <p14:creationId xmlns:p14="http://schemas.microsoft.com/office/powerpoint/2010/main" val="4125813166"/>
       </p:ext>
     </p:extLst>
   </p:cSld>
@@ -25954,22 +25739,6 @@
               <a:t> 2022. </a:t>
             </a:r>
           </a:p>
-          <a:p>
-            <a:r>
-              <a:rPr lang="en-US" dirty="0"/>
-              <a:t>generalized linear mixed model </a:t>
-            </a:r>
-          </a:p>
-          <a:p>
-            <a:r>
-              <a:rPr lang="en-US" dirty="0" err="1"/>
-              <a:t>glmer</a:t>
-            </a:r>
-            <a:r>
-              <a:rPr lang="en-US" dirty="0"/>
-              <a:t>()</a:t>
-            </a:r>
-          </a:p>
         </p:txBody>
       </p:sp>
       <p:sp>
@@ -26028,7 +25797,7 @@
     </p:spTree>
     <p:extLst>
       <p:ext uri="{BB962C8B-B14F-4D97-AF65-F5344CB8AC3E}">
-        <p14:creationId xmlns:p14="http://schemas.microsoft.com/office/powerpoint/2010/main" val="1867499780"/>
+        <p14:creationId xmlns:p14="http://schemas.microsoft.com/office/powerpoint/2010/main" val="2708234686"/>
       </p:ext>
     </p:extLst>
   </p:cSld>
@@ -26077,12 +25846,8 @@
           <a:lstStyle/>
           <a:p>
             <a:r>
-              <a:rPr lang="en-US" dirty="0" err="1"/>
-              <a:t>Fenosoa</a:t>
-            </a:r>
-            <a:r>
               <a:rPr lang="en-US" dirty="0"/>
-              <a:t> wants to compare the average DBH at which mistletoe grows on trees in </a:t>
+              <a:t>Andres wants to measure the survival of tagged lemurs in </a:t>
             </a:r>
             <a:r>
               <a:rPr lang="en-US" dirty="0" err="1"/>
@@ -26090,237 +25855,275 @@
             </a:r>
             <a:r>
               <a:rPr lang="en-US" dirty="0"/>
-              <a:t> vs. </a:t>
-            </a:r>
+              <a:t> which are recaptured every year from 2011-2022.</a:t>
+            </a:r>
+          </a:p>
+          <a:p>
+            <a:r>
+              <a:rPr lang="en-US" dirty="0">
+                <a:solidFill>
+                  <a:schemeClr val="accent5">
+                    <a:lumMod val="75000"/>
+                  </a:schemeClr>
+                </a:solidFill>
+              </a:rPr>
+              <a:t>Andres </a:t>
+            </a:r>
+            <a:r>
+              <a:rPr lang="en-US" dirty="0" err="1">
+                <a:solidFill>
+                  <a:schemeClr val="accent5">
+                    <a:lumMod val="75000"/>
+                  </a:schemeClr>
+                </a:solidFill>
+              </a:rPr>
+              <a:t>veut</a:t>
+            </a:r>
+            <a:r>
+              <a:rPr lang="en-US" dirty="0">
+                <a:solidFill>
+                  <a:schemeClr val="accent5">
+                    <a:lumMod val="75000"/>
+                  </a:schemeClr>
+                </a:solidFill>
+              </a:rPr>
+              <a:t> </a:t>
+            </a:r>
+            <a:r>
+              <a:rPr lang="en-US" dirty="0" err="1">
+                <a:solidFill>
+                  <a:schemeClr val="accent5">
+                    <a:lumMod val="75000"/>
+                  </a:schemeClr>
+                </a:solidFill>
+              </a:rPr>
+              <a:t>mesurer</a:t>
+            </a:r>
+            <a:r>
+              <a:rPr lang="en-US" dirty="0">
+                <a:solidFill>
+                  <a:schemeClr val="accent5">
+                    <a:lumMod val="75000"/>
+                  </a:schemeClr>
+                </a:solidFill>
+              </a:rPr>
+              <a:t> la </a:t>
+            </a:r>
+            <a:r>
+              <a:rPr lang="en-US" dirty="0" err="1">
+                <a:solidFill>
+                  <a:schemeClr val="accent5">
+                    <a:lumMod val="75000"/>
+                  </a:schemeClr>
+                </a:solidFill>
+              </a:rPr>
+              <a:t>survie</a:t>
+            </a:r>
+            <a:r>
+              <a:rPr lang="en-US" dirty="0">
+                <a:solidFill>
+                  <a:schemeClr val="accent5">
+                    <a:lumMod val="75000"/>
+                  </a:schemeClr>
+                </a:solidFill>
+              </a:rPr>
+              <a:t> des </a:t>
+            </a:r>
+            <a:r>
+              <a:rPr lang="en-US" dirty="0" err="1">
+                <a:solidFill>
+                  <a:schemeClr val="accent5">
+                    <a:lumMod val="75000"/>
+                  </a:schemeClr>
+                </a:solidFill>
+              </a:rPr>
+              <a:t>lémuriens</a:t>
+            </a:r>
+            <a:r>
+              <a:rPr lang="en-US" dirty="0">
+                <a:solidFill>
+                  <a:schemeClr val="accent5">
+                    <a:lumMod val="75000"/>
+                  </a:schemeClr>
+                </a:solidFill>
+              </a:rPr>
+              <a:t> </a:t>
+            </a:r>
+            <a:r>
+              <a:rPr lang="en-US" dirty="0" err="1">
+                <a:solidFill>
+                  <a:schemeClr val="accent5">
+                    <a:lumMod val="75000"/>
+                  </a:schemeClr>
+                </a:solidFill>
+              </a:rPr>
+              <a:t>marqués</a:t>
+            </a:r>
+            <a:r>
+              <a:rPr lang="en-US" dirty="0">
+                <a:solidFill>
+                  <a:schemeClr val="accent5">
+                    <a:lumMod val="75000"/>
+                  </a:schemeClr>
+                </a:solidFill>
+              </a:rPr>
+              <a:t> </a:t>
+            </a:r>
+            <a:r>
+              <a:rPr lang="en-US" dirty="0" err="1">
+                <a:solidFill>
+                  <a:schemeClr val="accent5">
+                    <a:lumMod val="75000"/>
+                  </a:schemeClr>
+                </a:solidFill>
+              </a:rPr>
+              <a:t>à</a:t>
+            </a:r>
+            <a:r>
+              <a:rPr lang="en-US" dirty="0">
+                <a:solidFill>
+                  <a:schemeClr val="accent5">
+                    <a:lumMod val="75000"/>
+                  </a:schemeClr>
+                </a:solidFill>
+              </a:rPr>
+              <a:t> </a:t>
+            </a:r>
+            <a:r>
+              <a:rPr lang="en-US" dirty="0" err="1">
+                <a:solidFill>
+                  <a:schemeClr val="accent5">
+                    <a:lumMod val="75000"/>
+                  </a:schemeClr>
+                </a:solidFill>
+              </a:rPr>
+              <a:t>Ranomafana</a:t>
+            </a:r>
+            <a:r>
+              <a:rPr lang="en-US" dirty="0">
+                <a:solidFill>
+                  <a:schemeClr val="accent5">
+                    <a:lumMod val="75000"/>
+                  </a:schemeClr>
+                </a:solidFill>
+              </a:rPr>
+              <a:t> qui </a:t>
+            </a:r>
+            <a:r>
+              <a:rPr lang="en-US" dirty="0" err="1">
+                <a:solidFill>
+                  <a:schemeClr val="accent5">
+                    <a:lumMod val="75000"/>
+                  </a:schemeClr>
+                </a:solidFill>
+              </a:rPr>
+              <a:t>sont</a:t>
+            </a:r>
+            <a:r>
+              <a:rPr lang="en-US" dirty="0">
+                <a:solidFill>
+                  <a:schemeClr val="accent5">
+                    <a:lumMod val="75000"/>
+                  </a:schemeClr>
+                </a:solidFill>
+              </a:rPr>
+              <a:t> </a:t>
+            </a:r>
+            <a:r>
+              <a:rPr lang="en-US" dirty="0" err="1">
+                <a:solidFill>
+                  <a:schemeClr val="accent5">
+                    <a:lumMod val="75000"/>
+                  </a:schemeClr>
+                </a:solidFill>
+              </a:rPr>
+              <a:t>recapturés</a:t>
+            </a:r>
+            <a:r>
+              <a:rPr lang="en-US" dirty="0">
+                <a:solidFill>
+                  <a:schemeClr val="accent5">
+                    <a:lumMod val="75000"/>
+                  </a:schemeClr>
+                </a:solidFill>
+              </a:rPr>
+              <a:t> </a:t>
+            </a:r>
+            <a:r>
+              <a:rPr lang="en-US" dirty="0" err="1">
+                <a:solidFill>
+                  <a:schemeClr val="accent5">
+                    <a:lumMod val="75000"/>
+                  </a:schemeClr>
+                </a:solidFill>
+              </a:rPr>
+              <a:t>chaque</a:t>
+            </a:r>
+            <a:r>
+              <a:rPr lang="en-US" dirty="0">
+                <a:solidFill>
+                  <a:schemeClr val="accent5">
+                    <a:lumMod val="75000"/>
+                  </a:schemeClr>
+                </a:solidFill>
+              </a:rPr>
+              <a:t> </a:t>
+            </a:r>
+            <a:r>
+              <a:rPr lang="en-US" dirty="0" err="1">
+                <a:solidFill>
+                  <a:schemeClr val="accent5">
+                    <a:lumMod val="75000"/>
+                  </a:schemeClr>
+                </a:solidFill>
+              </a:rPr>
+              <a:t>année</a:t>
+            </a:r>
+            <a:r>
+              <a:rPr lang="en-US" dirty="0">
+                <a:solidFill>
+                  <a:schemeClr val="accent5">
+                    <a:lumMod val="75000"/>
+                  </a:schemeClr>
+                </a:solidFill>
+              </a:rPr>
+              <a:t> de 2011 </a:t>
+            </a:r>
+            <a:r>
+              <a:rPr lang="en-US" dirty="0" err="1">
+                <a:solidFill>
+                  <a:schemeClr val="accent5">
+                    <a:lumMod val="75000"/>
+                  </a:schemeClr>
+                </a:solidFill>
+              </a:rPr>
+              <a:t>à</a:t>
+            </a:r>
+            <a:r>
+              <a:rPr lang="en-US" dirty="0">
+                <a:solidFill>
+                  <a:schemeClr val="accent5">
+                    <a:lumMod val="75000"/>
+                  </a:schemeClr>
+                </a:solidFill>
+              </a:rPr>
+              <a:t> 2022. </a:t>
+            </a:r>
+          </a:p>
+          <a:p>
+            <a:r>
+              <a:rPr lang="en-US" dirty="0"/>
+              <a:t>generalized linear mixed model </a:t>
+            </a:r>
+          </a:p>
+          <a:p>
             <a:r>
               <a:rPr lang="en-US" dirty="0" err="1"/>
-              <a:t>Marojejy</a:t>
+              <a:t>glmer</a:t>
             </a:r>
             <a:r>
               <a:rPr lang="en-US" dirty="0"/>
-              <a:t> National Parks. </a:t>
-            </a:r>
-          </a:p>
-          <a:p>
-            <a:r>
-              <a:rPr lang="en-US" dirty="0" err="1">
-                <a:solidFill>
-                  <a:schemeClr val="accent5">
-                    <a:lumMod val="75000"/>
-                  </a:schemeClr>
-                </a:solidFill>
-              </a:rPr>
-              <a:t>Fenosoa</a:t>
-            </a:r>
-            <a:r>
-              <a:rPr lang="en-US" dirty="0">
-                <a:solidFill>
-                  <a:schemeClr val="accent5">
-                    <a:lumMod val="75000"/>
-                  </a:schemeClr>
-                </a:solidFill>
-              </a:rPr>
-              <a:t> </a:t>
-            </a:r>
-            <a:r>
-              <a:rPr lang="en-US" dirty="0" err="1">
-                <a:solidFill>
-                  <a:schemeClr val="accent5">
-                    <a:lumMod val="75000"/>
-                  </a:schemeClr>
-                </a:solidFill>
-              </a:rPr>
-              <a:t>veut</a:t>
-            </a:r>
-            <a:r>
-              <a:rPr lang="en-US" dirty="0">
-                <a:solidFill>
-                  <a:schemeClr val="accent5">
-                    <a:lumMod val="75000"/>
-                  </a:schemeClr>
-                </a:solidFill>
-              </a:rPr>
-              <a:t> comparer le DHP </a:t>
-            </a:r>
-            <a:r>
-              <a:rPr lang="en-US" dirty="0" err="1">
-                <a:solidFill>
-                  <a:schemeClr val="accent5">
-                    <a:lumMod val="75000"/>
-                  </a:schemeClr>
-                </a:solidFill>
-              </a:rPr>
-              <a:t>moyen</a:t>
-            </a:r>
-            <a:r>
-              <a:rPr lang="en-US" dirty="0">
-                <a:solidFill>
-                  <a:schemeClr val="accent5">
-                    <a:lumMod val="75000"/>
-                  </a:schemeClr>
-                </a:solidFill>
-              </a:rPr>
-              <a:t> </a:t>
-            </a:r>
-            <a:r>
-              <a:rPr lang="en-US" dirty="0" err="1">
-                <a:solidFill>
-                  <a:schemeClr val="accent5">
-                    <a:lumMod val="75000"/>
-                  </a:schemeClr>
-                </a:solidFill>
-              </a:rPr>
-              <a:t>auquel</a:t>
-            </a:r>
-            <a:r>
-              <a:rPr lang="en-US" dirty="0">
-                <a:solidFill>
-                  <a:schemeClr val="accent5">
-                    <a:lumMod val="75000"/>
-                  </a:schemeClr>
-                </a:solidFill>
-              </a:rPr>
-              <a:t> le </a:t>
-            </a:r>
-            <a:r>
-              <a:rPr lang="en-US" dirty="0" err="1">
-                <a:solidFill>
-                  <a:schemeClr val="accent5">
-                    <a:lumMod val="75000"/>
-                  </a:schemeClr>
-                </a:solidFill>
-              </a:rPr>
-              <a:t>gui</a:t>
-            </a:r>
-            <a:r>
-              <a:rPr lang="en-US" dirty="0">
-                <a:solidFill>
-                  <a:schemeClr val="accent5">
-                    <a:lumMod val="75000"/>
-                  </a:schemeClr>
-                </a:solidFill>
-              </a:rPr>
-              <a:t> </a:t>
-            </a:r>
-            <a:r>
-              <a:rPr lang="en-US" dirty="0" err="1">
-                <a:solidFill>
-                  <a:schemeClr val="accent5">
-                    <a:lumMod val="75000"/>
-                  </a:schemeClr>
-                </a:solidFill>
-              </a:rPr>
-              <a:t>pousse</a:t>
-            </a:r>
-            <a:r>
-              <a:rPr lang="en-US" dirty="0">
-                <a:solidFill>
-                  <a:schemeClr val="accent5">
-                    <a:lumMod val="75000"/>
-                  </a:schemeClr>
-                </a:solidFill>
-              </a:rPr>
-              <a:t> sur les </a:t>
-            </a:r>
-            <a:r>
-              <a:rPr lang="en-US" dirty="0" err="1">
-                <a:solidFill>
-                  <a:schemeClr val="accent5">
-                    <a:lumMod val="75000"/>
-                  </a:schemeClr>
-                </a:solidFill>
-              </a:rPr>
-              <a:t>arbres</a:t>
-            </a:r>
-            <a:r>
-              <a:rPr lang="en-US" dirty="0">
-                <a:solidFill>
-                  <a:schemeClr val="accent5">
-                    <a:lumMod val="75000"/>
-                  </a:schemeClr>
-                </a:solidFill>
-              </a:rPr>
-              <a:t> </a:t>
-            </a:r>
-            <a:r>
-              <a:rPr lang="en-US" dirty="0" err="1">
-                <a:solidFill>
-                  <a:schemeClr val="accent5">
-                    <a:lumMod val="75000"/>
-                  </a:schemeClr>
-                </a:solidFill>
-              </a:rPr>
-              <a:t>à</a:t>
-            </a:r>
-            <a:r>
-              <a:rPr lang="en-US" dirty="0">
-                <a:solidFill>
-                  <a:schemeClr val="accent5">
-                    <a:lumMod val="75000"/>
-                  </a:schemeClr>
-                </a:solidFill>
-              </a:rPr>
-              <a:t> </a:t>
-            </a:r>
-            <a:r>
-              <a:rPr lang="en-US" dirty="0" err="1">
-                <a:solidFill>
-                  <a:schemeClr val="accent5">
-                    <a:lumMod val="75000"/>
-                  </a:schemeClr>
-                </a:solidFill>
-              </a:rPr>
-              <a:t>Ranomafana</a:t>
-            </a:r>
-            <a:r>
-              <a:rPr lang="en-US" dirty="0">
-                <a:solidFill>
-                  <a:schemeClr val="accent5">
-                    <a:lumMod val="75000"/>
-                  </a:schemeClr>
-                </a:solidFill>
-              </a:rPr>
-              <a:t> par rapport aux parcs </a:t>
-            </a:r>
-            <a:r>
-              <a:rPr lang="en-US" dirty="0" err="1">
-                <a:solidFill>
-                  <a:schemeClr val="accent5">
-                    <a:lumMod val="75000"/>
-                  </a:schemeClr>
-                </a:solidFill>
-              </a:rPr>
-              <a:t>nationaux</a:t>
-            </a:r>
-            <a:r>
-              <a:rPr lang="en-US" dirty="0">
-                <a:solidFill>
-                  <a:schemeClr val="accent5">
-                    <a:lumMod val="75000"/>
-                  </a:schemeClr>
-                </a:solidFill>
-              </a:rPr>
-              <a:t> de </a:t>
-            </a:r>
-            <a:r>
-              <a:rPr lang="en-US" dirty="0" err="1">
-                <a:solidFill>
-                  <a:schemeClr val="accent5">
-                    <a:lumMod val="75000"/>
-                  </a:schemeClr>
-                </a:solidFill>
-              </a:rPr>
-              <a:t>Marojejy</a:t>
-            </a:r>
-            <a:r>
-              <a:rPr lang="en-US" dirty="0">
-                <a:solidFill>
-                  <a:schemeClr val="accent5">
-                    <a:lumMod val="75000"/>
-                  </a:schemeClr>
-                </a:solidFill>
-              </a:rPr>
-              <a:t>. </a:t>
+              <a:t>()</a:t>
             </a:r>
           </a:p>
         </p:txBody>
@@ -26381,7 +26184,7 @@
     </p:spTree>
     <p:extLst>
       <p:ext uri="{BB962C8B-B14F-4D97-AF65-F5344CB8AC3E}">
-        <p14:creationId xmlns:p14="http://schemas.microsoft.com/office/powerpoint/2010/main" val="1823895728"/>
+        <p14:creationId xmlns:p14="http://schemas.microsoft.com/office/powerpoint/2010/main" val="1867499780"/>
       </p:ext>
     </p:extLst>
   </p:cSld>
@@ -26676,12 +26479,6 @@
               <a:t>. </a:t>
             </a:r>
           </a:p>
-          <a:p>
-            <a:r>
-              <a:rPr lang="en-US" dirty="0"/>
-              <a:t>t-test </a:t>
-            </a:r>
-          </a:p>
         </p:txBody>
       </p:sp>
       <p:sp>
@@ -26740,7 +26537,7 @@
     </p:spTree>
     <p:extLst>
       <p:ext uri="{BB962C8B-B14F-4D97-AF65-F5344CB8AC3E}">
-        <p14:creationId xmlns:p14="http://schemas.microsoft.com/office/powerpoint/2010/main" val="2665832649"/>
+        <p14:creationId xmlns:p14="http://schemas.microsoft.com/office/powerpoint/2010/main" val="1823895728"/>
       </p:ext>
     </p:extLst>
   </p:cSld>
@@ -26790,11 +26587,27 @@
           <a:p>
             <a:r>
               <a:rPr lang="en-US" dirty="0" err="1"/>
-              <a:t>Mirana</a:t>
+              <a:t>Fenosoa</a:t>
             </a:r>
             <a:r>
               <a:rPr lang="en-US" dirty="0"/>
-              <a:t> wants to estimate the rate of waning immunity in kids following TB vaccination in Antananarivo. </a:t>
+              <a:t> wants to compare the average DBH at which mistletoe grows on trees in </a:t>
+            </a:r>
+            <a:r>
+              <a:rPr lang="en-US" dirty="0" err="1"/>
+              <a:t>Ranomafana</a:t>
+            </a:r>
+            <a:r>
+              <a:rPr lang="en-US" dirty="0"/>
+              <a:t> vs. </a:t>
+            </a:r>
+            <a:r>
+              <a:rPr lang="en-US" dirty="0" err="1"/>
+              <a:t>Marojejy</a:t>
+            </a:r>
+            <a:r>
+              <a:rPr lang="en-US" dirty="0"/>
+              <a:t> National Parks. </a:t>
             </a:r>
           </a:p>
           <a:p>
@@ -26806,7 +26619,7 @@
                   </a:schemeClr>
                 </a:solidFill>
               </a:rPr>
-              <a:t>Mirana</a:t>
+              <a:t>Fenosoa</a:t>
             </a:r>
             <a:r>
               <a:rPr lang="en-US" dirty="0">
@@ -26836,6 +26649,26 @@
                   </a:schemeClr>
                 </a:solidFill>
               </a:rPr>
+              <a:t> comparer le DHP </a:t>
+            </a:r>
+            <a:r>
+              <a:rPr lang="en-US" dirty="0" err="1">
+                <a:solidFill>
+                  <a:schemeClr val="accent5">
+                    <a:lumMod val="75000"/>
+                  </a:schemeClr>
+                </a:solidFill>
+              </a:rPr>
+              <a:t>moyen</a:t>
+            </a:r>
+            <a:r>
+              <a:rPr lang="en-US" dirty="0">
+                <a:solidFill>
+                  <a:schemeClr val="accent5">
+                    <a:lumMod val="75000"/>
+                  </a:schemeClr>
+                </a:solidFill>
+              </a:rPr>
               <a:t> </a:t>
             </a:r>
             <a:r>
@@ -26846,7 +26679,7 @@
                   </a:schemeClr>
                 </a:solidFill>
               </a:rPr>
-              <a:t>estimer</a:t>
+              <a:t>auquel</a:t>
             </a:r>
             <a:r>
               <a:rPr lang="en-US" dirty="0">
@@ -26866,7 +26699,7 @@
                   </a:schemeClr>
                 </a:solidFill>
               </a:rPr>
-              <a:t>taux</a:t>
+              <a:t>gui</a:t>
             </a:r>
             <a:r>
               <a:rPr lang="en-US" dirty="0">
@@ -26876,6 +26709,106 @@
                   </a:schemeClr>
                 </a:solidFill>
               </a:rPr>
+              <a:t> </a:t>
+            </a:r>
+            <a:r>
+              <a:rPr lang="en-US" dirty="0" err="1">
+                <a:solidFill>
+                  <a:schemeClr val="accent5">
+                    <a:lumMod val="75000"/>
+                  </a:schemeClr>
+                </a:solidFill>
+              </a:rPr>
+              <a:t>pousse</a:t>
+            </a:r>
+            <a:r>
+              <a:rPr lang="en-US" dirty="0">
+                <a:solidFill>
+                  <a:schemeClr val="accent5">
+                    <a:lumMod val="75000"/>
+                  </a:schemeClr>
+                </a:solidFill>
+              </a:rPr>
+              <a:t> sur les </a:t>
+            </a:r>
+            <a:r>
+              <a:rPr lang="en-US" dirty="0" err="1">
+                <a:solidFill>
+                  <a:schemeClr val="accent5">
+                    <a:lumMod val="75000"/>
+                  </a:schemeClr>
+                </a:solidFill>
+              </a:rPr>
+              <a:t>arbres</a:t>
+            </a:r>
+            <a:r>
+              <a:rPr lang="en-US" dirty="0">
+                <a:solidFill>
+                  <a:schemeClr val="accent5">
+                    <a:lumMod val="75000"/>
+                  </a:schemeClr>
+                </a:solidFill>
+              </a:rPr>
+              <a:t> </a:t>
+            </a:r>
+            <a:r>
+              <a:rPr lang="en-US" dirty="0" err="1">
+                <a:solidFill>
+                  <a:schemeClr val="accent5">
+                    <a:lumMod val="75000"/>
+                  </a:schemeClr>
+                </a:solidFill>
+              </a:rPr>
+              <a:t>à</a:t>
+            </a:r>
+            <a:r>
+              <a:rPr lang="en-US" dirty="0">
+                <a:solidFill>
+                  <a:schemeClr val="accent5">
+                    <a:lumMod val="75000"/>
+                  </a:schemeClr>
+                </a:solidFill>
+              </a:rPr>
+              <a:t> </a:t>
+            </a:r>
+            <a:r>
+              <a:rPr lang="en-US" dirty="0" err="1">
+                <a:solidFill>
+                  <a:schemeClr val="accent5">
+                    <a:lumMod val="75000"/>
+                  </a:schemeClr>
+                </a:solidFill>
+              </a:rPr>
+              <a:t>Ranomafana</a:t>
+            </a:r>
+            <a:r>
+              <a:rPr lang="en-US" dirty="0">
+                <a:solidFill>
+                  <a:schemeClr val="accent5">
+                    <a:lumMod val="75000"/>
+                  </a:schemeClr>
+                </a:solidFill>
+              </a:rPr>
+              <a:t> par rapport aux parcs </a:t>
+            </a:r>
+            <a:r>
+              <a:rPr lang="en-US" dirty="0" err="1">
+                <a:solidFill>
+                  <a:schemeClr val="accent5">
+                    <a:lumMod val="75000"/>
+                  </a:schemeClr>
+                </a:solidFill>
+              </a:rPr>
+              <a:t>nationaux</a:t>
+            </a:r>
+            <a:r>
+              <a:rPr lang="en-US" dirty="0">
+                <a:solidFill>
+                  <a:schemeClr val="accent5">
+                    <a:lumMod val="75000"/>
+                  </a:schemeClr>
+                </a:solidFill>
+              </a:rPr>
               <a:t> de </a:t>
             </a:r>
             <a:r>
@@ -26886,7 +26819,7 @@
                   </a:schemeClr>
                 </a:solidFill>
               </a:rPr>
-              <a:t>déclin</a:t>
+              <a:t>Marojejy</a:t>
             </a:r>
             <a:r>
               <a:rPr lang="en-US" dirty="0">
@@ -26896,99 +26829,13 @@
                   </a:schemeClr>
                 </a:solidFill>
               </a:rPr>
-              <a:t> de </a:t>
-            </a:r>
-            <a:r>
-              <a:rPr lang="en-US" dirty="0" err="1">
-                <a:solidFill>
-                  <a:schemeClr val="accent5">
-                    <a:lumMod val="75000"/>
-                  </a:schemeClr>
-                </a:solidFill>
-              </a:rPr>
-              <a:t>l'immunité</a:t>
-            </a:r>
-            <a:r>
-              <a:rPr lang="en-US" dirty="0">
-                <a:solidFill>
-                  <a:schemeClr val="accent5">
-                    <a:lumMod val="75000"/>
-                  </a:schemeClr>
-                </a:solidFill>
-              </a:rPr>
-              <a:t> chez les enfants après la vaccination </a:t>
-            </a:r>
-            <a:r>
-              <a:rPr lang="en-US" dirty="0" err="1">
-                <a:solidFill>
-                  <a:schemeClr val="accent5">
-                    <a:lumMod val="75000"/>
-                  </a:schemeClr>
-                </a:solidFill>
-              </a:rPr>
-              <a:t>contre</a:t>
-            </a:r>
-            <a:r>
-              <a:rPr lang="en-US" dirty="0">
-                <a:solidFill>
-                  <a:schemeClr val="accent5">
-                    <a:lumMod val="75000"/>
-                  </a:schemeClr>
-                </a:solidFill>
-              </a:rPr>
-              <a:t> la </a:t>
-            </a:r>
-            <a:r>
-              <a:rPr lang="en-US" dirty="0" err="1">
-                <a:solidFill>
-                  <a:schemeClr val="accent5">
-                    <a:lumMod val="75000"/>
-                  </a:schemeClr>
-                </a:solidFill>
-              </a:rPr>
-              <a:t>tuberculose</a:t>
-            </a:r>
-            <a:r>
-              <a:rPr lang="en-US" dirty="0">
-                <a:solidFill>
-                  <a:schemeClr val="accent5">
-                    <a:lumMod val="75000"/>
-                  </a:schemeClr>
-                </a:solidFill>
-              </a:rPr>
-              <a:t> </a:t>
-            </a:r>
-            <a:r>
-              <a:rPr lang="en-US" dirty="0" err="1">
-                <a:solidFill>
-                  <a:schemeClr val="accent5">
-                    <a:lumMod val="75000"/>
-                  </a:schemeClr>
-                </a:solidFill>
-              </a:rPr>
-              <a:t>à</a:t>
-            </a:r>
-            <a:r>
-              <a:rPr lang="en-US" dirty="0">
-                <a:solidFill>
-                  <a:schemeClr val="accent5">
-                    <a:lumMod val="75000"/>
-                  </a:schemeClr>
-                </a:solidFill>
-              </a:rPr>
-              <a:t> Antananarivo. </a:t>
+              <a:t>. </a:t>
             </a:r>
           </a:p>
           <a:p>
             <a:r>
               <a:rPr lang="en-US" dirty="0"/>
-              <a:t>mechanistic model</a:t>
-            </a:r>
-          </a:p>
-          <a:p>
-            <a:r>
-              <a:rPr lang="en-US" dirty="0"/>
-              <a:t>continuous time</a:t>
+              <a:t>t-test </a:t>
             </a:r>
           </a:p>
         </p:txBody>
@@ -27049,7 +26896,7 @@
     </p:spTree>
     <p:extLst>
       <p:ext uri="{BB962C8B-B14F-4D97-AF65-F5344CB8AC3E}">
-        <p14:creationId xmlns:p14="http://schemas.microsoft.com/office/powerpoint/2010/main" val="1728766441"/>
+        <p14:creationId xmlns:p14="http://schemas.microsoft.com/office/powerpoint/2010/main" val="2665832649"/>
       </p:ext>
     </p:extLst>
   </p:cSld>
@@ -27396,19 +27243,11 @@
           <a:p>
             <a:r>
               <a:rPr lang="en-US" dirty="0" err="1"/>
-              <a:t>Nuzha</a:t>
+              <a:t>Mirana</a:t>
             </a:r>
             <a:r>
               <a:rPr lang="en-US" dirty="0"/>
-              <a:t> wants to simulate the impacts of climate change on chytrid prevalence in </a:t>
-            </a:r>
-            <a:r>
-              <a:rPr lang="en-US" dirty="0" err="1"/>
-              <a:t>mantella</a:t>
-            </a:r>
-            <a:r>
-              <a:rPr lang="en-US" dirty="0"/>
-              <a:t> frogs. </a:t>
+              <a:t> wants to estimate the rate of waning immunity in kids following TB vaccination in Antananarivo. </a:t>
             </a:r>
           </a:p>
           <a:p>
@@ -27420,7 +27259,7 @@
                   </a:schemeClr>
                 </a:solidFill>
               </a:rPr>
-              <a:t>Nuzha</a:t>
+              <a:t>Mirana</a:t>
             </a:r>
             <a:r>
               <a:rPr lang="en-US" dirty="0">
@@ -27460,7 +27299,7 @@
                   </a:schemeClr>
                 </a:solidFill>
               </a:rPr>
-              <a:t>simuler</a:t>
+              <a:t>estimer</a:t>
             </a:r>
             <a:r>
               <a:rPr lang="en-US" dirty="0">
@@ -27470,7 +27309,7 @@
                   </a:schemeClr>
                 </a:solidFill>
               </a:rPr>
-              <a:t> les impacts du </a:t>
+              <a:t> le </a:t>
             </a:r>
             <a:r>
               <a:rPr lang="en-US" dirty="0" err="1">
@@ -27480,7 +27319,7 @@
                   </a:schemeClr>
                 </a:solidFill>
               </a:rPr>
-              <a:t>changement</a:t>
+              <a:t>taux</a:t>
             </a:r>
             <a:r>
               <a:rPr lang="en-US" dirty="0">
@@ -27490,6 +27329,86 @@
                   </a:schemeClr>
                 </a:solidFill>
               </a:rPr>
+              <a:t> de </a:t>
+            </a:r>
+            <a:r>
+              <a:rPr lang="en-US" dirty="0" err="1">
+                <a:solidFill>
+                  <a:schemeClr val="accent5">
+                    <a:lumMod val="75000"/>
+                  </a:schemeClr>
+                </a:solidFill>
+              </a:rPr>
+              <a:t>déclin</a:t>
+            </a:r>
+            <a:r>
+              <a:rPr lang="en-US" dirty="0">
+                <a:solidFill>
+                  <a:schemeClr val="accent5">
+                    <a:lumMod val="75000"/>
+                  </a:schemeClr>
+                </a:solidFill>
+              </a:rPr>
+              <a:t> de </a:t>
+            </a:r>
+            <a:r>
+              <a:rPr lang="en-US" dirty="0" err="1">
+                <a:solidFill>
+                  <a:schemeClr val="accent5">
+                    <a:lumMod val="75000"/>
+                  </a:schemeClr>
+                </a:solidFill>
+              </a:rPr>
+              <a:t>l'immunité</a:t>
+            </a:r>
+            <a:r>
+              <a:rPr lang="en-US" dirty="0">
+                <a:solidFill>
+                  <a:schemeClr val="accent5">
+                    <a:lumMod val="75000"/>
+                  </a:schemeClr>
+                </a:solidFill>
+              </a:rPr>
+              <a:t> chez les enfants après la vaccination </a:t>
+            </a:r>
+            <a:r>
+              <a:rPr lang="en-US" dirty="0" err="1">
+                <a:solidFill>
+                  <a:schemeClr val="accent5">
+                    <a:lumMod val="75000"/>
+                  </a:schemeClr>
+                </a:solidFill>
+              </a:rPr>
+              <a:t>contre</a:t>
+            </a:r>
+            <a:r>
+              <a:rPr lang="en-US" dirty="0">
+                <a:solidFill>
+                  <a:schemeClr val="accent5">
+                    <a:lumMod val="75000"/>
+                  </a:schemeClr>
+                </a:solidFill>
+              </a:rPr>
+              <a:t> la </a:t>
+            </a:r>
+            <a:r>
+              <a:rPr lang="en-US" dirty="0" err="1">
+                <a:solidFill>
+                  <a:schemeClr val="accent5">
+                    <a:lumMod val="75000"/>
+                  </a:schemeClr>
+                </a:solidFill>
+              </a:rPr>
+              <a:t>tuberculose</a:t>
+            </a:r>
+            <a:r>
+              <a:rPr lang="en-US" dirty="0">
+                <a:solidFill>
+                  <a:schemeClr val="accent5">
+                    <a:lumMod val="75000"/>
+                  </a:schemeClr>
+                </a:solidFill>
+              </a:rPr>
               <a:t> </a:t>
             </a:r>
             <a:r>
@@ -27500,7 +27419,7 @@
                   </a:schemeClr>
                 </a:solidFill>
               </a:rPr>
-              <a:t>climatique</a:t>
+              <a:t>à</a:t>
             </a:r>
             <a:r>
               <a:rPr lang="en-US" dirty="0">
@@ -27510,67 +27429,7 @@
                   </a:schemeClr>
                 </a:solidFill>
               </a:rPr>
-              <a:t> sur la </a:t>
-            </a:r>
-            <a:r>
-              <a:rPr lang="en-US" dirty="0" err="1">
-                <a:solidFill>
-                  <a:schemeClr val="accent5">
-                    <a:lumMod val="75000"/>
-                  </a:schemeClr>
-                </a:solidFill>
-              </a:rPr>
-              <a:t>prévalence</a:t>
-            </a:r>
-            <a:r>
-              <a:rPr lang="en-US" dirty="0">
-                <a:solidFill>
-                  <a:schemeClr val="accent5">
-                    <a:lumMod val="75000"/>
-                  </a:schemeClr>
-                </a:solidFill>
-              </a:rPr>
-              <a:t> du </a:t>
-            </a:r>
-            <a:r>
-              <a:rPr lang="en-US" dirty="0" err="1">
-                <a:solidFill>
-                  <a:schemeClr val="accent5">
-                    <a:lumMod val="75000"/>
-                  </a:schemeClr>
-                </a:solidFill>
-              </a:rPr>
-              <a:t>chytride</a:t>
-            </a:r>
-            <a:r>
-              <a:rPr lang="en-US" dirty="0">
-                <a:solidFill>
-                  <a:schemeClr val="accent5">
-                    <a:lumMod val="75000"/>
-                  </a:schemeClr>
-                </a:solidFill>
-              </a:rPr>
-              <a:t> chez les grenouilles </a:t>
-            </a:r>
-            <a:r>
-              <a:rPr lang="en-US" dirty="0" err="1">
-                <a:solidFill>
-                  <a:schemeClr val="accent5">
-                    <a:lumMod val="75000"/>
-                  </a:schemeClr>
-                </a:solidFill>
-              </a:rPr>
-              <a:t>mantella</a:t>
-            </a:r>
-            <a:r>
-              <a:rPr lang="en-US" dirty="0">
-                <a:solidFill>
-                  <a:schemeClr val="accent5">
-                    <a:lumMod val="75000"/>
-                  </a:schemeClr>
-                </a:solidFill>
-              </a:rPr>
-              <a:t>.</a:t>
+              <a:t> Antananarivo. </a:t>
             </a:r>
           </a:p>
           <a:p>
@@ -27643,7 +27502,7 @@
     </p:spTree>
     <p:extLst>
       <p:ext uri="{BB962C8B-B14F-4D97-AF65-F5344CB8AC3E}">
-        <p14:creationId xmlns:p14="http://schemas.microsoft.com/office/powerpoint/2010/main" val="2618223113"/>
+        <p14:creationId xmlns:p14="http://schemas.microsoft.com/office/powerpoint/2010/main" val="1728766441"/>
       </p:ext>
     </p:extLst>
   </p:cSld>
@@ -28314,154 +28173,145 @@
       </p:sp>
       <p:sp>
         <p:nvSpPr>
-          <p:cNvPr id="12" name="Title 1">
-            <a:extLst>
-              <a:ext uri="{FF2B5EF4-FFF2-40B4-BE49-F238E27FC236}">
-                <a16:creationId xmlns:a16="http://schemas.microsoft.com/office/drawing/2014/main" id="{2B9072F4-AB40-AD9F-46FE-A35303162EE1}"/>
-              </a:ext>
-            </a:extLst>
-          </p:cNvPr>
-          <p:cNvSpPr txBox="1">
-            <a:spLocks/>
+          <p:cNvPr id="3" name="Content Placeholder 2">
+            <a:extLst>
+              <a:ext uri="{FF2B5EF4-FFF2-40B4-BE49-F238E27FC236}">
+                <a16:creationId xmlns:a16="http://schemas.microsoft.com/office/drawing/2014/main" id="{EE8DD1CA-FC75-7F0F-6EDE-58B207822CB5}"/>
+              </a:ext>
+            </a:extLst>
+          </p:cNvPr>
+          <p:cNvSpPr>
+            <a:spLocks noGrp="1"/>
           </p:cNvSpPr>
-          <p:nvPr/>
+          <p:nvPr>
+            <p:ph idx="1"/>
+          </p:nvPr>
         </p:nvSpPr>
         <p:spPr>
           <a:xfrm>
-            <a:off x="3291448" y="2852076"/>
-            <a:ext cx="2217341" cy="1325563"/>
+            <a:off x="1983358" y="4286202"/>
+            <a:ext cx="7886700" cy="406587"/>
+          </a:xfrm>
+        </p:spPr>
+        <p:style>
+          <a:lnRef idx="2">
+            <a:schemeClr val="accent2">
+              <a:shade val="50000"/>
+            </a:schemeClr>
+          </a:lnRef>
+          <a:fillRef idx="1">
+            <a:schemeClr val="accent2"/>
+          </a:fillRef>
+          <a:effectRef idx="0">
+            <a:schemeClr val="accent2"/>
+          </a:effectRef>
+          <a:fontRef idx="minor">
+            <a:schemeClr val="lt1"/>
+          </a:fontRef>
+        </p:style>
+        <p:txBody>
+          <a:bodyPr>
+            <a:noAutofit/>
+          </a:bodyPr>
+          <a:lstStyle/>
+          <a:p>
+            <a:pPr marL="0" indent="0" algn="ctr">
+              <a:buNone/>
+            </a:pPr>
+            <a:r>
+              <a:rPr lang="en-US" dirty="0"/>
+              <a:t>The choice depends on the research question!</a:t>
+            </a:r>
+          </a:p>
+        </p:txBody>
+      </p:sp>
+      <p:sp>
+        <p:nvSpPr>
+          <p:cNvPr id="4" name="TextBox 3">
+            <a:extLst>
+              <a:ext uri="{FF2B5EF4-FFF2-40B4-BE49-F238E27FC236}">
+                <a16:creationId xmlns:a16="http://schemas.microsoft.com/office/drawing/2014/main" id="{171CBFF5-3463-8799-846E-7AD5FE4FF71A}"/>
+              </a:ext>
+            </a:extLst>
+          </p:cNvPr>
+          <p:cNvSpPr txBox="1"/>
+          <p:nvPr/>
+        </p:nvSpPr>
+        <p:spPr>
+          <a:xfrm>
+            <a:off x="3013312" y="4709140"/>
+            <a:ext cx="6368383" cy="477054"/>
           </a:xfrm>
           <a:prstGeom prst="rect">
             <a:avLst/>
           </a:prstGeom>
+          <a:solidFill>
+            <a:schemeClr val="bg1"/>
+          </a:solidFill>
         </p:spPr>
         <p:txBody>
-          <a:bodyPr vert="horz" lIns="91440" tIns="45720" rIns="91440" bIns="45720" rtlCol="0" anchor="ctr">
-            <a:normAutofit/>
+          <a:bodyPr wrap="square">
+            <a:spAutoFit/>
           </a:bodyPr>
-          <a:lstStyle>
-            <a:lvl1pPr algn="l" defTabSz="914400" rtl="0" eaLnBrk="1" latinLnBrk="0" hangingPunct="1">
-              <a:lnSpc>
-                <a:spcPct val="90000"/>
-              </a:lnSpc>
-              <a:spcBef>
-                <a:spcPct val="0"/>
-              </a:spcBef>
-              <a:buNone/>
-              <a:defRPr sz="4400" kern="1200">
-                <a:solidFill>
-                  <a:schemeClr val="tx1"/>
-                </a:solidFill>
-                <a:latin typeface="+mj-lt"/>
-                <a:ea typeface="+mj-ea"/>
-                <a:cs typeface="+mj-cs"/>
-              </a:defRPr>
-            </a:lvl1pPr>
-          </a:lstStyle>
-          <a:p>
-            <a:r>
-              <a:rPr lang="en-US" sz="3000" dirty="0"/>
-              <a:t>Correlation</a:t>
-            </a:r>
-          </a:p>
-          <a:p>
-            <a:r>
-              <a:rPr lang="en-US" sz="3000" dirty="0" err="1">
-                <a:solidFill>
-                  <a:schemeClr val="accent5">
-                    <a:lumMod val="75000"/>
-                  </a:schemeClr>
-                </a:solidFill>
-              </a:rPr>
-              <a:t>Corrélation</a:t>
-            </a:r>
-            <a:endParaRPr lang="en-US" sz="3000" dirty="0">
-              <a:solidFill>
-                <a:schemeClr val="accent5">
-                  <a:lumMod val="75000"/>
-                </a:schemeClr>
-              </a:solidFill>
-            </a:endParaRPr>
-          </a:p>
-        </p:txBody>
-      </p:sp>
-      <p:sp>
-        <p:nvSpPr>
-          <p:cNvPr id="13" name="Title 1">
-            <a:extLst>
-              <a:ext uri="{FF2B5EF4-FFF2-40B4-BE49-F238E27FC236}">
-                <a16:creationId xmlns:a16="http://schemas.microsoft.com/office/drawing/2014/main" id="{56D2C654-426F-7A49-2406-8CA8ABE7262B}"/>
-              </a:ext>
-            </a:extLst>
-          </p:cNvPr>
-          <p:cNvSpPr txBox="1">
-            <a:spLocks/>
-          </p:cNvSpPr>
-          <p:nvPr/>
-        </p:nvSpPr>
-        <p:spPr>
-          <a:xfrm>
-            <a:off x="6474164" y="2872869"/>
-            <a:ext cx="2217341" cy="1325563"/>
-          </a:xfrm>
-          <a:prstGeom prst="rect">
-            <a:avLst/>
-          </a:prstGeom>
-        </p:spPr>
-        <p:txBody>
-          <a:bodyPr vert="horz" lIns="91440" tIns="45720" rIns="91440" bIns="45720" rtlCol="0" anchor="ctr">
-            <a:normAutofit/>
-          </a:bodyPr>
-          <a:lstStyle>
-            <a:lvl1pPr algn="l" defTabSz="914400" rtl="0" eaLnBrk="1" latinLnBrk="0" hangingPunct="1">
-              <a:lnSpc>
-                <a:spcPct val="90000"/>
-              </a:lnSpc>
-              <a:spcBef>
-                <a:spcPct val="0"/>
-              </a:spcBef>
-              <a:buNone/>
-              <a:defRPr sz="4400" kern="1200">
-                <a:solidFill>
-                  <a:schemeClr val="tx1"/>
-                </a:solidFill>
-                <a:latin typeface="+mj-lt"/>
-                <a:ea typeface="+mj-ea"/>
-                <a:cs typeface="+mj-cs"/>
-              </a:defRPr>
-            </a:lvl1pPr>
-          </a:lstStyle>
-          <a:p>
-            <a:r>
-              <a:rPr lang="en-US" sz="3000" dirty="0"/>
-              <a:t>Causation</a:t>
-            </a:r>
-          </a:p>
-          <a:p>
-            <a:r>
-              <a:rPr lang="en-US" sz="3000" dirty="0" err="1">
-                <a:solidFill>
-                  <a:schemeClr val="accent5">
-                    <a:lumMod val="75000"/>
-                  </a:schemeClr>
-                </a:solidFill>
-              </a:rPr>
-              <a:t>Causalité</a:t>
-            </a:r>
-            <a:endParaRPr lang="en-US" sz="3000" dirty="0">
-              <a:solidFill>
-                <a:schemeClr val="accent5">
-                  <a:lumMod val="75000"/>
-                </a:schemeClr>
-              </a:solidFill>
-            </a:endParaRPr>
+          <a:lstStyle/>
+          <a:p>
+            <a:r>
+              <a:rPr lang="en-US" sz="2500" dirty="0">
+                <a:solidFill>
+                  <a:schemeClr val="accent5">
+                    <a:lumMod val="75000"/>
+                  </a:schemeClr>
+                </a:solidFill>
+              </a:rPr>
+              <a:t>Le </a:t>
+            </a:r>
+            <a:r>
+              <a:rPr lang="en-US" sz="2500" dirty="0" err="1">
+                <a:solidFill>
+                  <a:schemeClr val="accent5">
+                    <a:lumMod val="75000"/>
+                  </a:schemeClr>
+                </a:solidFill>
+              </a:rPr>
+              <a:t>choix</a:t>
+            </a:r>
+            <a:r>
+              <a:rPr lang="en-US" sz="2500" dirty="0">
+                <a:solidFill>
+                  <a:schemeClr val="accent5">
+                    <a:lumMod val="75000"/>
+                  </a:schemeClr>
+                </a:solidFill>
+              </a:rPr>
+              <a:t> </a:t>
+            </a:r>
+            <a:r>
+              <a:rPr lang="en-US" sz="2500" dirty="0" err="1">
+                <a:solidFill>
+                  <a:schemeClr val="accent5">
+                    <a:lumMod val="75000"/>
+                  </a:schemeClr>
+                </a:solidFill>
+              </a:rPr>
+              <a:t>dépend</a:t>
+            </a:r>
+            <a:r>
+              <a:rPr lang="en-US" sz="2500" dirty="0">
+                <a:solidFill>
+                  <a:schemeClr val="accent5">
+                    <a:lumMod val="75000"/>
+                  </a:schemeClr>
+                </a:solidFill>
+              </a:rPr>
+              <a:t> de la question de recherche !</a:t>
+            </a:r>
           </a:p>
         </p:txBody>
       </p:sp>
     </p:spTree>
     <p:extLst>
       <p:ext uri="{BB962C8B-B14F-4D97-AF65-F5344CB8AC3E}">
-        <p14:creationId xmlns:p14="http://schemas.microsoft.com/office/powerpoint/2010/main" val="1334481503"/>
+        <p14:creationId xmlns:p14="http://schemas.microsoft.com/office/powerpoint/2010/main" val="2792196323"/>
       </p:ext>
     </p:extLst>
   </p:cSld>
@@ -28511,11 +28361,19 @@
           <a:p>
             <a:r>
               <a:rPr lang="en-US" dirty="0" err="1"/>
-              <a:t>Miray</a:t>
+              <a:t>Nuzha</a:t>
             </a:r>
             <a:r>
               <a:rPr lang="en-US" dirty="0"/>
-              <a:t> wants to study risk factors for HPV seropositivity at 4 hospitals in 2 cities in Madagascar.</a:t>
+              <a:t> wants to simulate the impacts of climate change on chytrid prevalence in </a:t>
+            </a:r>
+            <a:r>
+              <a:rPr lang="en-US" dirty="0" err="1"/>
+              <a:t>mantella</a:t>
+            </a:r>
+            <a:r>
+              <a:rPr lang="en-US" dirty="0"/>
+              <a:t> frogs. </a:t>
             </a:r>
           </a:p>
           <a:p>
@@ -28527,7 +28385,7 @@
                   </a:schemeClr>
                 </a:solidFill>
               </a:rPr>
-              <a:t>Miray</a:t>
+              <a:t>Nuzha</a:t>
             </a:r>
             <a:r>
               <a:rPr lang="en-US" dirty="0">
@@ -28567,7 +28425,7 @@
                   </a:schemeClr>
                 </a:solidFill>
               </a:rPr>
-              <a:t>étudier</a:t>
+              <a:t>simuler</a:t>
             </a:r>
             <a:r>
               <a:rPr lang="en-US" dirty="0">
@@ -28577,7 +28435,7 @@
                   </a:schemeClr>
                 </a:solidFill>
               </a:rPr>
-              <a:t> les </a:t>
+              <a:t> les impacts du </a:t>
             </a:r>
             <a:r>
               <a:rPr lang="en-US" dirty="0" err="1">
@@ -28587,7 +28445,7 @@
                   </a:schemeClr>
                 </a:solidFill>
               </a:rPr>
-              <a:t>facteurs</a:t>
+              <a:t>changement</a:t>
             </a:r>
             <a:r>
               <a:rPr lang="en-US" dirty="0">
@@ -28597,7 +28455,7 @@
                   </a:schemeClr>
                 </a:solidFill>
               </a:rPr>
-              <a:t> de </a:t>
+              <a:t> </a:t>
             </a:r>
             <a:r>
               <a:rPr lang="en-US" dirty="0" err="1">
@@ -28607,7 +28465,7 @@
                   </a:schemeClr>
                 </a:solidFill>
               </a:rPr>
-              <a:t>risque</a:t>
+              <a:t>climatique</a:t>
             </a:r>
             <a:r>
               <a:rPr lang="en-US" dirty="0">
@@ -28617,7 +28475,7 @@
                   </a:schemeClr>
                 </a:solidFill>
               </a:rPr>
-              <a:t> de </a:t>
+              <a:t> sur la </a:t>
             </a:r>
             <a:r>
               <a:rPr lang="en-US" dirty="0" err="1">
@@ -28627,7 +28485,7 @@
                   </a:schemeClr>
                 </a:solidFill>
               </a:rPr>
-              <a:t>séropositivité</a:t>
+              <a:t>prévalence</a:t>
             </a:r>
             <a:r>
               <a:rPr lang="en-US" dirty="0">
@@ -28637,7 +28495,7 @@
                   </a:schemeClr>
                 </a:solidFill>
               </a:rPr>
-              <a:t> HPV dans 4 </a:t>
+              <a:t> du </a:t>
             </a:r>
             <a:r>
               <a:rPr lang="en-US" dirty="0" err="1">
@@ -28647,7 +28505,7 @@
                   </a:schemeClr>
                 </a:solidFill>
               </a:rPr>
-              <a:t>hôpitaux</a:t>
+              <a:t>chytride</a:t>
             </a:r>
             <a:r>
               <a:rPr lang="en-US" dirty="0">
@@ -28657,7 +28515,7 @@
                   </a:schemeClr>
                 </a:solidFill>
               </a:rPr>
-              <a:t> de 2 </a:t>
+              <a:t> chez les grenouilles </a:t>
             </a:r>
             <a:r>
               <a:rPr lang="en-US" dirty="0" err="1">
@@ -28667,7 +28525,7 @@
                   </a:schemeClr>
                 </a:solidFill>
               </a:rPr>
-              <a:t>villes</a:t>
+              <a:t>mantella</a:t>
             </a:r>
             <a:r>
               <a:rPr lang="en-US" dirty="0">
@@ -28677,7 +28535,19 @@
                   </a:schemeClr>
                 </a:solidFill>
               </a:rPr>
-              <a:t> de Madagascar. </a:t>
+              <a:t>.</a:t>
+            </a:r>
+          </a:p>
+          <a:p>
+            <a:r>
+              <a:rPr lang="en-US" dirty="0"/>
+              <a:t>mechanistic model</a:t>
+            </a:r>
+          </a:p>
+          <a:p>
+            <a:r>
+              <a:rPr lang="en-US" dirty="0"/>
+              <a:t>continuous time</a:t>
             </a:r>
           </a:p>
         </p:txBody>
@@ -28738,7 +28608,7 @@
     </p:spTree>
     <p:extLst>
       <p:ext uri="{BB962C8B-B14F-4D97-AF65-F5344CB8AC3E}">
-        <p14:creationId xmlns:p14="http://schemas.microsoft.com/office/powerpoint/2010/main" val="2123330760"/>
+        <p14:creationId xmlns:p14="http://schemas.microsoft.com/office/powerpoint/2010/main" val="2618223113"/>
       </p:ext>
     </p:extLst>
   </p:cSld>
@@ -28957,22 +28827,6 @@
               <a:t> de Madagascar. </a:t>
             </a:r>
           </a:p>
-          <a:p>
-            <a:r>
-              <a:rPr lang="en-US" dirty="0"/>
-              <a:t>generalized linear mixed model </a:t>
-            </a:r>
-          </a:p>
-          <a:p>
-            <a:r>
-              <a:rPr lang="en-US" dirty="0" err="1"/>
-              <a:t>glmer</a:t>
-            </a:r>
-            <a:r>
-              <a:rPr lang="en-US" dirty="0"/>
-              <a:t>()</a:t>
-            </a:r>
-          </a:p>
         </p:txBody>
       </p:sp>
       <p:sp>
@@ -29031,7 +28885,7 @@
     </p:spTree>
     <p:extLst>
       <p:ext uri="{BB962C8B-B14F-4D97-AF65-F5344CB8AC3E}">
-        <p14:creationId xmlns:p14="http://schemas.microsoft.com/office/powerpoint/2010/main" val="2569724048"/>
+        <p14:creationId xmlns:p14="http://schemas.microsoft.com/office/powerpoint/2010/main" val="2123330760"/>
       </p:ext>
     </p:extLst>
   </p:cSld>
@@ -29081,293 +28935,185 @@
           <a:p>
             <a:r>
               <a:rPr lang="en-US" dirty="0" err="1"/>
-              <a:t>Pierro</a:t>
+              <a:t>Miray</a:t>
             </a:r>
             <a:r>
               <a:rPr lang="en-US" dirty="0"/>
-              <a:t> wants to study the density of coral cover at 3 depths in and out of MPAs in the </a:t>
-            </a:r>
+              <a:t> wants to study risk factors for HPV seropositivity at 4 hospitals in 2 cities in Madagascar.</a:t>
+            </a:r>
+          </a:p>
+          <a:p>
+            <a:r>
+              <a:rPr lang="en-US" dirty="0" err="1">
+                <a:solidFill>
+                  <a:schemeClr val="accent5">
+                    <a:lumMod val="75000"/>
+                  </a:schemeClr>
+                </a:solidFill>
+              </a:rPr>
+              <a:t>Miray</a:t>
+            </a:r>
+            <a:r>
+              <a:rPr lang="en-US" dirty="0">
+                <a:solidFill>
+                  <a:schemeClr val="accent5">
+                    <a:lumMod val="75000"/>
+                  </a:schemeClr>
+                </a:solidFill>
+              </a:rPr>
+              <a:t> </a:t>
+            </a:r>
+            <a:r>
+              <a:rPr lang="en-US" dirty="0" err="1">
+                <a:solidFill>
+                  <a:schemeClr val="accent5">
+                    <a:lumMod val="75000"/>
+                  </a:schemeClr>
+                </a:solidFill>
+              </a:rPr>
+              <a:t>veut</a:t>
+            </a:r>
+            <a:r>
+              <a:rPr lang="en-US" dirty="0">
+                <a:solidFill>
+                  <a:schemeClr val="accent5">
+                    <a:lumMod val="75000"/>
+                  </a:schemeClr>
+                </a:solidFill>
+              </a:rPr>
+              <a:t> </a:t>
+            </a:r>
+            <a:r>
+              <a:rPr lang="en-US" dirty="0" err="1">
+                <a:solidFill>
+                  <a:schemeClr val="accent5">
+                    <a:lumMod val="75000"/>
+                  </a:schemeClr>
+                </a:solidFill>
+              </a:rPr>
+              <a:t>étudier</a:t>
+            </a:r>
+            <a:r>
+              <a:rPr lang="en-US" dirty="0">
+                <a:solidFill>
+                  <a:schemeClr val="accent5">
+                    <a:lumMod val="75000"/>
+                  </a:schemeClr>
+                </a:solidFill>
+              </a:rPr>
+              <a:t> les </a:t>
+            </a:r>
+            <a:r>
+              <a:rPr lang="en-US" dirty="0" err="1">
+                <a:solidFill>
+                  <a:schemeClr val="accent5">
+                    <a:lumMod val="75000"/>
+                  </a:schemeClr>
+                </a:solidFill>
+              </a:rPr>
+              <a:t>facteurs</a:t>
+            </a:r>
+            <a:r>
+              <a:rPr lang="en-US" dirty="0">
+                <a:solidFill>
+                  <a:schemeClr val="accent5">
+                    <a:lumMod val="75000"/>
+                  </a:schemeClr>
+                </a:solidFill>
+              </a:rPr>
+              <a:t> de </a:t>
+            </a:r>
+            <a:r>
+              <a:rPr lang="en-US" dirty="0" err="1">
+                <a:solidFill>
+                  <a:schemeClr val="accent5">
+                    <a:lumMod val="75000"/>
+                  </a:schemeClr>
+                </a:solidFill>
+              </a:rPr>
+              <a:t>risque</a:t>
+            </a:r>
+            <a:r>
+              <a:rPr lang="en-US" dirty="0">
+                <a:solidFill>
+                  <a:schemeClr val="accent5">
+                    <a:lumMod val="75000"/>
+                  </a:schemeClr>
+                </a:solidFill>
+              </a:rPr>
+              <a:t> de </a:t>
+            </a:r>
+            <a:r>
+              <a:rPr lang="en-US" dirty="0" err="1">
+                <a:solidFill>
+                  <a:schemeClr val="accent5">
+                    <a:lumMod val="75000"/>
+                  </a:schemeClr>
+                </a:solidFill>
+              </a:rPr>
+              <a:t>séropositivité</a:t>
+            </a:r>
+            <a:r>
+              <a:rPr lang="en-US" dirty="0">
+                <a:solidFill>
+                  <a:schemeClr val="accent5">
+                    <a:lumMod val="75000"/>
+                  </a:schemeClr>
+                </a:solidFill>
+              </a:rPr>
+              <a:t> HPV dans 4 </a:t>
+            </a:r>
+            <a:r>
+              <a:rPr lang="en-US" dirty="0" err="1">
+                <a:solidFill>
+                  <a:schemeClr val="accent5">
+                    <a:lumMod val="75000"/>
+                  </a:schemeClr>
+                </a:solidFill>
+              </a:rPr>
+              <a:t>hôpitaux</a:t>
+            </a:r>
+            <a:r>
+              <a:rPr lang="en-US" dirty="0">
+                <a:solidFill>
+                  <a:schemeClr val="accent5">
+                    <a:lumMod val="75000"/>
+                  </a:schemeClr>
+                </a:solidFill>
+              </a:rPr>
+              <a:t> de 2 </a:t>
+            </a:r>
+            <a:r>
+              <a:rPr lang="en-US" dirty="0" err="1">
+                <a:solidFill>
+                  <a:schemeClr val="accent5">
+                    <a:lumMod val="75000"/>
+                  </a:schemeClr>
+                </a:solidFill>
+              </a:rPr>
+              <a:t>villes</a:t>
+            </a:r>
+            <a:r>
+              <a:rPr lang="en-US" dirty="0">
+                <a:solidFill>
+                  <a:schemeClr val="accent5">
+                    <a:lumMod val="75000"/>
+                  </a:schemeClr>
+                </a:solidFill>
+              </a:rPr>
+              <a:t> de Madagascar. </a:t>
+            </a:r>
+          </a:p>
+          <a:p>
+            <a:r>
+              <a:rPr lang="en-US" dirty="0"/>
+              <a:t>generalized linear mixed model </a:t>
+            </a:r>
+          </a:p>
+          <a:p>
             <a:r>
               <a:rPr lang="en-US" dirty="0" err="1"/>
-              <a:t>Toliara</a:t>
-            </a:r>
-            <a:r>
-              <a:rPr lang="en-US" dirty="0"/>
-              <a:t> region. </a:t>
-            </a:r>
-          </a:p>
-          <a:p>
-            <a:r>
-              <a:rPr lang="en-US" dirty="0" err="1">
-                <a:solidFill>
-                  <a:schemeClr val="accent5">
-                    <a:lumMod val="75000"/>
-                  </a:schemeClr>
-                </a:solidFill>
-              </a:rPr>
-              <a:t>Pierro</a:t>
-            </a:r>
-            <a:r>
-              <a:rPr lang="en-US" dirty="0">
-                <a:solidFill>
-                  <a:schemeClr val="accent5">
-                    <a:lumMod val="75000"/>
-                  </a:schemeClr>
-                </a:solidFill>
-              </a:rPr>
-              <a:t> </a:t>
-            </a:r>
-            <a:r>
-              <a:rPr lang="en-US" dirty="0" err="1">
-                <a:solidFill>
-                  <a:schemeClr val="accent5">
-                    <a:lumMod val="75000"/>
-                  </a:schemeClr>
-                </a:solidFill>
-              </a:rPr>
-              <a:t>veut</a:t>
-            </a:r>
-            <a:r>
-              <a:rPr lang="en-US" dirty="0">
-                <a:solidFill>
-                  <a:schemeClr val="accent5">
-                    <a:lumMod val="75000"/>
-                  </a:schemeClr>
-                </a:solidFill>
-              </a:rPr>
-              <a:t> </a:t>
-            </a:r>
-            <a:r>
-              <a:rPr lang="en-US" dirty="0" err="1">
-                <a:solidFill>
-                  <a:schemeClr val="accent5">
-                    <a:lumMod val="75000"/>
-                  </a:schemeClr>
-                </a:solidFill>
-              </a:rPr>
-              <a:t>étudier</a:t>
-            </a:r>
-            <a:r>
-              <a:rPr lang="en-US" dirty="0">
-                <a:solidFill>
-                  <a:schemeClr val="accent5">
-                    <a:lumMod val="75000"/>
-                  </a:schemeClr>
-                </a:solidFill>
-              </a:rPr>
-              <a:t> la </a:t>
-            </a:r>
-            <a:r>
-              <a:rPr lang="en-US" dirty="0" err="1">
-                <a:solidFill>
-                  <a:schemeClr val="accent5">
-                    <a:lumMod val="75000"/>
-                  </a:schemeClr>
-                </a:solidFill>
-              </a:rPr>
-              <a:t>densité</a:t>
-            </a:r>
-            <a:r>
-              <a:rPr lang="en-US" dirty="0">
-                <a:solidFill>
-                  <a:schemeClr val="accent5">
-                    <a:lumMod val="75000"/>
-                  </a:schemeClr>
-                </a:solidFill>
-              </a:rPr>
-              <a:t> de la couverture </a:t>
-            </a:r>
-            <a:r>
-              <a:rPr lang="en-US" dirty="0" err="1">
-                <a:solidFill>
-                  <a:schemeClr val="accent5">
-                    <a:lumMod val="75000"/>
-                  </a:schemeClr>
-                </a:solidFill>
-              </a:rPr>
-              <a:t>corallienne</a:t>
-            </a:r>
-            <a:r>
-              <a:rPr lang="en-US" dirty="0">
-                <a:solidFill>
-                  <a:schemeClr val="accent5">
-                    <a:lumMod val="75000"/>
-                  </a:schemeClr>
-                </a:solidFill>
-              </a:rPr>
-              <a:t> </a:t>
-            </a:r>
-            <a:r>
-              <a:rPr lang="en-US" dirty="0" err="1">
-                <a:solidFill>
-                  <a:schemeClr val="accent5">
-                    <a:lumMod val="75000"/>
-                  </a:schemeClr>
-                </a:solidFill>
-              </a:rPr>
-              <a:t>à</a:t>
-            </a:r>
-            <a:r>
-              <a:rPr lang="en-US" dirty="0">
-                <a:solidFill>
-                  <a:schemeClr val="accent5">
-                    <a:lumMod val="75000"/>
-                  </a:schemeClr>
-                </a:solidFill>
-              </a:rPr>
-              <a:t> 3 </a:t>
-            </a:r>
-            <a:r>
-              <a:rPr lang="en-US" dirty="0" err="1">
-                <a:solidFill>
-                  <a:schemeClr val="accent5">
-                    <a:lumMod val="75000"/>
-                  </a:schemeClr>
-                </a:solidFill>
-              </a:rPr>
-              <a:t>profondeurs</a:t>
-            </a:r>
-            <a:r>
-              <a:rPr lang="en-US" dirty="0">
-                <a:solidFill>
-                  <a:schemeClr val="accent5">
-                    <a:lumMod val="75000"/>
-                  </a:schemeClr>
-                </a:solidFill>
-              </a:rPr>
-              <a:t> </a:t>
-            </a:r>
-            <a:r>
-              <a:rPr lang="en-US" dirty="0" err="1">
-                <a:solidFill>
-                  <a:schemeClr val="accent5">
-                    <a:lumMod val="75000"/>
-                  </a:schemeClr>
-                </a:solidFill>
-              </a:rPr>
-              <a:t>à</a:t>
-            </a:r>
-            <a:r>
-              <a:rPr lang="en-US" dirty="0">
-                <a:solidFill>
-                  <a:schemeClr val="accent5">
-                    <a:lumMod val="75000"/>
-                  </a:schemeClr>
-                </a:solidFill>
-              </a:rPr>
-              <a:t> </a:t>
-            </a:r>
-            <a:r>
-              <a:rPr lang="en-US" dirty="0" err="1">
-                <a:solidFill>
-                  <a:schemeClr val="accent5">
-                    <a:lumMod val="75000"/>
-                  </a:schemeClr>
-                </a:solidFill>
-              </a:rPr>
-              <a:t>l'intérieur</a:t>
-            </a:r>
-            <a:r>
-              <a:rPr lang="en-US" dirty="0">
-                <a:solidFill>
-                  <a:schemeClr val="accent5">
-                    <a:lumMod val="75000"/>
-                  </a:schemeClr>
-                </a:solidFill>
-              </a:rPr>
-              <a:t> et </a:t>
-            </a:r>
-            <a:r>
-              <a:rPr lang="en-US" dirty="0" err="1">
-                <a:solidFill>
-                  <a:schemeClr val="accent5">
-                    <a:lumMod val="75000"/>
-                  </a:schemeClr>
-                </a:solidFill>
-              </a:rPr>
-              <a:t>à</a:t>
-            </a:r>
-            <a:r>
-              <a:rPr lang="en-US" dirty="0">
-                <a:solidFill>
-                  <a:schemeClr val="accent5">
-                    <a:lumMod val="75000"/>
-                  </a:schemeClr>
-                </a:solidFill>
-              </a:rPr>
-              <a:t> </a:t>
-            </a:r>
-            <a:r>
-              <a:rPr lang="en-US" dirty="0" err="1">
-                <a:solidFill>
-                  <a:schemeClr val="accent5">
-                    <a:lumMod val="75000"/>
-                  </a:schemeClr>
-                </a:solidFill>
-              </a:rPr>
-              <a:t>l'extérieur</a:t>
-            </a:r>
-            <a:r>
-              <a:rPr lang="en-US" dirty="0">
-                <a:solidFill>
-                  <a:schemeClr val="accent5">
-                    <a:lumMod val="75000"/>
-                  </a:schemeClr>
-                </a:solidFill>
-              </a:rPr>
-              <a:t> des AMP de la </a:t>
-            </a:r>
-            <a:r>
-              <a:rPr lang="en-US" dirty="0" err="1">
-                <a:solidFill>
-                  <a:schemeClr val="accent5">
-                    <a:lumMod val="75000"/>
-                  </a:schemeClr>
-                </a:solidFill>
-              </a:rPr>
-              <a:t>région</a:t>
-            </a:r>
-            <a:r>
-              <a:rPr lang="en-US" dirty="0">
-                <a:solidFill>
-                  <a:schemeClr val="accent5">
-                    <a:lumMod val="75000"/>
-                  </a:schemeClr>
-                </a:solidFill>
-              </a:rPr>
-              <a:t> de </a:t>
-            </a:r>
-            <a:r>
-              <a:rPr lang="en-US" dirty="0" err="1">
-                <a:solidFill>
-                  <a:schemeClr val="accent5">
-                    <a:lumMod val="75000"/>
-                  </a:schemeClr>
-                </a:solidFill>
-              </a:rPr>
-              <a:t>Toliara</a:t>
-            </a:r>
-            <a:r>
-              <a:rPr lang="en-US" dirty="0">
-                <a:solidFill>
-                  <a:schemeClr val="accent5">
-                    <a:lumMod val="75000"/>
-                  </a:schemeClr>
-                </a:solidFill>
-              </a:rPr>
-              <a:t>.</a:t>
-            </a:r>
-          </a:p>
-          <a:p>
-            <a:r>
-              <a:rPr lang="en-US" dirty="0"/>
-              <a:t>linear mixed model </a:t>
-            </a:r>
-          </a:p>
-          <a:p>
-            <a:r>
-              <a:rPr lang="en-US" dirty="0" err="1"/>
-              <a:t>lmer</a:t>
+              <a:t>glmer</a:t>
             </a:r>
             <a:r>
               <a:rPr lang="en-US" dirty="0"/>
@@ -29432,7 +29178,793 @@
     </p:spTree>
     <p:extLst>
       <p:ext uri="{BB962C8B-B14F-4D97-AF65-F5344CB8AC3E}">
+        <p14:creationId xmlns:p14="http://schemas.microsoft.com/office/powerpoint/2010/main" val="2569724048"/>
+      </p:ext>
+    </p:extLst>
+  </p:cSld>
+  <p:clrMapOvr>
+    <a:masterClrMapping/>
+  </p:clrMapOvr>
+</p:sld>
+</file>
+
+<file path=ppt/slides/slide43.xml><?xml version="1.0" encoding="utf-8"?>
+<p:sld xmlns:a="http://schemas.openxmlformats.org/drawingml/2006/main" xmlns:r="http://schemas.openxmlformats.org/officeDocument/2006/relationships" xmlns:p="http://schemas.openxmlformats.org/presentationml/2006/main">
+  <p:cSld>
+    <p:spTree>
+      <p:nvGrpSpPr>
+        <p:cNvPr id="1" name=""/>
+        <p:cNvGrpSpPr/>
+        <p:nvPr/>
+      </p:nvGrpSpPr>
+      <p:grpSpPr>
+        <a:xfrm>
+          <a:off x="0" y="0"/>
+          <a:ext cx="0" cy="0"/>
+          <a:chOff x="0" y="0"/>
+          <a:chExt cx="0" cy="0"/>
+        </a:xfrm>
+      </p:grpSpPr>
+      <p:sp>
+        <p:nvSpPr>
+          <p:cNvPr id="7" name="Content Placeholder 6">
+            <a:extLst>
+              <a:ext uri="{FF2B5EF4-FFF2-40B4-BE49-F238E27FC236}">
+                <a16:creationId xmlns:a16="http://schemas.microsoft.com/office/drawing/2014/main" id="{D88ADF2B-DC9B-DD40-8D15-4CB425741AE5}"/>
+              </a:ext>
+            </a:extLst>
+          </p:cNvPr>
+          <p:cNvSpPr>
+            <a:spLocks noGrp="1"/>
+          </p:cNvSpPr>
+          <p:nvPr>
+            <p:ph idx="1"/>
+          </p:nvPr>
+        </p:nvSpPr>
+        <p:spPr/>
+        <p:txBody>
+          <a:bodyPr/>
+          <a:lstStyle/>
+          <a:p>
+            <a:r>
+              <a:rPr lang="en-US" dirty="0" err="1"/>
+              <a:t>Pierro</a:t>
+            </a:r>
+            <a:r>
+              <a:rPr lang="en-US" dirty="0"/>
+              <a:t> wants to study the density of coral cover at 3 depths in and out of MPAs in the </a:t>
+            </a:r>
+            <a:r>
+              <a:rPr lang="en-US" dirty="0" err="1"/>
+              <a:t>Toliara</a:t>
+            </a:r>
+            <a:r>
+              <a:rPr lang="en-US" dirty="0"/>
+              <a:t> region. </a:t>
+            </a:r>
+          </a:p>
+          <a:p>
+            <a:r>
+              <a:rPr lang="en-US" dirty="0" err="1">
+                <a:solidFill>
+                  <a:schemeClr val="accent5">
+                    <a:lumMod val="75000"/>
+                  </a:schemeClr>
+                </a:solidFill>
+              </a:rPr>
+              <a:t>Pierro</a:t>
+            </a:r>
+            <a:r>
+              <a:rPr lang="en-US" dirty="0">
+                <a:solidFill>
+                  <a:schemeClr val="accent5">
+                    <a:lumMod val="75000"/>
+                  </a:schemeClr>
+                </a:solidFill>
+              </a:rPr>
+              <a:t> </a:t>
+            </a:r>
+            <a:r>
+              <a:rPr lang="en-US" dirty="0" err="1">
+                <a:solidFill>
+                  <a:schemeClr val="accent5">
+                    <a:lumMod val="75000"/>
+                  </a:schemeClr>
+                </a:solidFill>
+              </a:rPr>
+              <a:t>veut</a:t>
+            </a:r>
+            <a:r>
+              <a:rPr lang="en-US" dirty="0">
+                <a:solidFill>
+                  <a:schemeClr val="accent5">
+                    <a:lumMod val="75000"/>
+                  </a:schemeClr>
+                </a:solidFill>
+              </a:rPr>
+              <a:t> </a:t>
+            </a:r>
+            <a:r>
+              <a:rPr lang="en-US" dirty="0" err="1">
+                <a:solidFill>
+                  <a:schemeClr val="accent5">
+                    <a:lumMod val="75000"/>
+                  </a:schemeClr>
+                </a:solidFill>
+              </a:rPr>
+              <a:t>étudier</a:t>
+            </a:r>
+            <a:r>
+              <a:rPr lang="en-US" dirty="0">
+                <a:solidFill>
+                  <a:schemeClr val="accent5">
+                    <a:lumMod val="75000"/>
+                  </a:schemeClr>
+                </a:solidFill>
+              </a:rPr>
+              <a:t> la </a:t>
+            </a:r>
+            <a:r>
+              <a:rPr lang="en-US" dirty="0" err="1">
+                <a:solidFill>
+                  <a:schemeClr val="accent5">
+                    <a:lumMod val="75000"/>
+                  </a:schemeClr>
+                </a:solidFill>
+              </a:rPr>
+              <a:t>densité</a:t>
+            </a:r>
+            <a:r>
+              <a:rPr lang="en-US" dirty="0">
+                <a:solidFill>
+                  <a:schemeClr val="accent5">
+                    <a:lumMod val="75000"/>
+                  </a:schemeClr>
+                </a:solidFill>
+              </a:rPr>
+              <a:t> de la couverture </a:t>
+            </a:r>
+            <a:r>
+              <a:rPr lang="en-US" dirty="0" err="1">
+                <a:solidFill>
+                  <a:schemeClr val="accent5">
+                    <a:lumMod val="75000"/>
+                  </a:schemeClr>
+                </a:solidFill>
+              </a:rPr>
+              <a:t>corallienne</a:t>
+            </a:r>
+            <a:r>
+              <a:rPr lang="en-US" dirty="0">
+                <a:solidFill>
+                  <a:schemeClr val="accent5">
+                    <a:lumMod val="75000"/>
+                  </a:schemeClr>
+                </a:solidFill>
+              </a:rPr>
+              <a:t> </a:t>
+            </a:r>
+            <a:r>
+              <a:rPr lang="en-US" dirty="0" err="1">
+                <a:solidFill>
+                  <a:schemeClr val="accent5">
+                    <a:lumMod val="75000"/>
+                  </a:schemeClr>
+                </a:solidFill>
+              </a:rPr>
+              <a:t>à</a:t>
+            </a:r>
+            <a:r>
+              <a:rPr lang="en-US" dirty="0">
+                <a:solidFill>
+                  <a:schemeClr val="accent5">
+                    <a:lumMod val="75000"/>
+                  </a:schemeClr>
+                </a:solidFill>
+              </a:rPr>
+              <a:t> 3 </a:t>
+            </a:r>
+            <a:r>
+              <a:rPr lang="en-US" dirty="0" err="1">
+                <a:solidFill>
+                  <a:schemeClr val="accent5">
+                    <a:lumMod val="75000"/>
+                  </a:schemeClr>
+                </a:solidFill>
+              </a:rPr>
+              <a:t>profondeurs</a:t>
+            </a:r>
+            <a:r>
+              <a:rPr lang="en-US" dirty="0">
+                <a:solidFill>
+                  <a:schemeClr val="accent5">
+                    <a:lumMod val="75000"/>
+                  </a:schemeClr>
+                </a:solidFill>
+              </a:rPr>
+              <a:t> </a:t>
+            </a:r>
+            <a:r>
+              <a:rPr lang="en-US" dirty="0" err="1">
+                <a:solidFill>
+                  <a:schemeClr val="accent5">
+                    <a:lumMod val="75000"/>
+                  </a:schemeClr>
+                </a:solidFill>
+              </a:rPr>
+              <a:t>à</a:t>
+            </a:r>
+            <a:r>
+              <a:rPr lang="en-US" dirty="0">
+                <a:solidFill>
+                  <a:schemeClr val="accent5">
+                    <a:lumMod val="75000"/>
+                  </a:schemeClr>
+                </a:solidFill>
+              </a:rPr>
+              <a:t> </a:t>
+            </a:r>
+            <a:r>
+              <a:rPr lang="en-US" dirty="0" err="1">
+                <a:solidFill>
+                  <a:schemeClr val="accent5">
+                    <a:lumMod val="75000"/>
+                  </a:schemeClr>
+                </a:solidFill>
+              </a:rPr>
+              <a:t>l'intérieur</a:t>
+            </a:r>
+            <a:r>
+              <a:rPr lang="en-US" dirty="0">
+                <a:solidFill>
+                  <a:schemeClr val="accent5">
+                    <a:lumMod val="75000"/>
+                  </a:schemeClr>
+                </a:solidFill>
+              </a:rPr>
+              <a:t> et </a:t>
+            </a:r>
+            <a:r>
+              <a:rPr lang="en-US" dirty="0" err="1">
+                <a:solidFill>
+                  <a:schemeClr val="accent5">
+                    <a:lumMod val="75000"/>
+                  </a:schemeClr>
+                </a:solidFill>
+              </a:rPr>
+              <a:t>à</a:t>
+            </a:r>
+            <a:r>
+              <a:rPr lang="en-US" dirty="0">
+                <a:solidFill>
+                  <a:schemeClr val="accent5">
+                    <a:lumMod val="75000"/>
+                  </a:schemeClr>
+                </a:solidFill>
+              </a:rPr>
+              <a:t> </a:t>
+            </a:r>
+            <a:r>
+              <a:rPr lang="en-US" dirty="0" err="1">
+                <a:solidFill>
+                  <a:schemeClr val="accent5">
+                    <a:lumMod val="75000"/>
+                  </a:schemeClr>
+                </a:solidFill>
+              </a:rPr>
+              <a:t>l'extérieur</a:t>
+            </a:r>
+            <a:r>
+              <a:rPr lang="en-US" dirty="0">
+                <a:solidFill>
+                  <a:schemeClr val="accent5">
+                    <a:lumMod val="75000"/>
+                  </a:schemeClr>
+                </a:solidFill>
+              </a:rPr>
+              <a:t> des AMP de la </a:t>
+            </a:r>
+            <a:r>
+              <a:rPr lang="en-US" dirty="0" err="1">
+                <a:solidFill>
+                  <a:schemeClr val="accent5">
+                    <a:lumMod val="75000"/>
+                  </a:schemeClr>
+                </a:solidFill>
+              </a:rPr>
+              <a:t>région</a:t>
+            </a:r>
+            <a:r>
+              <a:rPr lang="en-US" dirty="0">
+                <a:solidFill>
+                  <a:schemeClr val="accent5">
+                    <a:lumMod val="75000"/>
+                  </a:schemeClr>
+                </a:solidFill>
+              </a:rPr>
+              <a:t> de </a:t>
+            </a:r>
+            <a:r>
+              <a:rPr lang="en-US" dirty="0" err="1">
+                <a:solidFill>
+                  <a:schemeClr val="accent5">
+                    <a:lumMod val="75000"/>
+                  </a:schemeClr>
+                </a:solidFill>
+              </a:rPr>
+              <a:t>Toliara</a:t>
+            </a:r>
+            <a:r>
+              <a:rPr lang="en-US" dirty="0">
+                <a:solidFill>
+                  <a:schemeClr val="accent5">
+                    <a:lumMod val="75000"/>
+                  </a:schemeClr>
+                </a:solidFill>
+              </a:rPr>
+              <a:t>.</a:t>
+            </a:r>
+          </a:p>
+        </p:txBody>
+      </p:sp>
+      <p:sp>
+        <p:nvSpPr>
+          <p:cNvPr id="10" name="Title 1">
+            <a:extLst>
+              <a:ext uri="{FF2B5EF4-FFF2-40B4-BE49-F238E27FC236}">
+                <a16:creationId xmlns:a16="http://schemas.microsoft.com/office/drawing/2014/main" id="{FC414975-32A9-6DFA-EC66-4F3F003A3D01}"/>
+              </a:ext>
+            </a:extLst>
+          </p:cNvPr>
+          <p:cNvSpPr>
+            <a:spLocks noGrp="1"/>
+          </p:cNvSpPr>
+          <p:nvPr>
+            <p:ph type="title"/>
+          </p:nvPr>
+        </p:nvSpPr>
+        <p:spPr>
+          <a:xfrm>
+            <a:off x="675216" y="500062"/>
+            <a:ext cx="10515600" cy="1325563"/>
+          </a:xfrm>
+        </p:spPr>
+        <p:txBody>
+          <a:bodyPr/>
+          <a:lstStyle/>
+          <a:p>
+            <a:r>
+              <a:rPr lang="en-US" b="1" dirty="0"/>
+              <a:t>Which model? </a:t>
+            </a:r>
+            <a:r>
+              <a:rPr lang="en-US" b="1" dirty="0" err="1">
+                <a:solidFill>
+                  <a:schemeClr val="accent5">
+                    <a:lumMod val="75000"/>
+                  </a:schemeClr>
+                </a:solidFill>
+              </a:rPr>
+              <a:t>Quel</a:t>
+            </a:r>
+            <a:r>
+              <a:rPr lang="en-US" b="1" dirty="0">
+                <a:solidFill>
+                  <a:schemeClr val="accent5">
+                    <a:lumMod val="75000"/>
+                  </a:schemeClr>
+                </a:solidFill>
+              </a:rPr>
+              <a:t> model?</a:t>
+            </a:r>
+          </a:p>
+        </p:txBody>
+      </p:sp>
+    </p:spTree>
+    <p:extLst>
+      <p:ext uri="{BB962C8B-B14F-4D97-AF65-F5344CB8AC3E}">
         <p14:creationId xmlns:p14="http://schemas.microsoft.com/office/powerpoint/2010/main" val="1498411726"/>
+      </p:ext>
+    </p:extLst>
+  </p:cSld>
+  <p:clrMapOvr>
+    <a:masterClrMapping/>
+  </p:clrMapOvr>
+</p:sld>
+</file>
+
+<file path=ppt/slides/slide44.xml><?xml version="1.0" encoding="utf-8"?>
+<p:sld xmlns:a="http://schemas.openxmlformats.org/drawingml/2006/main" xmlns:r="http://schemas.openxmlformats.org/officeDocument/2006/relationships" xmlns:p="http://schemas.openxmlformats.org/presentationml/2006/main">
+  <p:cSld>
+    <p:spTree>
+      <p:nvGrpSpPr>
+        <p:cNvPr id="1" name=""/>
+        <p:cNvGrpSpPr/>
+        <p:nvPr/>
+      </p:nvGrpSpPr>
+      <p:grpSpPr>
+        <a:xfrm>
+          <a:off x="0" y="0"/>
+          <a:ext cx="0" cy="0"/>
+          <a:chOff x="0" y="0"/>
+          <a:chExt cx="0" cy="0"/>
+        </a:xfrm>
+      </p:grpSpPr>
+      <p:sp>
+        <p:nvSpPr>
+          <p:cNvPr id="7" name="Content Placeholder 6">
+            <a:extLst>
+              <a:ext uri="{FF2B5EF4-FFF2-40B4-BE49-F238E27FC236}">
+                <a16:creationId xmlns:a16="http://schemas.microsoft.com/office/drawing/2014/main" id="{D88ADF2B-DC9B-DD40-8D15-4CB425741AE5}"/>
+              </a:ext>
+            </a:extLst>
+          </p:cNvPr>
+          <p:cNvSpPr>
+            <a:spLocks noGrp="1"/>
+          </p:cNvSpPr>
+          <p:nvPr>
+            <p:ph idx="1"/>
+          </p:nvPr>
+        </p:nvSpPr>
+        <p:spPr/>
+        <p:txBody>
+          <a:bodyPr/>
+          <a:lstStyle/>
+          <a:p>
+            <a:r>
+              <a:rPr lang="en-US" dirty="0" err="1"/>
+              <a:t>Pierro</a:t>
+            </a:r>
+            <a:r>
+              <a:rPr lang="en-US" dirty="0"/>
+              <a:t> wants to study the density of coral cover at 3 depths in and out of MPAs in the </a:t>
+            </a:r>
+            <a:r>
+              <a:rPr lang="en-US" dirty="0" err="1"/>
+              <a:t>Toliara</a:t>
+            </a:r>
+            <a:r>
+              <a:rPr lang="en-US" dirty="0"/>
+              <a:t> region. </a:t>
+            </a:r>
+          </a:p>
+          <a:p>
+            <a:r>
+              <a:rPr lang="en-US" dirty="0" err="1">
+                <a:solidFill>
+                  <a:schemeClr val="accent5">
+                    <a:lumMod val="75000"/>
+                  </a:schemeClr>
+                </a:solidFill>
+              </a:rPr>
+              <a:t>Pierro</a:t>
+            </a:r>
+            <a:r>
+              <a:rPr lang="en-US" dirty="0">
+                <a:solidFill>
+                  <a:schemeClr val="accent5">
+                    <a:lumMod val="75000"/>
+                  </a:schemeClr>
+                </a:solidFill>
+              </a:rPr>
+              <a:t> </a:t>
+            </a:r>
+            <a:r>
+              <a:rPr lang="en-US" dirty="0" err="1">
+                <a:solidFill>
+                  <a:schemeClr val="accent5">
+                    <a:lumMod val="75000"/>
+                  </a:schemeClr>
+                </a:solidFill>
+              </a:rPr>
+              <a:t>veut</a:t>
+            </a:r>
+            <a:r>
+              <a:rPr lang="en-US" dirty="0">
+                <a:solidFill>
+                  <a:schemeClr val="accent5">
+                    <a:lumMod val="75000"/>
+                  </a:schemeClr>
+                </a:solidFill>
+              </a:rPr>
+              <a:t> </a:t>
+            </a:r>
+            <a:r>
+              <a:rPr lang="en-US" dirty="0" err="1">
+                <a:solidFill>
+                  <a:schemeClr val="accent5">
+                    <a:lumMod val="75000"/>
+                  </a:schemeClr>
+                </a:solidFill>
+              </a:rPr>
+              <a:t>étudier</a:t>
+            </a:r>
+            <a:r>
+              <a:rPr lang="en-US" dirty="0">
+                <a:solidFill>
+                  <a:schemeClr val="accent5">
+                    <a:lumMod val="75000"/>
+                  </a:schemeClr>
+                </a:solidFill>
+              </a:rPr>
+              <a:t> la </a:t>
+            </a:r>
+            <a:r>
+              <a:rPr lang="en-US" dirty="0" err="1">
+                <a:solidFill>
+                  <a:schemeClr val="accent5">
+                    <a:lumMod val="75000"/>
+                  </a:schemeClr>
+                </a:solidFill>
+              </a:rPr>
+              <a:t>densité</a:t>
+            </a:r>
+            <a:r>
+              <a:rPr lang="en-US" dirty="0">
+                <a:solidFill>
+                  <a:schemeClr val="accent5">
+                    <a:lumMod val="75000"/>
+                  </a:schemeClr>
+                </a:solidFill>
+              </a:rPr>
+              <a:t> de la couverture </a:t>
+            </a:r>
+            <a:r>
+              <a:rPr lang="en-US" dirty="0" err="1">
+                <a:solidFill>
+                  <a:schemeClr val="accent5">
+                    <a:lumMod val="75000"/>
+                  </a:schemeClr>
+                </a:solidFill>
+              </a:rPr>
+              <a:t>corallienne</a:t>
+            </a:r>
+            <a:r>
+              <a:rPr lang="en-US" dirty="0">
+                <a:solidFill>
+                  <a:schemeClr val="accent5">
+                    <a:lumMod val="75000"/>
+                  </a:schemeClr>
+                </a:solidFill>
+              </a:rPr>
+              <a:t> </a:t>
+            </a:r>
+            <a:r>
+              <a:rPr lang="en-US" dirty="0" err="1">
+                <a:solidFill>
+                  <a:schemeClr val="accent5">
+                    <a:lumMod val="75000"/>
+                  </a:schemeClr>
+                </a:solidFill>
+              </a:rPr>
+              <a:t>à</a:t>
+            </a:r>
+            <a:r>
+              <a:rPr lang="en-US" dirty="0">
+                <a:solidFill>
+                  <a:schemeClr val="accent5">
+                    <a:lumMod val="75000"/>
+                  </a:schemeClr>
+                </a:solidFill>
+              </a:rPr>
+              <a:t> 3 </a:t>
+            </a:r>
+            <a:r>
+              <a:rPr lang="en-US" dirty="0" err="1">
+                <a:solidFill>
+                  <a:schemeClr val="accent5">
+                    <a:lumMod val="75000"/>
+                  </a:schemeClr>
+                </a:solidFill>
+              </a:rPr>
+              <a:t>profondeurs</a:t>
+            </a:r>
+            <a:r>
+              <a:rPr lang="en-US" dirty="0">
+                <a:solidFill>
+                  <a:schemeClr val="accent5">
+                    <a:lumMod val="75000"/>
+                  </a:schemeClr>
+                </a:solidFill>
+              </a:rPr>
+              <a:t> </a:t>
+            </a:r>
+            <a:r>
+              <a:rPr lang="en-US" dirty="0" err="1">
+                <a:solidFill>
+                  <a:schemeClr val="accent5">
+                    <a:lumMod val="75000"/>
+                  </a:schemeClr>
+                </a:solidFill>
+              </a:rPr>
+              <a:t>à</a:t>
+            </a:r>
+            <a:r>
+              <a:rPr lang="en-US" dirty="0">
+                <a:solidFill>
+                  <a:schemeClr val="accent5">
+                    <a:lumMod val="75000"/>
+                  </a:schemeClr>
+                </a:solidFill>
+              </a:rPr>
+              <a:t> </a:t>
+            </a:r>
+            <a:r>
+              <a:rPr lang="en-US" dirty="0" err="1">
+                <a:solidFill>
+                  <a:schemeClr val="accent5">
+                    <a:lumMod val="75000"/>
+                  </a:schemeClr>
+                </a:solidFill>
+              </a:rPr>
+              <a:t>l'intérieur</a:t>
+            </a:r>
+            <a:r>
+              <a:rPr lang="en-US" dirty="0">
+                <a:solidFill>
+                  <a:schemeClr val="accent5">
+                    <a:lumMod val="75000"/>
+                  </a:schemeClr>
+                </a:solidFill>
+              </a:rPr>
+              <a:t> et </a:t>
+            </a:r>
+            <a:r>
+              <a:rPr lang="en-US" dirty="0" err="1">
+                <a:solidFill>
+                  <a:schemeClr val="accent5">
+                    <a:lumMod val="75000"/>
+                  </a:schemeClr>
+                </a:solidFill>
+              </a:rPr>
+              <a:t>à</a:t>
+            </a:r>
+            <a:r>
+              <a:rPr lang="en-US" dirty="0">
+                <a:solidFill>
+                  <a:schemeClr val="accent5">
+                    <a:lumMod val="75000"/>
+                  </a:schemeClr>
+                </a:solidFill>
+              </a:rPr>
+              <a:t> </a:t>
+            </a:r>
+            <a:r>
+              <a:rPr lang="en-US" dirty="0" err="1">
+                <a:solidFill>
+                  <a:schemeClr val="accent5">
+                    <a:lumMod val="75000"/>
+                  </a:schemeClr>
+                </a:solidFill>
+              </a:rPr>
+              <a:t>l'extérieur</a:t>
+            </a:r>
+            <a:r>
+              <a:rPr lang="en-US" dirty="0">
+                <a:solidFill>
+                  <a:schemeClr val="accent5">
+                    <a:lumMod val="75000"/>
+                  </a:schemeClr>
+                </a:solidFill>
+              </a:rPr>
+              <a:t> des AMP de la </a:t>
+            </a:r>
+            <a:r>
+              <a:rPr lang="en-US" dirty="0" err="1">
+                <a:solidFill>
+                  <a:schemeClr val="accent5">
+                    <a:lumMod val="75000"/>
+                  </a:schemeClr>
+                </a:solidFill>
+              </a:rPr>
+              <a:t>région</a:t>
+            </a:r>
+            <a:r>
+              <a:rPr lang="en-US" dirty="0">
+                <a:solidFill>
+                  <a:schemeClr val="accent5">
+                    <a:lumMod val="75000"/>
+                  </a:schemeClr>
+                </a:solidFill>
+              </a:rPr>
+              <a:t> de </a:t>
+            </a:r>
+            <a:r>
+              <a:rPr lang="en-US" dirty="0" err="1">
+                <a:solidFill>
+                  <a:schemeClr val="accent5">
+                    <a:lumMod val="75000"/>
+                  </a:schemeClr>
+                </a:solidFill>
+              </a:rPr>
+              <a:t>Toliara</a:t>
+            </a:r>
+            <a:r>
+              <a:rPr lang="en-US" dirty="0">
+                <a:solidFill>
+                  <a:schemeClr val="accent5">
+                    <a:lumMod val="75000"/>
+                  </a:schemeClr>
+                </a:solidFill>
+              </a:rPr>
+              <a:t>.</a:t>
+            </a:r>
+          </a:p>
+          <a:p>
+            <a:r>
+              <a:rPr lang="en-US" dirty="0"/>
+              <a:t>linear mixed model </a:t>
+            </a:r>
+          </a:p>
+          <a:p>
+            <a:r>
+              <a:rPr lang="en-US" dirty="0" err="1"/>
+              <a:t>lmer</a:t>
+            </a:r>
+            <a:r>
+              <a:rPr lang="en-US" dirty="0"/>
+              <a:t>()</a:t>
+            </a:r>
+          </a:p>
+        </p:txBody>
+      </p:sp>
+      <p:sp>
+        <p:nvSpPr>
+          <p:cNvPr id="10" name="Title 1">
+            <a:extLst>
+              <a:ext uri="{FF2B5EF4-FFF2-40B4-BE49-F238E27FC236}">
+                <a16:creationId xmlns:a16="http://schemas.microsoft.com/office/drawing/2014/main" id="{FC414975-32A9-6DFA-EC66-4F3F003A3D01}"/>
+              </a:ext>
+            </a:extLst>
+          </p:cNvPr>
+          <p:cNvSpPr>
+            <a:spLocks noGrp="1"/>
+          </p:cNvSpPr>
+          <p:nvPr>
+            <p:ph type="title"/>
+          </p:nvPr>
+        </p:nvSpPr>
+        <p:spPr>
+          <a:xfrm>
+            <a:off x="675216" y="500062"/>
+            <a:ext cx="10515600" cy="1325563"/>
+          </a:xfrm>
+        </p:spPr>
+        <p:txBody>
+          <a:bodyPr/>
+          <a:lstStyle/>
+          <a:p>
+            <a:r>
+              <a:rPr lang="en-US" b="1" dirty="0"/>
+              <a:t>Which model? </a:t>
+            </a:r>
+            <a:r>
+              <a:rPr lang="en-US" b="1" dirty="0" err="1">
+                <a:solidFill>
+                  <a:schemeClr val="accent5">
+                    <a:lumMod val="75000"/>
+                  </a:schemeClr>
+                </a:solidFill>
+              </a:rPr>
+              <a:t>Quel</a:t>
+            </a:r>
+            <a:r>
+              <a:rPr lang="en-US" b="1" dirty="0">
+                <a:solidFill>
+                  <a:schemeClr val="accent5">
+                    <a:lumMod val="75000"/>
+                  </a:schemeClr>
+                </a:solidFill>
+              </a:rPr>
+              <a:t> model?</a:t>
+            </a:r>
+          </a:p>
+        </p:txBody>
+      </p:sp>
+    </p:spTree>
+    <p:extLst>
+      <p:ext uri="{BB962C8B-B14F-4D97-AF65-F5344CB8AC3E}">
+        <p14:creationId xmlns:p14="http://schemas.microsoft.com/office/powerpoint/2010/main" val="2167242936"/>
       </p:ext>
     </p:extLst>
   </p:cSld>
@@ -29821,7 +30353,7 @@
           <p:cNvPr id="12" name="Title 1">
             <a:extLst>
               <a:ext uri="{FF2B5EF4-FFF2-40B4-BE49-F238E27FC236}">
-                <a16:creationId xmlns:a16="http://schemas.microsoft.com/office/drawing/2014/main" id="{F582AE0D-A004-ADA4-21A8-05C9473E983B}"/>
+                <a16:creationId xmlns:a16="http://schemas.microsoft.com/office/drawing/2014/main" id="{2B9072F4-AB40-AD9F-46FE-A35303162EE1}"/>
               </a:ext>
             </a:extLst>
           </p:cNvPr>
@@ -29894,7 +30426,7 @@
           <p:cNvPr id="13" name="Title 1">
             <a:extLst>
               <a:ext uri="{FF2B5EF4-FFF2-40B4-BE49-F238E27FC236}">
-                <a16:creationId xmlns:a16="http://schemas.microsoft.com/office/drawing/2014/main" id="{90BB19D6-C933-3618-A821-80A9AC462864}"/>
+                <a16:creationId xmlns:a16="http://schemas.microsoft.com/office/drawing/2014/main" id="{56D2C654-426F-7A49-2406-8CA8ABE7262B}"/>
               </a:ext>
             </a:extLst>
           </p:cNvPr>
@@ -29965,7 +30497,7 @@
     </p:spTree>
     <p:extLst>
       <p:ext uri="{BB962C8B-B14F-4D97-AF65-F5344CB8AC3E}">
-        <p14:creationId xmlns:p14="http://schemas.microsoft.com/office/powerpoint/2010/main" val="3633934569"/>
+        <p14:creationId xmlns:p14="http://schemas.microsoft.com/office/powerpoint/2010/main" val="1334481503"/>
       </p:ext>
     </p:extLst>
   </p:cSld>
@@ -30495,149 +31027,10 @@
           </a:p>
         </p:txBody>
       </p:sp>
-      <p:sp>
-        <p:nvSpPr>
-          <p:cNvPr id="3" name="Title 1">
-            <a:extLst>
-              <a:ext uri="{FF2B5EF4-FFF2-40B4-BE49-F238E27FC236}">
-                <a16:creationId xmlns:a16="http://schemas.microsoft.com/office/drawing/2014/main" id="{15009D78-6724-2D8F-7F14-6C01D2C93B19}"/>
-              </a:ext>
-            </a:extLst>
-          </p:cNvPr>
-          <p:cNvSpPr txBox="1">
-            <a:spLocks/>
-          </p:cNvSpPr>
-          <p:nvPr/>
-        </p:nvSpPr>
-        <p:spPr>
-          <a:xfrm>
-            <a:off x="3353090" y="3957232"/>
-            <a:ext cx="2217341" cy="1325563"/>
-          </a:xfrm>
-          <a:prstGeom prst="rect">
-            <a:avLst/>
-          </a:prstGeom>
-        </p:spPr>
-        <p:txBody>
-          <a:bodyPr vert="horz" lIns="91440" tIns="45720" rIns="91440" bIns="45720" rtlCol="0" anchor="ctr">
-            <a:normAutofit/>
-          </a:bodyPr>
-          <a:lstStyle>
-            <a:lvl1pPr algn="l" defTabSz="914400" rtl="0" eaLnBrk="1" latinLnBrk="0" hangingPunct="1">
-              <a:lnSpc>
-                <a:spcPct val="90000"/>
-              </a:lnSpc>
-              <a:spcBef>
-                <a:spcPct val="0"/>
-              </a:spcBef>
-              <a:buNone/>
-              <a:defRPr sz="4400" kern="1200">
-                <a:solidFill>
-                  <a:schemeClr val="tx1"/>
-                </a:solidFill>
-                <a:latin typeface="+mj-lt"/>
-                <a:ea typeface="+mj-ea"/>
-                <a:cs typeface="+mj-cs"/>
-              </a:defRPr>
-            </a:lvl1pPr>
-          </a:lstStyle>
-          <a:p>
-            <a:r>
-              <a:rPr lang="en-US" sz="3000" dirty="0"/>
-              <a:t>Pattern</a:t>
-            </a:r>
-          </a:p>
-          <a:p>
-            <a:r>
-              <a:rPr lang="en-US" sz="3000" dirty="0">
-                <a:solidFill>
-                  <a:schemeClr val="accent5">
-                    <a:lumMod val="75000"/>
-                  </a:schemeClr>
-                </a:solidFill>
-              </a:rPr>
-              <a:t>Motif</a:t>
-            </a:r>
-          </a:p>
-        </p:txBody>
-      </p:sp>
-      <p:sp>
-        <p:nvSpPr>
-          <p:cNvPr id="4" name="Title 1">
-            <a:extLst>
-              <a:ext uri="{FF2B5EF4-FFF2-40B4-BE49-F238E27FC236}">
-                <a16:creationId xmlns:a16="http://schemas.microsoft.com/office/drawing/2014/main" id="{D9284E12-4CC6-8C33-CEBD-A6A3A24CADB7}"/>
-              </a:ext>
-            </a:extLst>
-          </p:cNvPr>
-          <p:cNvSpPr txBox="1">
-            <a:spLocks/>
-          </p:cNvSpPr>
-          <p:nvPr/>
-        </p:nvSpPr>
-        <p:spPr>
-          <a:xfrm>
-            <a:off x="6474164" y="3969736"/>
-            <a:ext cx="2217341" cy="1325563"/>
-          </a:xfrm>
-          <a:prstGeom prst="rect">
-            <a:avLst/>
-          </a:prstGeom>
-        </p:spPr>
-        <p:txBody>
-          <a:bodyPr vert="horz" lIns="91440" tIns="45720" rIns="91440" bIns="45720" rtlCol="0" anchor="ctr">
-            <a:normAutofit/>
-          </a:bodyPr>
-          <a:lstStyle>
-            <a:lvl1pPr algn="l" defTabSz="914400" rtl="0" eaLnBrk="1" latinLnBrk="0" hangingPunct="1">
-              <a:lnSpc>
-                <a:spcPct val="90000"/>
-              </a:lnSpc>
-              <a:spcBef>
-                <a:spcPct val="0"/>
-              </a:spcBef>
-              <a:buNone/>
-              <a:defRPr sz="4400" kern="1200">
-                <a:solidFill>
-                  <a:schemeClr val="tx1"/>
-                </a:solidFill>
-                <a:latin typeface="+mj-lt"/>
-                <a:ea typeface="+mj-ea"/>
-                <a:cs typeface="+mj-cs"/>
-              </a:defRPr>
-            </a:lvl1pPr>
-          </a:lstStyle>
-          <a:p>
-            <a:r>
-              <a:rPr lang="en-US" sz="3000" dirty="0"/>
-              <a:t>Process</a:t>
-            </a:r>
-          </a:p>
-          <a:p>
-            <a:r>
-              <a:rPr lang="en-US" sz="3000" dirty="0" err="1">
-                <a:solidFill>
-                  <a:schemeClr val="accent5">
-                    <a:lumMod val="75000"/>
-                  </a:schemeClr>
-                </a:solidFill>
-              </a:rPr>
-              <a:t>Processus</a:t>
-            </a:r>
-            <a:endParaRPr lang="en-US" sz="3000" dirty="0">
-              <a:solidFill>
-                <a:schemeClr val="accent5">
-                  <a:lumMod val="75000"/>
-                </a:schemeClr>
-              </a:solidFill>
-            </a:endParaRPr>
-          </a:p>
-        </p:txBody>
-      </p:sp>
     </p:spTree>
     <p:extLst>
       <p:ext uri="{BB962C8B-B14F-4D97-AF65-F5344CB8AC3E}">
-        <p14:creationId xmlns:p14="http://schemas.microsoft.com/office/powerpoint/2010/main" val="3589500568"/>
+        <p14:creationId xmlns:p14="http://schemas.microsoft.com/office/powerpoint/2010/main" val="3633934569"/>
       </p:ext>
     </p:extLst>
   </p:cSld>
@@ -31306,12 +31699,155 @@
           </a:p>
         </p:txBody>
       </p:sp>
-      <p:sp>
-        <p:nvSpPr>
-          <p:cNvPr id="5" name="Title 1">
-            <a:extLst>
-              <a:ext uri="{FF2B5EF4-FFF2-40B4-BE49-F238E27FC236}">
-                <a16:creationId xmlns:a16="http://schemas.microsoft.com/office/drawing/2014/main" id="{C1B876AD-7525-4B3C-7F25-A5F7BC8C39BD}"/>
+    </p:spTree>
+    <p:extLst>
+      <p:ext uri="{BB962C8B-B14F-4D97-AF65-F5344CB8AC3E}">
+        <p14:creationId xmlns:p14="http://schemas.microsoft.com/office/powerpoint/2010/main" val="3589500568"/>
+      </p:ext>
+    </p:extLst>
+  </p:cSld>
+  <p:clrMapOvr>
+    <a:masterClrMapping/>
+  </p:clrMapOvr>
+</p:sld>
+</file>
+
+<file path=ppt/slides/slide8.xml><?xml version="1.0" encoding="utf-8"?>
+<p:sld xmlns:a="http://schemas.openxmlformats.org/drawingml/2006/main" xmlns:r="http://schemas.openxmlformats.org/officeDocument/2006/relationships" xmlns:p="http://schemas.openxmlformats.org/presentationml/2006/main">
+  <p:cSld>
+    <p:spTree>
+      <p:nvGrpSpPr>
+        <p:cNvPr id="1" name=""/>
+        <p:cNvGrpSpPr/>
+        <p:nvPr/>
+      </p:nvGrpSpPr>
+      <p:grpSpPr>
+        <a:xfrm>
+          <a:off x="0" y="0"/>
+          <a:ext cx="0" cy="0"/>
+          <a:chOff x="0" y="0"/>
+          <a:chExt cx="0" cy="0"/>
+        </a:xfrm>
+      </p:grpSpPr>
+      <p:sp>
+        <p:nvSpPr>
+          <p:cNvPr id="2" name="Title 1">
+            <a:extLst>
+              <a:ext uri="{FF2B5EF4-FFF2-40B4-BE49-F238E27FC236}">
+                <a16:creationId xmlns:a16="http://schemas.microsoft.com/office/drawing/2014/main" id="{FBA19A8F-6A29-3B88-7536-FE637D75E910}"/>
+              </a:ext>
+            </a:extLst>
+          </p:cNvPr>
+          <p:cNvSpPr>
+            <a:spLocks noGrp="1"/>
+          </p:cNvSpPr>
+          <p:nvPr>
+            <p:ph type="title"/>
+          </p:nvPr>
+        </p:nvSpPr>
+        <p:spPr>
+          <a:xfrm>
+            <a:off x="204717" y="200950"/>
+            <a:ext cx="7886699" cy="1325563"/>
+          </a:xfrm>
+        </p:spPr>
+        <p:txBody>
+          <a:bodyPr/>
+          <a:lstStyle/>
+          <a:p>
+            <a:r>
+              <a:rPr lang="en-US" dirty="0"/>
+              <a:t>Two broad classes of models</a:t>
+            </a:r>
+            <a:br>
+              <a:rPr lang="en-US" dirty="0"/>
+            </a:br>
+            <a:r>
+              <a:rPr lang="en-US" dirty="0">
+                <a:solidFill>
+                  <a:schemeClr val="accent5">
+                    <a:lumMod val="75000"/>
+                  </a:schemeClr>
+                </a:solidFill>
+              </a:rPr>
+              <a:t>Deux </a:t>
+            </a:r>
+            <a:r>
+              <a:rPr lang="en-US" dirty="0" err="1">
+                <a:solidFill>
+                  <a:schemeClr val="accent5">
+                    <a:lumMod val="75000"/>
+                  </a:schemeClr>
+                </a:solidFill>
+              </a:rPr>
+              <a:t>grandes</a:t>
+            </a:r>
+            <a:r>
+              <a:rPr lang="en-US" dirty="0">
+                <a:solidFill>
+                  <a:schemeClr val="accent5">
+                    <a:lumMod val="75000"/>
+                  </a:schemeClr>
+                </a:solidFill>
+              </a:rPr>
+              <a:t> classes de </a:t>
+            </a:r>
+            <a:r>
+              <a:rPr lang="en-US" dirty="0" err="1">
+                <a:solidFill>
+                  <a:schemeClr val="accent5">
+                    <a:lumMod val="75000"/>
+                  </a:schemeClr>
+                </a:solidFill>
+              </a:rPr>
+              <a:t>modèles</a:t>
+            </a:r>
+            <a:endParaRPr lang="en-US" dirty="0">
+              <a:solidFill>
+                <a:schemeClr val="accent5">
+                  <a:lumMod val="75000"/>
+                </a:schemeClr>
+              </a:solidFill>
+            </a:endParaRPr>
+          </a:p>
+        </p:txBody>
+      </p:sp>
+      <p:pic>
+        <p:nvPicPr>
+          <p:cNvPr id="6" name="Picture 5">
+            <a:extLst>
+              <a:ext uri="{FF2B5EF4-FFF2-40B4-BE49-F238E27FC236}">
+                <a16:creationId xmlns:a16="http://schemas.microsoft.com/office/drawing/2014/main" id="{1AE383F2-51D5-D844-DDAD-B37B5667137C}"/>
+              </a:ext>
+            </a:extLst>
+          </p:cNvPr>
+          <p:cNvPicPr>
+            <a:picLocks noChangeAspect="1"/>
+          </p:cNvPicPr>
+          <p:nvPr/>
+        </p:nvPicPr>
+        <p:blipFill>
+          <a:blip r:embed="rId2"/>
+          <a:stretch>
+            <a:fillRect/>
+          </a:stretch>
+        </p:blipFill>
+        <p:spPr>
+          <a:xfrm>
+            <a:off x="10008427" y="341241"/>
+            <a:ext cx="1978856" cy="1808186"/>
+          </a:xfrm>
+          <a:prstGeom prst="rect">
+            <a:avLst/>
+          </a:prstGeom>
+        </p:spPr>
+      </p:pic>
+      <p:sp>
+        <p:nvSpPr>
+          <p:cNvPr id="8" name="Title 1">
+            <a:extLst>
+              <a:ext uri="{FF2B5EF4-FFF2-40B4-BE49-F238E27FC236}">
+                <a16:creationId xmlns:a16="http://schemas.microsoft.com/office/drawing/2014/main" id="{6182DD66-51BE-4A4D-9224-9E893369BCCB}"/>
               </a:ext>
             </a:extLst>
           </p:cNvPr>
@@ -31322,8 +31858,81 @@
         </p:nvSpPr>
         <p:spPr>
           <a:xfrm>
-            <a:off x="3353091" y="5120990"/>
-            <a:ext cx="2217341" cy="1325563"/>
+            <a:off x="3291448" y="1562700"/>
+            <a:ext cx="2386023" cy="1325563"/>
+          </a:xfrm>
+          <a:prstGeom prst="rect">
+            <a:avLst/>
+          </a:prstGeom>
+        </p:spPr>
+        <p:txBody>
+          <a:bodyPr vert="horz" lIns="91440" tIns="45720" rIns="91440" bIns="45720" rtlCol="0" anchor="ctr">
+            <a:normAutofit fontScale="92500"/>
+          </a:bodyPr>
+          <a:lstStyle>
+            <a:lvl1pPr algn="l" defTabSz="914400" rtl="0" eaLnBrk="1" latinLnBrk="0" hangingPunct="1">
+              <a:lnSpc>
+                <a:spcPct val="90000"/>
+              </a:lnSpc>
+              <a:spcBef>
+                <a:spcPct val="0"/>
+              </a:spcBef>
+              <a:buNone/>
+              <a:defRPr sz="4400" kern="1200">
+                <a:solidFill>
+                  <a:schemeClr val="tx1"/>
+                </a:solidFill>
+                <a:latin typeface="+mj-lt"/>
+                <a:ea typeface="+mj-ea"/>
+                <a:cs typeface="+mj-cs"/>
+              </a:defRPr>
+            </a:lvl1pPr>
+          </a:lstStyle>
+          <a:p>
+            <a:r>
+              <a:rPr lang="en-US" dirty="0"/>
+              <a:t>Statistical</a:t>
+            </a:r>
+          </a:p>
+          <a:p>
+            <a:r>
+              <a:rPr lang="en-US" dirty="0" err="1">
+                <a:solidFill>
+                  <a:schemeClr val="accent5">
+                    <a:lumMod val="75000"/>
+                  </a:schemeClr>
+                </a:solidFill>
+              </a:rPr>
+              <a:t>Statistique</a:t>
+            </a:r>
+            <a:endParaRPr lang="en-US" dirty="0">
+              <a:solidFill>
+                <a:schemeClr val="accent5">
+                  <a:lumMod val="75000"/>
+                </a:schemeClr>
+              </a:solidFill>
+            </a:endParaRPr>
+          </a:p>
+        </p:txBody>
+      </p:sp>
+      <p:sp>
+        <p:nvSpPr>
+          <p:cNvPr id="9" name="Title 1">
+            <a:extLst>
+              <a:ext uri="{FF2B5EF4-FFF2-40B4-BE49-F238E27FC236}">
+                <a16:creationId xmlns:a16="http://schemas.microsoft.com/office/drawing/2014/main" id="{27D97289-5F1D-28DE-8FD8-5440786F63D4}"/>
+              </a:ext>
+            </a:extLst>
+          </p:cNvPr>
+          <p:cNvSpPr txBox="1">
+            <a:spLocks/>
+          </p:cNvSpPr>
+          <p:nvPr/>
+        </p:nvSpPr>
+        <p:spPr>
+          <a:xfrm>
+            <a:off x="6062093" y="1562701"/>
+            <a:ext cx="3177091" cy="1325563"/>
           </a:xfrm>
           <a:prstGeom prst="rect">
             <a:avLst/>
@@ -31354,30 +31963,135 @@
           </a:lstStyle>
           <a:p>
             <a:r>
-              <a:rPr lang="en-US" sz="3000" dirty="0"/>
-              <a:t>What?</a:t>
-            </a:r>
-          </a:p>
-          <a:p>
-            <a:r>
-              <a:rPr lang="en-US" sz="3000" dirty="0">
-                <a:solidFill>
-                  <a:schemeClr val="accent5">
-                    <a:lumMod val="75000"/>
-                  </a:schemeClr>
-                </a:solidFill>
-              </a:rPr>
-              <a:t>Que?</a:t>
-            </a:r>
-          </a:p>
-        </p:txBody>
-      </p:sp>
-      <p:sp>
-        <p:nvSpPr>
-          <p:cNvPr id="7" name="Title 1">
-            <a:extLst>
-              <a:ext uri="{FF2B5EF4-FFF2-40B4-BE49-F238E27FC236}">
-                <a16:creationId xmlns:a16="http://schemas.microsoft.com/office/drawing/2014/main" id="{B26D3266-C872-58E7-8ECA-12593F81FA5A}"/>
+              <a:rPr lang="en-US" dirty="0"/>
+              <a:t>Mechanistic</a:t>
+            </a:r>
+          </a:p>
+          <a:p>
+            <a:r>
+              <a:rPr lang="en-US" dirty="0" err="1">
+                <a:solidFill>
+                  <a:schemeClr val="accent5">
+                    <a:lumMod val="75000"/>
+                  </a:schemeClr>
+                </a:solidFill>
+              </a:rPr>
+              <a:t>Mécaniste</a:t>
+            </a:r>
+            <a:endParaRPr lang="en-US" dirty="0">
+              <a:solidFill>
+                <a:schemeClr val="accent5">
+                  <a:lumMod val="75000"/>
+                </a:schemeClr>
+              </a:solidFill>
+            </a:endParaRPr>
+          </a:p>
+        </p:txBody>
+      </p:sp>
+      <p:sp>
+        <p:nvSpPr>
+          <p:cNvPr id="10" name="Rectangle 9">
+            <a:extLst>
+              <a:ext uri="{FF2B5EF4-FFF2-40B4-BE49-F238E27FC236}">
+                <a16:creationId xmlns:a16="http://schemas.microsoft.com/office/drawing/2014/main" id="{4E77466C-6D40-F2E1-DD45-6498CB1C95BA}"/>
+              </a:ext>
+            </a:extLst>
+          </p:cNvPr>
+          <p:cNvSpPr/>
+          <p:nvPr/>
+        </p:nvSpPr>
+        <p:spPr>
+          <a:xfrm rot="5400000">
+            <a:off x="6073140" y="-591410"/>
+            <a:ext cx="45719" cy="7077443"/>
+          </a:xfrm>
+          <a:prstGeom prst="rect">
+            <a:avLst/>
+          </a:prstGeom>
+          <a:solidFill>
+            <a:schemeClr val="tx1"/>
+          </a:solidFill>
+        </p:spPr>
+        <p:style>
+          <a:lnRef idx="2">
+            <a:schemeClr val="accent1">
+              <a:shade val="50000"/>
+            </a:schemeClr>
+          </a:lnRef>
+          <a:fillRef idx="1">
+            <a:schemeClr val="accent1"/>
+          </a:fillRef>
+          <a:effectRef idx="0">
+            <a:schemeClr val="accent1"/>
+          </a:effectRef>
+          <a:fontRef idx="minor">
+            <a:schemeClr val="lt1"/>
+          </a:fontRef>
+        </p:style>
+        <p:txBody>
+          <a:bodyPr rtlCol="0" anchor="ctr"/>
+          <a:lstStyle/>
+          <a:p>
+            <a:pPr algn="ctr"/>
+            <a:endParaRPr lang="en-US"/>
+          </a:p>
+        </p:txBody>
+      </p:sp>
+      <p:sp>
+        <p:nvSpPr>
+          <p:cNvPr id="11" name="Rectangle 10">
+            <a:extLst>
+              <a:ext uri="{FF2B5EF4-FFF2-40B4-BE49-F238E27FC236}">
+                <a16:creationId xmlns:a16="http://schemas.microsoft.com/office/drawing/2014/main" id="{C12900C5-DDE7-5366-8AFF-587A19A94932}"/>
+              </a:ext>
+            </a:extLst>
+          </p:cNvPr>
+          <p:cNvSpPr/>
+          <p:nvPr/>
+        </p:nvSpPr>
+        <p:spPr>
+          <a:xfrm>
+            <a:off x="5880989" y="1526513"/>
+            <a:ext cx="45719" cy="4655924"/>
+          </a:xfrm>
+          <a:prstGeom prst="rect">
+            <a:avLst/>
+          </a:prstGeom>
+          <a:solidFill>
+            <a:schemeClr val="tx1"/>
+          </a:solidFill>
+        </p:spPr>
+        <p:style>
+          <a:lnRef idx="2">
+            <a:schemeClr val="accent1">
+              <a:shade val="50000"/>
+            </a:schemeClr>
+          </a:lnRef>
+          <a:fillRef idx="1">
+            <a:schemeClr val="accent1"/>
+          </a:fillRef>
+          <a:effectRef idx="0">
+            <a:schemeClr val="accent1"/>
+          </a:effectRef>
+          <a:fontRef idx="minor">
+            <a:schemeClr val="lt1"/>
+          </a:fontRef>
+        </p:style>
+        <p:txBody>
+          <a:bodyPr rtlCol="0" anchor="ctr"/>
+          <a:lstStyle/>
+          <a:p>
+            <a:pPr algn="ctr"/>
+            <a:endParaRPr lang="en-US"/>
+          </a:p>
+        </p:txBody>
+      </p:sp>
+      <p:sp>
+        <p:nvSpPr>
+          <p:cNvPr id="12" name="Title 1">
+            <a:extLst>
+              <a:ext uri="{FF2B5EF4-FFF2-40B4-BE49-F238E27FC236}">
+                <a16:creationId xmlns:a16="http://schemas.microsoft.com/office/drawing/2014/main" id="{F582AE0D-A004-ADA4-21A8-05C9473E983B}"/>
               </a:ext>
             </a:extLst>
           </p:cNvPr>
@@ -31388,7 +32102,7 @@
         </p:nvSpPr>
         <p:spPr>
           <a:xfrm>
-            <a:off x="6474164" y="5120989"/>
+            <a:off x="3291448" y="2852076"/>
             <a:ext cx="2217341" cy="1325563"/>
           </a:xfrm>
           <a:prstGeom prst="rect">
@@ -31421,6 +32135,357 @@
           <a:p>
             <a:r>
               <a:rPr lang="en-US" sz="3000" dirty="0"/>
+              <a:t>Correlation</a:t>
+            </a:r>
+          </a:p>
+          <a:p>
+            <a:r>
+              <a:rPr lang="en-US" sz="3000" dirty="0" err="1">
+                <a:solidFill>
+                  <a:schemeClr val="accent5">
+                    <a:lumMod val="75000"/>
+                  </a:schemeClr>
+                </a:solidFill>
+              </a:rPr>
+              <a:t>Corrélation</a:t>
+            </a:r>
+            <a:endParaRPr lang="en-US" sz="3000" dirty="0">
+              <a:solidFill>
+                <a:schemeClr val="accent5">
+                  <a:lumMod val="75000"/>
+                </a:schemeClr>
+              </a:solidFill>
+            </a:endParaRPr>
+          </a:p>
+        </p:txBody>
+      </p:sp>
+      <p:sp>
+        <p:nvSpPr>
+          <p:cNvPr id="13" name="Title 1">
+            <a:extLst>
+              <a:ext uri="{FF2B5EF4-FFF2-40B4-BE49-F238E27FC236}">
+                <a16:creationId xmlns:a16="http://schemas.microsoft.com/office/drawing/2014/main" id="{90BB19D6-C933-3618-A821-80A9AC462864}"/>
+              </a:ext>
+            </a:extLst>
+          </p:cNvPr>
+          <p:cNvSpPr txBox="1">
+            <a:spLocks/>
+          </p:cNvSpPr>
+          <p:nvPr/>
+        </p:nvSpPr>
+        <p:spPr>
+          <a:xfrm>
+            <a:off x="6474164" y="2872869"/>
+            <a:ext cx="2217341" cy="1325563"/>
+          </a:xfrm>
+          <a:prstGeom prst="rect">
+            <a:avLst/>
+          </a:prstGeom>
+        </p:spPr>
+        <p:txBody>
+          <a:bodyPr vert="horz" lIns="91440" tIns="45720" rIns="91440" bIns="45720" rtlCol="0" anchor="ctr">
+            <a:normAutofit/>
+          </a:bodyPr>
+          <a:lstStyle>
+            <a:lvl1pPr algn="l" defTabSz="914400" rtl="0" eaLnBrk="1" latinLnBrk="0" hangingPunct="1">
+              <a:lnSpc>
+                <a:spcPct val="90000"/>
+              </a:lnSpc>
+              <a:spcBef>
+                <a:spcPct val="0"/>
+              </a:spcBef>
+              <a:buNone/>
+              <a:defRPr sz="4400" kern="1200">
+                <a:solidFill>
+                  <a:schemeClr val="tx1"/>
+                </a:solidFill>
+                <a:latin typeface="+mj-lt"/>
+                <a:ea typeface="+mj-ea"/>
+                <a:cs typeface="+mj-cs"/>
+              </a:defRPr>
+            </a:lvl1pPr>
+          </a:lstStyle>
+          <a:p>
+            <a:r>
+              <a:rPr lang="en-US" sz="3000" dirty="0"/>
+              <a:t>Causation</a:t>
+            </a:r>
+          </a:p>
+          <a:p>
+            <a:r>
+              <a:rPr lang="en-US" sz="3000" dirty="0" err="1">
+                <a:solidFill>
+                  <a:schemeClr val="accent5">
+                    <a:lumMod val="75000"/>
+                  </a:schemeClr>
+                </a:solidFill>
+              </a:rPr>
+              <a:t>Causalité</a:t>
+            </a:r>
+            <a:endParaRPr lang="en-US" sz="3000" dirty="0">
+              <a:solidFill>
+                <a:schemeClr val="accent5">
+                  <a:lumMod val="75000"/>
+                </a:schemeClr>
+              </a:solidFill>
+            </a:endParaRPr>
+          </a:p>
+        </p:txBody>
+      </p:sp>
+      <p:sp>
+        <p:nvSpPr>
+          <p:cNvPr id="3" name="Title 1">
+            <a:extLst>
+              <a:ext uri="{FF2B5EF4-FFF2-40B4-BE49-F238E27FC236}">
+                <a16:creationId xmlns:a16="http://schemas.microsoft.com/office/drawing/2014/main" id="{15009D78-6724-2D8F-7F14-6C01D2C93B19}"/>
+              </a:ext>
+            </a:extLst>
+          </p:cNvPr>
+          <p:cNvSpPr txBox="1">
+            <a:spLocks/>
+          </p:cNvSpPr>
+          <p:nvPr/>
+        </p:nvSpPr>
+        <p:spPr>
+          <a:xfrm>
+            <a:off x="3353090" y="3957232"/>
+            <a:ext cx="2217341" cy="1325563"/>
+          </a:xfrm>
+          <a:prstGeom prst="rect">
+            <a:avLst/>
+          </a:prstGeom>
+        </p:spPr>
+        <p:txBody>
+          <a:bodyPr vert="horz" lIns="91440" tIns="45720" rIns="91440" bIns="45720" rtlCol="0" anchor="ctr">
+            <a:normAutofit/>
+          </a:bodyPr>
+          <a:lstStyle>
+            <a:lvl1pPr algn="l" defTabSz="914400" rtl="0" eaLnBrk="1" latinLnBrk="0" hangingPunct="1">
+              <a:lnSpc>
+                <a:spcPct val="90000"/>
+              </a:lnSpc>
+              <a:spcBef>
+                <a:spcPct val="0"/>
+              </a:spcBef>
+              <a:buNone/>
+              <a:defRPr sz="4400" kern="1200">
+                <a:solidFill>
+                  <a:schemeClr val="tx1"/>
+                </a:solidFill>
+                <a:latin typeface="+mj-lt"/>
+                <a:ea typeface="+mj-ea"/>
+                <a:cs typeface="+mj-cs"/>
+              </a:defRPr>
+            </a:lvl1pPr>
+          </a:lstStyle>
+          <a:p>
+            <a:r>
+              <a:rPr lang="en-US" sz="3000" dirty="0"/>
+              <a:t>Pattern</a:t>
+            </a:r>
+          </a:p>
+          <a:p>
+            <a:r>
+              <a:rPr lang="en-US" sz="3000" dirty="0">
+                <a:solidFill>
+                  <a:schemeClr val="accent5">
+                    <a:lumMod val="75000"/>
+                  </a:schemeClr>
+                </a:solidFill>
+              </a:rPr>
+              <a:t>Motif</a:t>
+            </a:r>
+          </a:p>
+        </p:txBody>
+      </p:sp>
+      <p:sp>
+        <p:nvSpPr>
+          <p:cNvPr id="4" name="Title 1">
+            <a:extLst>
+              <a:ext uri="{FF2B5EF4-FFF2-40B4-BE49-F238E27FC236}">
+                <a16:creationId xmlns:a16="http://schemas.microsoft.com/office/drawing/2014/main" id="{D9284E12-4CC6-8C33-CEBD-A6A3A24CADB7}"/>
+              </a:ext>
+            </a:extLst>
+          </p:cNvPr>
+          <p:cNvSpPr txBox="1">
+            <a:spLocks/>
+          </p:cNvSpPr>
+          <p:nvPr/>
+        </p:nvSpPr>
+        <p:spPr>
+          <a:xfrm>
+            <a:off x="6474164" y="3969736"/>
+            <a:ext cx="2217341" cy="1325563"/>
+          </a:xfrm>
+          <a:prstGeom prst="rect">
+            <a:avLst/>
+          </a:prstGeom>
+        </p:spPr>
+        <p:txBody>
+          <a:bodyPr vert="horz" lIns="91440" tIns="45720" rIns="91440" bIns="45720" rtlCol="0" anchor="ctr">
+            <a:normAutofit/>
+          </a:bodyPr>
+          <a:lstStyle>
+            <a:lvl1pPr algn="l" defTabSz="914400" rtl="0" eaLnBrk="1" latinLnBrk="0" hangingPunct="1">
+              <a:lnSpc>
+                <a:spcPct val="90000"/>
+              </a:lnSpc>
+              <a:spcBef>
+                <a:spcPct val="0"/>
+              </a:spcBef>
+              <a:buNone/>
+              <a:defRPr sz="4400" kern="1200">
+                <a:solidFill>
+                  <a:schemeClr val="tx1"/>
+                </a:solidFill>
+                <a:latin typeface="+mj-lt"/>
+                <a:ea typeface="+mj-ea"/>
+                <a:cs typeface="+mj-cs"/>
+              </a:defRPr>
+            </a:lvl1pPr>
+          </a:lstStyle>
+          <a:p>
+            <a:r>
+              <a:rPr lang="en-US" sz="3000" dirty="0"/>
+              <a:t>Process</a:t>
+            </a:r>
+          </a:p>
+          <a:p>
+            <a:r>
+              <a:rPr lang="en-US" sz="3000" dirty="0" err="1">
+                <a:solidFill>
+                  <a:schemeClr val="accent5">
+                    <a:lumMod val="75000"/>
+                  </a:schemeClr>
+                </a:solidFill>
+              </a:rPr>
+              <a:t>Processus</a:t>
+            </a:r>
+            <a:endParaRPr lang="en-US" sz="3000" dirty="0">
+              <a:solidFill>
+                <a:schemeClr val="accent5">
+                  <a:lumMod val="75000"/>
+                </a:schemeClr>
+              </a:solidFill>
+            </a:endParaRPr>
+          </a:p>
+        </p:txBody>
+      </p:sp>
+      <p:sp>
+        <p:nvSpPr>
+          <p:cNvPr id="5" name="Title 1">
+            <a:extLst>
+              <a:ext uri="{FF2B5EF4-FFF2-40B4-BE49-F238E27FC236}">
+                <a16:creationId xmlns:a16="http://schemas.microsoft.com/office/drawing/2014/main" id="{C1B876AD-7525-4B3C-7F25-A5F7BC8C39BD}"/>
+              </a:ext>
+            </a:extLst>
+          </p:cNvPr>
+          <p:cNvSpPr txBox="1">
+            <a:spLocks/>
+          </p:cNvSpPr>
+          <p:nvPr/>
+        </p:nvSpPr>
+        <p:spPr>
+          <a:xfrm>
+            <a:off x="3353091" y="5120990"/>
+            <a:ext cx="2217341" cy="1325563"/>
+          </a:xfrm>
+          <a:prstGeom prst="rect">
+            <a:avLst/>
+          </a:prstGeom>
+        </p:spPr>
+        <p:txBody>
+          <a:bodyPr vert="horz" lIns="91440" tIns="45720" rIns="91440" bIns="45720" rtlCol="0" anchor="ctr">
+            <a:normAutofit/>
+          </a:bodyPr>
+          <a:lstStyle>
+            <a:lvl1pPr algn="l" defTabSz="914400" rtl="0" eaLnBrk="1" latinLnBrk="0" hangingPunct="1">
+              <a:lnSpc>
+                <a:spcPct val="90000"/>
+              </a:lnSpc>
+              <a:spcBef>
+                <a:spcPct val="0"/>
+              </a:spcBef>
+              <a:buNone/>
+              <a:defRPr sz="4400" kern="1200">
+                <a:solidFill>
+                  <a:schemeClr val="tx1"/>
+                </a:solidFill>
+                <a:latin typeface="+mj-lt"/>
+                <a:ea typeface="+mj-ea"/>
+                <a:cs typeface="+mj-cs"/>
+              </a:defRPr>
+            </a:lvl1pPr>
+          </a:lstStyle>
+          <a:p>
+            <a:r>
+              <a:rPr lang="en-US" sz="3000" dirty="0"/>
+              <a:t>What?</a:t>
+            </a:r>
+          </a:p>
+          <a:p>
+            <a:r>
+              <a:rPr lang="en-US" sz="3000" dirty="0">
+                <a:solidFill>
+                  <a:schemeClr val="accent5">
+                    <a:lumMod val="75000"/>
+                  </a:schemeClr>
+                </a:solidFill>
+              </a:rPr>
+              <a:t>Que?</a:t>
+            </a:r>
+          </a:p>
+        </p:txBody>
+      </p:sp>
+      <p:sp>
+        <p:nvSpPr>
+          <p:cNvPr id="7" name="Title 1">
+            <a:extLst>
+              <a:ext uri="{FF2B5EF4-FFF2-40B4-BE49-F238E27FC236}">
+                <a16:creationId xmlns:a16="http://schemas.microsoft.com/office/drawing/2014/main" id="{B26D3266-C872-58E7-8ECA-12593F81FA5A}"/>
+              </a:ext>
+            </a:extLst>
+          </p:cNvPr>
+          <p:cNvSpPr txBox="1">
+            <a:spLocks/>
+          </p:cNvSpPr>
+          <p:nvPr/>
+        </p:nvSpPr>
+        <p:spPr>
+          <a:xfrm>
+            <a:off x="6474164" y="5120989"/>
+            <a:ext cx="2217341" cy="1325563"/>
+          </a:xfrm>
+          <a:prstGeom prst="rect">
+            <a:avLst/>
+          </a:prstGeom>
+        </p:spPr>
+        <p:txBody>
+          <a:bodyPr vert="horz" lIns="91440" tIns="45720" rIns="91440" bIns="45720" rtlCol="0" anchor="ctr">
+            <a:normAutofit/>
+          </a:bodyPr>
+          <a:lstStyle>
+            <a:lvl1pPr algn="l" defTabSz="914400" rtl="0" eaLnBrk="1" latinLnBrk="0" hangingPunct="1">
+              <a:lnSpc>
+                <a:spcPct val="90000"/>
+              </a:lnSpc>
+              <a:spcBef>
+                <a:spcPct val="0"/>
+              </a:spcBef>
+              <a:buNone/>
+              <a:defRPr sz="4400" kern="1200">
+                <a:solidFill>
+                  <a:schemeClr val="tx1"/>
+                </a:solidFill>
+                <a:latin typeface="+mj-lt"/>
+                <a:ea typeface="+mj-ea"/>
+                <a:cs typeface="+mj-cs"/>
+              </a:defRPr>
+            </a:lvl1pPr>
+          </a:lstStyle>
+          <a:p>
+            <a:r>
+              <a:rPr lang="en-US" sz="3000" dirty="0"/>
               <a:t>How?</a:t>
             </a:r>
           </a:p>
@@ -31451,7 +32516,7 @@
 </p:sld>
 </file>
 
-<file path=ppt/slides/slide8.xml><?xml version="1.0" encoding="utf-8"?>
+<file path=ppt/slides/slide9.xml><?xml version="1.0" encoding="utf-8"?>
 <p:sld xmlns:a="http://schemas.openxmlformats.org/drawingml/2006/main" xmlns:r="http://schemas.openxmlformats.org/officeDocument/2006/relationships" xmlns:p="http://schemas.openxmlformats.org/presentationml/2006/main">
   <p:cSld>
     <p:spTree>
@@ -31981,545 +33046,6 @@
     <p:extLst>
       <p:ext uri="{BB962C8B-B14F-4D97-AF65-F5344CB8AC3E}">
         <p14:creationId xmlns:p14="http://schemas.microsoft.com/office/powerpoint/2010/main" val="1461835441"/>
-      </p:ext>
-    </p:extLst>
-  </p:cSld>
-  <p:clrMapOvr>
-    <a:masterClrMapping/>
-  </p:clrMapOvr>
-</p:sld>
-</file>
-
-<file path=ppt/slides/slide9.xml><?xml version="1.0" encoding="utf-8"?>
-<p:sld xmlns:a="http://schemas.openxmlformats.org/drawingml/2006/main" xmlns:r="http://schemas.openxmlformats.org/officeDocument/2006/relationships" xmlns:p="http://schemas.openxmlformats.org/presentationml/2006/main">
-  <p:cSld>
-    <p:spTree>
-      <p:nvGrpSpPr>
-        <p:cNvPr id="1" name=""/>
-        <p:cNvGrpSpPr/>
-        <p:nvPr/>
-      </p:nvGrpSpPr>
-      <p:grpSpPr>
-        <a:xfrm>
-          <a:off x="0" y="0"/>
-          <a:ext cx="0" cy="0"/>
-          <a:chOff x="0" y="0"/>
-          <a:chExt cx="0" cy="0"/>
-        </a:xfrm>
-      </p:grpSpPr>
-      <p:sp>
-        <p:nvSpPr>
-          <p:cNvPr id="8" name="Title 1">
-            <a:extLst>
-              <a:ext uri="{FF2B5EF4-FFF2-40B4-BE49-F238E27FC236}">
-                <a16:creationId xmlns:a16="http://schemas.microsoft.com/office/drawing/2014/main" id="{6182DD66-51BE-4A4D-9224-9E893369BCCB}"/>
-              </a:ext>
-            </a:extLst>
-          </p:cNvPr>
-          <p:cNvSpPr txBox="1">
-            <a:spLocks/>
-          </p:cNvSpPr>
-          <p:nvPr/>
-        </p:nvSpPr>
-        <p:spPr>
-          <a:xfrm>
-            <a:off x="279022" y="175812"/>
-            <a:ext cx="4013015" cy="1325563"/>
-          </a:xfrm>
-          <a:prstGeom prst="rect">
-            <a:avLst/>
-          </a:prstGeom>
-        </p:spPr>
-        <p:txBody>
-          <a:bodyPr vert="horz" lIns="91440" tIns="45720" rIns="91440" bIns="45720" rtlCol="0" anchor="ctr">
-            <a:noAutofit/>
-          </a:bodyPr>
-          <a:lstStyle>
-            <a:lvl1pPr algn="l" defTabSz="914400" rtl="0" eaLnBrk="1" latinLnBrk="0" hangingPunct="1">
-              <a:lnSpc>
-                <a:spcPct val="90000"/>
-              </a:lnSpc>
-              <a:spcBef>
-                <a:spcPct val="0"/>
-              </a:spcBef>
-              <a:buNone/>
-              <a:defRPr sz="4400" kern="1200">
-                <a:solidFill>
-                  <a:schemeClr val="tx1"/>
-                </a:solidFill>
-                <a:latin typeface="+mj-lt"/>
-                <a:ea typeface="+mj-ea"/>
-                <a:cs typeface="+mj-cs"/>
-              </a:defRPr>
-            </a:lvl1pPr>
-          </a:lstStyle>
-          <a:p>
-            <a:pPr algn="ctr"/>
-            <a:r>
-              <a:rPr lang="en-US" sz="3500" dirty="0"/>
-              <a:t>Simple Statistics</a:t>
-            </a:r>
-          </a:p>
-          <a:p>
-            <a:pPr algn="ctr"/>
-            <a:r>
-              <a:rPr lang="en-US" sz="2500" dirty="0"/>
-              <a:t>(categorical groupings)</a:t>
-            </a:r>
-          </a:p>
-          <a:p>
-            <a:pPr algn="ctr"/>
-            <a:r>
-              <a:rPr lang="en-US" sz="2500" dirty="0">
-                <a:solidFill>
-                  <a:schemeClr val="accent5">
-                    <a:lumMod val="75000"/>
-                  </a:schemeClr>
-                </a:solidFill>
-              </a:rPr>
-              <a:t>(</a:t>
-            </a:r>
-            <a:r>
-              <a:rPr lang="en-US" sz="2500" dirty="0" err="1">
-                <a:solidFill>
-                  <a:schemeClr val="accent5">
-                    <a:lumMod val="75000"/>
-                  </a:schemeClr>
-                </a:solidFill>
-              </a:rPr>
-              <a:t>regroupements</a:t>
-            </a:r>
-            <a:r>
-              <a:rPr lang="en-US" sz="2500" dirty="0">
-                <a:solidFill>
-                  <a:schemeClr val="accent5">
-                    <a:lumMod val="75000"/>
-                  </a:schemeClr>
-                </a:solidFill>
-              </a:rPr>
-              <a:t> </a:t>
-            </a:r>
-            <a:r>
-              <a:rPr lang="en-US" sz="2500" dirty="0" err="1">
-                <a:solidFill>
-                  <a:schemeClr val="accent5">
-                    <a:lumMod val="75000"/>
-                  </a:schemeClr>
-                </a:solidFill>
-              </a:rPr>
-              <a:t>catégoriels</a:t>
-            </a:r>
-            <a:r>
-              <a:rPr lang="en-US" sz="2500" dirty="0">
-                <a:solidFill>
-                  <a:schemeClr val="accent5">
-                    <a:lumMod val="75000"/>
-                  </a:schemeClr>
-                </a:solidFill>
-              </a:rPr>
-              <a:t>)</a:t>
-            </a:r>
-          </a:p>
-        </p:txBody>
-      </p:sp>
-      <p:sp>
-        <p:nvSpPr>
-          <p:cNvPr id="3" name="Rectangle 2">
-            <a:extLst>
-              <a:ext uri="{FF2B5EF4-FFF2-40B4-BE49-F238E27FC236}">
-                <a16:creationId xmlns:a16="http://schemas.microsoft.com/office/drawing/2014/main" id="{4B013344-0504-32D6-6055-E9DF99FAD13C}"/>
-              </a:ext>
-            </a:extLst>
-          </p:cNvPr>
-          <p:cNvSpPr/>
-          <p:nvPr/>
-        </p:nvSpPr>
-        <p:spPr>
-          <a:xfrm rot="5400000">
-            <a:off x="2257227" y="-44050"/>
-            <a:ext cx="45719" cy="3242270"/>
-          </a:xfrm>
-          <a:prstGeom prst="rect">
-            <a:avLst/>
-          </a:prstGeom>
-          <a:solidFill>
-            <a:schemeClr val="tx1"/>
-          </a:solidFill>
-        </p:spPr>
-        <p:style>
-          <a:lnRef idx="2">
-            <a:schemeClr val="accent1">
-              <a:shade val="50000"/>
-            </a:schemeClr>
-          </a:lnRef>
-          <a:fillRef idx="1">
-            <a:schemeClr val="accent1"/>
-          </a:fillRef>
-          <a:effectRef idx="0">
-            <a:schemeClr val="accent1"/>
-          </a:effectRef>
-          <a:fontRef idx="minor">
-            <a:schemeClr val="lt1"/>
-          </a:fontRef>
-        </p:style>
-        <p:txBody>
-          <a:bodyPr rtlCol="0" anchor="ctr"/>
-          <a:lstStyle/>
-          <a:p>
-            <a:pPr algn="ctr"/>
-            <a:endParaRPr lang="en-US"/>
-          </a:p>
-        </p:txBody>
-      </p:sp>
-      <p:sp>
-        <p:nvSpPr>
-          <p:cNvPr id="25" name="Title 1">
-            <a:extLst>
-              <a:ext uri="{FF2B5EF4-FFF2-40B4-BE49-F238E27FC236}">
-                <a16:creationId xmlns:a16="http://schemas.microsoft.com/office/drawing/2014/main" id="{9CA237A8-E7E5-1188-739D-8B5E22384DAD}"/>
-              </a:ext>
-            </a:extLst>
-          </p:cNvPr>
-          <p:cNvSpPr txBox="1">
-            <a:spLocks/>
-          </p:cNvSpPr>
-          <p:nvPr/>
-        </p:nvSpPr>
-        <p:spPr>
-          <a:xfrm>
-            <a:off x="212063" y="3296062"/>
-            <a:ext cx="4723804" cy="1898491"/>
-          </a:xfrm>
-          <a:prstGeom prst="rect">
-            <a:avLst/>
-          </a:prstGeom>
-        </p:spPr>
-        <p:txBody>
-          <a:bodyPr vert="horz" lIns="91440" tIns="45720" rIns="91440" bIns="45720" rtlCol="0" anchor="ctr">
-            <a:noAutofit/>
-          </a:bodyPr>
-          <a:lstStyle>
-            <a:lvl1pPr algn="l" defTabSz="914400" rtl="0" eaLnBrk="1" latinLnBrk="0" hangingPunct="1">
-              <a:lnSpc>
-                <a:spcPct val="90000"/>
-              </a:lnSpc>
-              <a:spcBef>
-                <a:spcPct val="0"/>
-              </a:spcBef>
-              <a:buNone/>
-              <a:defRPr sz="4400" kern="1200">
-                <a:solidFill>
-                  <a:schemeClr val="tx1"/>
-                </a:solidFill>
-                <a:latin typeface="+mj-lt"/>
-                <a:ea typeface="+mj-ea"/>
-                <a:cs typeface="+mj-cs"/>
-              </a:defRPr>
-            </a:lvl1pPr>
-          </a:lstStyle>
-          <a:p>
-            <a:r>
-              <a:rPr lang="en-US" sz="3500" dirty="0"/>
-              <a:t>t-tests</a:t>
-            </a:r>
-          </a:p>
-          <a:p>
-            <a:r>
-              <a:rPr lang="en-US" sz="2500" dirty="0"/>
-              <a:t>difference between 2 means</a:t>
-            </a:r>
-          </a:p>
-          <a:p>
-            <a:r>
-              <a:rPr lang="en-US" sz="2500" dirty="0" err="1">
-                <a:solidFill>
-                  <a:schemeClr val="accent5">
-                    <a:lumMod val="75000"/>
-                  </a:schemeClr>
-                </a:solidFill>
-              </a:rPr>
-              <a:t>différence</a:t>
-            </a:r>
-            <a:r>
-              <a:rPr lang="en-US" sz="2500" dirty="0">
-                <a:solidFill>
-                  <a:schemeClr val="accent5">
-                    <a:lumMod val="75000"/>
-                  </a:schemeClr>
-                </a:solidFill>
-              </a:rPr>
-              <a:t> entre 2 </a:t>
-            </a:r>
-            <a:r>
-              <a:rPr lang="en-US" sz="2500" dirty="0" err="1">
-                <a:solidFill>
-                  <a:schemeClr val="accent5">
-                    <a:lumMod val="75000"/>
-                  </a:schemeClr>
-                </a:solidFill>
-              </a:rPr>
-              <a:t>moyennes</a:t>
-            </a:r>
-            <a:endParaRPr lang="en-US" sz="2500" dirty="0">
-              <a:solidFill>
-                <a:schemeClr val="accent5">
-                  <a:lumMod val="75000"/>
-                </a:schemeClr>
-              </a:solidFill>
-            </a:endParaRPr>
-          </a:p>
-          <a:p>
-            <a:endParaRPr lang="en-US" sz="500" dirty="0"/>
-          </a:p>
-          <a:p>
-            <a:r>
-              <a:rPr lang="en-US" sz="3500" dirty="0"/>
-              <a:t>ANOVAs</a:t>
-            </a:r>
-          </a:p>
-          <a:p>
-            <a:r>
-              <a:rPr lang="en-US" sz="2500" dirty="0"/>
-              <a:t>difference between many means</a:t>
-            </a:r>
-          </a:p>
-          <a:p>
-            <a:r>
-              <a:rPr lang="en-US" sz="2500" dirty="0" err="1">
-                <a:solidFill>
-                  <a:schemeClr val="accent5">
-                    <a:lumMod val="75000"/>
-                  </a:schemeClr>
-                </a:solidFill>
-              </a:rPr>
-              <a:t>différence</a:t>
-            </a:r>
-            <a:r>
-              <a:rPr lang="en-US" sz="2500" dirty="0">
-                <a:solidFill>
-                  <a:schemeClr val="accent5">
-                    <a:lumMod val="75000"/>
-                  </a:schemeClr>
-                </a:solidFill>
-              </a:rPr>
-              <a:t> entre </a:t>
-            </a:r>
-            <a:r>
-              <a:rPr lang="en-US" sz="2500" dirty="0" err="1">
-                <a:solidFill>
-                  <a:schemeClr val="accent5">
-                    <a:lumMod val="75000"/>
-                  </a:schemeClr>
-                </a:solidFill>
-              </a:rPr>
-              <a:t>plusieurs</a:t>
-            </a:r>
-            <a:r>
-              <a:rPr lang="en-US" sz="2500" dirty="0">
-                <a:solidFill>
-                  <a:schemeClr val="accent5">
-                    <a:lumMod val="75000"/>
-                  </a:schemeClr>
-                </a:solidFill>
-              </a:rPr>
-              <a:t> </a:t>
-            </a:r>
-            <a:r>
-              <a:rPr lang="en-US" sz="2500" dirty="0" err="1">
-                <a:solidFill>
-                  <a:schemeClr val="accent5">
-                    <a:lumMod val="75000"/>
-                  </a:schemeClr>
-                </a:solidFill>
-              </a:rPr>
-              <a:t>moyens</a:t>
-            </a:r>
-            <a:endParaRPr lang="en-US" sz="2500" dirty="0">
-              <a:solidFill>
-                <a:schemeClr val="accent5">
-                  <a:lumMod val="75000"/>
-                </a:schemeClr>
-              </a:solidFill>
-            </a:endParaRPr>
-          </a:p>
-          <a:p>
-            <a:endParaRPr lang="en-US" sz="500" dirty="0"/>
-          </a:p>
-          <a:p>
-            <a:r>
-              <a:rPr lang="en-US" sz="3500" dirty="0"/>
-              <a:t>permutation tests</a:t>
-            </a:r>
-          </a:p>
-          <a:p>
-            <a:r>
-              <a:rPr lang="en-US" sz="2500" dirty="0"/>
-              <a:t>difference between proportions</a:t>
-            </a:r>
-          </a:p>
-          <a:p>
-            <a:r>
-              <a:rPr lang="en-US" sz="2500" dirty="0" err="1">
-                <a:solidFill>
-                  <a:schemeClr val="accent5">
-                    <a:lumMod val="75000"/>
-                  </a:schemeClr>
-                </a:solidFill>
-              </a:rPr>
-              <a:t>différence</a:t>
-            </a:r>
-            <a:r>
-              <a:rPr lang="en-US" sz="2500" dirty="0">
-                <a:solidFill>
-                  <a:schemeClr val="accent5">
-                    <a:lumMod val="75000"/>
-                  </a:schemeClr>
-                </a:solidFill>
-              </a:rPr>
-              <a:t> entre les proportions</a:t>
-            </a:r>
-          </a:p>
-          <a:p>
-            <a:endParaRPr lang="en-US" sz="500" dirty="0"/>
-          </a:p>
-          <a:p>
-            <a:r>
-              <a:rPr lang="en-US" sz="3500" dirty="0"/>
-              <a:t>chi-square</a:t>
-            </a:r>
-          </a:p>
-          <a:p>
-            <a:r>
-              <a:rPr lang="en-US" sz="2500" dirty="0"/>
-              <a:t>contingency tables</a:t>
-            </a:r>
-          </a:p>
-          <a:p>
-            <a:r>
-              <a:rPr lang="en-US" sz="2500" dirty="0">
-                <a:solidFill>
-                  <a:schemeClr val="accent5">
-                    <a:lumMod val="75000"/>
-                  </a:schemeClr>
-                </a:solidFill>
-              </a:rPr>
-              <a:t>tableaux de contingence</a:t>
-            </a:r>
-          </a:p>
-        </p:txBody>
-      </p:sp>
-      <p:sp>
-        <p:nvSpPr>
-          <p:cNvPr id="27" name="Content Placeholder 2">
-            <a:extLst>
-              <a:ext uri="{FF2B5EF4-FFF2-40B4-BE49-F238E27FC236}">
-                <a16:creationId xmlns:a16="http://schemas.microsoft.com/office/drawing/2014/main" id="{C5A35C6D-1F60-B490-42FC-98FFD9925D28}"/>
-              </a:ext>
-            </a:extLst>
-          </p:cNvPr>
-          <p:cNvSpPr>
-            <a:spLocks noGrp="1"/>
-          </p:cNvSpPr>
-          <p:nvPr>
-            <p:ph idx="1"/>
-          </p:nvPr>
-        </p:nvSpPr>
-        <p:spPr>
-          <a:xfrm>
-            <a:off x="9908870" y="18049"/>
-            <a:ext cx="2253951" cy="406587"/>
-          </a:xfrm>
-        </p:spPr>
-        <p:style>
-          <a:lnRef idx="2">
-            <a:schemeClr val="accent2">
-              <a:shade val="50000"/>
-            </a:schemeClr>
-          </a:lnRef>
-          <a:fillRef idx="1">
-            <a:schemeClr val="accent2"/>
-          </a:fillRef>
-          <a:effectRef idx="0">
-            <a:schemeClr val="accent2"/>
-          </a:effectRef>
-          <a:fontRef idx="minor">
-            <a:schemeClr val="lt1"/>
-          </a:fontRef>
-        </p:style>
-        <p:txBody>
-          <a:bodyPr>
-            <a:noAutofit/>
-          </a:bodyPr>
-          <a:lstStyle/>
-          <a:p>
-            <a:pPr marL="0" indent="0" algn="ctr">
-              <a:buNone/>
-            </a:pPr>
-            <a:r>
-              <a:rPr lang="en-US" dirty="0"/>
-              <a:t>Statistical</a:t>
-            </a:r>
-          </a:p>
-        </p:txBody>
-      </p:sp>
-      <p:sp>
-        <p:nvSpPr>
-          <p:cNvPr id="28" name="Rectangle 27">
-            <a:extLst>
-              <a:ext uri="{FF2B5EF4-FFF2-40B4-BE49-F238E27FC236}">
-                <a16:creationId xmlns:a16="http://schemas.microsoft.com/office/drawing/2014/main" id="{2EE1092D-A34C-E622-FE5D-00EF6C1F696A}"/>
-              </a:ext>
-            </a:extLst>
-          </p:cNvPr>
-          <p:cNvSpPr/>
-          <p:nvPr/>
-        </p:nvSpPr>
-        <p:spPr>
-          <a:xfrm>
-            <a:off x="212063" y="3031067"/>
-            <a:ext cx="4953378" cy="3651121"/>
-          </a:xfrm>
-          <a:prstGeom prst="rect">
-            <a:avLst/>
-          </a:prstGeom>
-          <a:solidFill>
-            <a:schemeClr val="bg1"/>
-          </a:solidFill>
-          <a:ln>
-            <a:solidFill>
-              <a:schemeClr val="bg1"/>
-            </a:solidFill>
-          </a:ln>
-        </p:spPr>
-        <p:style>
-          <a:lnRef idx="2">
-            <a:schemeClr val="accent1">
-              <a:shade val="50000"/>
-            </a:schemeClr>
-          </a:lnRef>
-          <a:fillRef idx="1">
-            <a:schemeClr val="accent1"/>
-          </a:fillRef>
-          <a:effectRef idx="0">
-            <a:schemeClr val="accent1"/>
-          </a:effectRef>
-          <a:fontRef idx="minor">
-            <a:schemeClr val="lt1"/>
-          </a:fontRef>
-        </p:style>
-        <p:txBody>
-          <a:bodyPr rtlCol="0" anchor="ctr"/>
-          <a:lstStyle/>
-          <a:p>
-            <a:pPr algn="ctr"/>
-            <a:endParaRPr lang="en-US"/>
-          </a:p>
-        </p:txBody>
-      </p:sp>
-    </p:spTree>
-    <p:extLst>
-      <p:ext uri="{BB962C8B-B14F-4D97-AF65-F5344CB8AC3E}">
-        <p14:creationId xmlns:p14="http://schemas.microsoft.com/office/powerpoint/2010/main" val="3170510185"/>
       </p:ext>
     </p:extLst>
   </p:cSld>
